--- a/Computational science/one - high level view.pptx
+++ b/Computational science/one - high level view.pptx
@@ -125,4163 +125,6 @@
 </p:presentation>
 </file>
 
-<file path=ppt/charts/chart1.xml><?xml version="1.0" encoding="utf-8"?>
-<c:chartSpace xmlns:c="http://schemas.openxmlformats.org/drawingml/2006/chart" xmlns:a="http://schemas.openxmlformats.org/drawingml/2006/main" xmlns:r="http://schemas.openxmlformats.org/officeDocument/2006/relationships" xmlns:c16r2="http://schemas.microsoft.com/office/drawing/2015/06/chart">
-  <c:date1904 val="0"/>
-  <c:lang val="en-US"/>
-  <c:roundedCorners val="0"/>
-  <mc:AlternateContent xmlns:mc="http://schemas.openxmlformats.org/markup-compatibility/2006">
-    <mc:Choice xmlns:c14="http://schemas.microsoft.com/office/drawing/2007/8/2/chart" Requires="c14">
-      <c14:style val="102"/>
-    </mc:Choice>
-    <mc:Fallback>
-      <c:style val="2"/>
-    </mc:Fallback>
-  </mc:AlternateContent>
-  <c:chart>
-    <c:autoTitleDeleted val="1"/>
-    <c:plotArea>
-      <c:layout/>
-      <c:barChart>
-        <c:barDir val="col"/>
-        <c:grouping val="clustered"/>
-        <c:varyColors val="0"/>
-        <c:ser>
-          <c:idx val="0"/>
-          <c:order val="0"/>
-          <c:tx>
-            <c:strRef>
-              <c:f>Sheet1!$B$1</c:f>
-              <c:strCache>
-                <c:ptCount val="1"/>
-                <c:pt idx="0">
-                  <c:v>Series 1</c:v>
-                </c:pt>
-              </c:strCache>
-            </c:strRef>
-          </c:tx>
-          <c:spPr>
-            <a:gradFill rotWithShape="1">
-              <a:gsLst>
-                <a:gs pos="0">
-                  <a:schemeClr val="accent1">
-                    <a:satMod val="103000"/>
-                    <a:lumMod val="102000"/>
-                    <a:tint val="94000"/>
-                  </a:schemeClr>
-                </a:gs>
-                <a:gs pos="50000">
-                  <a:schemeClr val="accent1">
-                    <a:satMod val="110000"/>
-                    <a:lumMod val="100000"/>
-                    <a:shade val="100000"/>
-                  </a:schemeClr>
-                </a:gs>
-                <a:gs pos="100000">
-                  <a:schemeClr val="accent1">
-                    <a:lumMod val="99000"/>
-                    <a:satMod val="120000"/>
-                    <a:shade val="78000"/>
-                  </a:schemeClr>
-                </a:gs>
-              </a:gsLst>
-              <a:lin ang="5400000" scaled="0"/>
-            </a:gradFill>
-            <a:ln>
-              <a:noFill/>
-            </a:ln>
-            <a:effectLst>
-              <a:outerShdw blurRad="57150" dist="19050" dir="5400000" algn="ctr" rotWithShape="0">
-                <a:srgbClr val="000000">
-                  <a:alpha val="63000"/>
-                </a:srgbClr>
-              </a:outerShdw>
-            </a:effectLst>
-          </c:spPr>
-          <c:invertIfNegative val="0"/>
-          <c:cat>
-            <c:strRef>
-              <c:f>Sheet1!$A$2:$A$5</c:f>
-              <c:strCache>
-                <c:ptCount val="4"/>
-                <c:pt idx="0">
-                  <c:v>Category 1</c:v>
-                </c:pt>
-                <c:pt idx="1">
-                  <c:v>Category 2</c:v>
-                </c:pt>
-                <c:pt idx="2">
-                  <c:v>Category 3</c:v>
-                </c:pt>
-                <c:pt idx="3">
-                  <c:v>Category 4</c:v>
-                </c:pt>
-              </c:strCache>
-            </c:strRef>
-          </c:cat>
-          <c:val>
-            <c:numRef>
-              <c:f>Sheet1!$B$2:$B$5</c:f>
-              <c:numCache>
-                <c:formatCode>General</c:formatCode>
-                <c:ptCount val="4"/>
-                <c:pt idx="0">
-                  <c:v>4.3</c:v>
-                </c:pt>
-                <c:pt idx="1">
-                  <c:v>2.5</c:v>
-                </c:pt>
-                <c:pt idx="2">
-                  <c:v>3.5</c:v>
-                </c:pt>
-                <c:pt idx="3">
-                  <c:v>4.5</c:v>
-                </c:pt>
-              </c:numCache>
-            </c:numRef>
-          </c:val>
-          <c:extLst>
-            <c:ext xmlns:c16="http://schemas.microsoft.com/office/drawing/2014/chart" uri="{C3380CC4-5D6E-409C-BE32-E72D297353CC}">
-              <c16:uniqueId val="{00000000-8392-4FD2-AACC-B80B126B6291}"/>
-            </c:ext>
-          </c:extLst>
-        </c:ser>
-        <c:ser>
-          <c:idx val="1"/>
-          <c:order val="1"/>
-          <c:tx>
-            <c:strRef>
-              <c:f>Sheet1!$C$1</c:f>
-              <c:strCache>
-                <c:ptCount val="1"/>
-                <c:pt idx="0">
-                  <c:v>Series 2</c:v>
-                </c:pt>
-              </c:strCache>
-            </c:strRef>
-          </c:tx>
-          <c:spPr>
-            <a:gradFill rotWithShape="1">
-              <a:gsLst>
-                <a:gs pos="0">
-                  <a:schemeClr val="accent2">
-                    <a:satMod val="103000"/>
-                    <a:lumMod val="102000"/>
-                    <a:tint val="94000"/>
-                  </a:schemeClr>
-                </a:gs>
-                <a:gs pos="50000">
-                  <a:schemeClr val="accent2">
-                    <a:satMod val="110000"/>
-                    <a:lumMod val="100000"/>
-                    <a:shade val="100000"/>
-                  </a:schemeClr>
-                </a:gs>
-                <a:gs pos="100000">
-                  <a:schemeClr val="accent2">
-                    <a:lumMod val="99000"/>
-                    <a:satMod val="120000"/>
-                    <a:shade val="78000"/>
-                  </a:schemeClr>
-                </a:gs>
-              </a:gsLst>
-              <a:lin ang="5400000" scaled="0"/>
-            </a:gradFill>
-            <a:ln>
-              <a:noFill/>
-            </a:ln>
-            <a:effectLst>
-              <a:outerShdw blurRad="57150" dist="19050" dir="5400000" algn="ctr" rotWithShape="0">
-                <a:srgbClr val="000000">
-                  <a:alpha val="63000"/>
-                </a:srgbClr>
-              </a:outerShdw>
-            </a:effectLst>
-          </c:spPr>
-          <c:invertIfNegative val="0"/>
-          <c:cat>
-            <c:strRef>
-              <c:f>Sheet1!$A$2:$A$5</c:f>
-              <c:strCache>
-                <c:ptCount val="4"/>
-                <c:pt idx="0">
-                  <c:v>Category 1</c:v>
-                </c:pt>
-                <c:pt idx="1">
-                  <c:v>Category 2</c:v>
-                </c:pt>
-                <c:pt idx="2">
-                  <c:v>Category 3</c:v>
-                </c:pt>
-                <c:pt idx="3">
-                  <c:v>Category 4</c:v>
-                </c:pt>
-              </c:strCache>
-            </c:strRef>
-          </c:cat>
-          <c:val>
-            <c:numRef>
-              <c:f>Sheet1!$C$2:$C$5</c:f>
-              <c:numCache>
-                <c:formatCode>General</c:formatCode>
-                <c:ptCount val="4"/>
-                <c:pt idx="0">
-                  <c:v>2.4</c:v>
-                </c:pt>
-                <c:pt idx="1">
-                  <c:v>4.4000000000000004</c:v>
-                </c:pt>
-                <c:pt idx="2">
-                  <c:v>1.8</c:v>
-                </c:pt>
-                <c:pt idx="3">
-                  <c:v>2.8</c:v>
-                </c:pt>
-              </c:numCache>
-            </c:numRef>
-          </c:val>
-          <c:extLst>
-            <c:ext xmlns:c16="http://schemas.microsoft.com/office/drawing/2014/chart" uri="{C3380CC4-5D6E-409C-BE32-E72D297353CC}">
-              <c16:uniqueId val="{00000001-8392-4FD2-AACC-B80B126B6291}"/>
-            </c:ext>
-          </c:extLst>
-        </c:ser>
-        <c:ser>
-          <c:idx val="2"/>
-          <c:order val="2"/>
-          <c:tx>
-            <c:strRef>
-              <c:f>Sheet1!$D$1</c:f>
-              <c:strCache>
-                <c:ptCount val="1"/>
-                <c:pt idx="0">
-                  <c:v>Series 3</c:v>
-                </c:pt>
-              </c:strCache>
-            </c:strRef>
-          </c:tx>
-          <c:spPr>
-            <a:gradFill rotWithShape="1">
-              <a:gsLst>
-                <a:gs pos="0">
-                  <a:schemeClr val="accent3">
-                    <a:satMod val="103000"/>
-                    <a:lumMod val="102000"/>
-                    <a:tint val="94000"/>
-                  </a:schemeClr>
-                </a:gs>
-                <a:gs pos="50000">
-                  <a:schemeClr val="accent3">
-                    <a:satMod val="110000"/>
-                    <a:lumMod val="100000"/>
-                    <a:shade val="100000"/>
-                  </a:schemeClr>
-                </a:gs>
-                <a:gs pos="100000">
-                  <a:schemeClr val="accent3">
-                    <a:lumMod val="99000"/>
-                    <a:satMod val="120000"/>
-                    <a:shade val="78000"/>
-                  </a:schemeClr>
-                </a:gs>
-              </a:gsLst>
-              <a:lin ang="5400000" scaled="0"/>
-            </a:gradFill>
-            <a:ln>
-              <a:noFill/>
-            </a:ln>
-            <a:effectLst>
-              <a:outerShdw blurRad="57150" dist="19050" dir="5400000" algn="ctr" rotWithShape="0">
-                <a:srgbClr val="000000">
-                  <a:alpha val="63000"/>
-                </a:srgbClr>
-              </a:outerShdw>
-            </a:effectLst>
-          </c:spPr>
-          <c:invertIfNegative val="0"/>
-          <c:cat>
-            <c:strRef>
-              <c:f>Sheet1!$A$2:$A$5</c:f>
-              <c:strCache>
-                <c:ptCount val="4"/>
-                <c:pt idx="0">
-                  <c:v>Category 1</c:v>
-                </c:pt>
-                <c:pt idx="1">
-                  <c:v>Category 2</c:v>
-                </c:pt>
-                <c:pt idx="2">
-                  <c:v>Category 3</c:v>
-                </c:pt>
-                <c:pt idx="3">
-                  <c:v>Category 4</c:v>
-                </c:pt>
-              </c:strCache>
-            </c:strRef>
-          </c:cat>
-          <c:val>
-            <c:numRef>
-              <c:f>Sheet1!$D$2:$D$5</c:f>
-              <c:numCache>
-                <c:formatCode>General</c:formatCode>
-                <c:ptCount val="4"/>
-                <c:pt idx="0">
-                  <c:v>2</c:v>
-                </c:pt>
-                <c:pt idx="1">
-                  <c:v>2</c:v>
-                </c:pt>
-                <c:pt idx="2">
-                  <c:v>3</c:v>
-                </c:pt>
-                <c:pt idx="3">
-                  <c:v>5</c:v>
-                </c:pt>
-              </c:numCache>
-            </c:numRef>
-          </c:val>
-          <c:extLst>
-            <c:ext xmlns:c16="http://schemas.microsoft.com/office/drawing/2014/chart" uri="{C3380CC4-5D6E-409C-BE32-E72D297353CC}">
-              <c16:uniqueId val="{00000002-8392-4FD2-AACC-B80B126B6291}"/>
-            </c:ext>
-          </c:extLst>
-        </c:ser>
-        <c:dLbls>
-          <c:showLegendKey val="0"/>
-          <c:showVal val="0"/>
-          <c:showCatName val="0"/>
-          <c:showSerName val="0"/>
-          <c:showPercent val="0"/>
-          <c:showBubbleSize val="0"/>
-        </c:dLbls>
-        <c:gapWidth val="100"/>
-        <c:overlap val="-24"/>
-        <c:axId val="516113312"/>
-        <c:axId val="516099592"/>
-      </c:barChart>
-      <c:catAx>
-        <c:axId val="516113312"/>
-        <c:scaling>
-          <c:orientation val="minMax"/>
-        </c:scaling>
-        <c:delete val="0"/>
-        <c:axPos val="b"/>
-        <c:numFmt formatCode="General" sourceLinked="1"/>
-        <c:majorTickMark val="none"/>
-        <c:minorTickMark val="none"/>
-        <c:tickLblPos val="nextTo"/>
-        <c:spPr>
-          <a:noFill/>
-          <a:ln w="12700" cap="flat" cmpd="sng" algn="ctr">
-            <a:solidFill>
-              <a:schemeClr val="lt1">
-                <a:lumMod val="95000"/>
-                <a:alpha val="54000"/>
-              </a:schemeClr>
-            </a:solidFill>
-            <a:round/>
-          </a:ln>
-          <a:effectLst/>
-        </c:spPr>
-        <c:txPr>
-          <a:bodyPr rot="-60000000" spcFirstLastPara="1" vertOverflow="ellipsis" vert="horz" wrap="square" anchor="ctr" anchorCtr="1"/>
-          <a:lstStyle/>
-          <a:p>
-            <a:pPr>
-              <a:defRPr sz="1197" b="0" i="0" u="none" strike="noStrike" kern="1200" baseline="0">
-                <a:solidFill>
-                  <a:schemeClr val="lt1">
-                    <a:lumMod val="85000"/>
-                  </a:schemeClr>
-                </a:solidFill>
-                <a:latin typeface="+mn-lt"/>
-                <a:ea typeface="+mn-ea"/>
-                <a:cs typeface="+mn-cs"/>
-              </a:defRPr>
-            </a:pPr>
-            <a:endParaRPr lang="en-US"/>
-          </a:p>
-        </c:txPr>
-        <c:crossAx val="516099592"/>
-        <c:crosses val="autoZero"/>
-        <c:auto val="1"/>
-        <c:lblAlgn val="ctr"/>
-        <c:lblOffset val="100"/>
-        <c:noMultiLvlLbl val="0"/>
-      </c:catAx>
-      <c:valAx>
-        <c:axId val="516099592"/>
-        <c:scaling>
-          <c:orientation val="minMax"/>
-        </c:scaling>
-        <c:delete val="0"/>
-        <c:axPos val="l"/>
-        <c:majorGridlines>
-          <c:spPr>
-            <a:ln w="9525" cap="flat" cmpd="sng" algn="ctr">
-              <a:solidFill>
-                <a:schemeClr val="lt1">
-                  <a:lumMod val="95000"/>
-                  <a:alpha val="10000"/>
-                </a:schemeClr>
-              </a:solidFill>
-              <a:round/>
-            </a:ln>
-            <a:effectLst/>
-          </c:spPr>
-        </c:majorGridlines>
-        <c:numFmt formatCode="General" sourceLinked="1"/>
-        <c:majorTickMark val="none"/>
-        <c:minorTickMark val="none"/>
-        <c:tickLblPos val="nextTo"/>
-        <c:spPr>
-          <a:noFill/>
-          <a:ln>
-            <a:noFill/>
-          </a:ln>
-          <a:effectLst/>
-        </c:spPr>
-        <c:txPr>
-          <a:bodyPr rot="-60000000" spcFirstLastPara="1" vertOverflow="ellipsis" vert="horz" wrap="square" anchor="ctr" anchorCtr="1"/>
-          <a:lstStyle/>
-          <a:p>
-            <a:pPr>
-              <a:defRPr sz="1197" b="0" i="0" u="none" strike="noStrike" kern="1200" baseline="0">
-                <a:solidFill>
-                  <a:schemeClr val="lt1">
-                    <a:lumMod val="85000"/>
-                  </a:schemeClr>
-                </a:solidFill>
-                <a:latin typeface="+mn-lt"/>
-                <a:ea typeface="+mn-ea"/>
-                <a:cs typeface="+mn-cs"/>
-              </a:defRPr>
-            </a:pPr>
-            <a:endParaRPr lang="en-US"/>
-          </a:p>
-        </c:txPr>
-        <c:crossAx val="516113312"/>
-        <c:crosses val="autoZero"/>
-        <c:crossBetween val="between"/>
-      </c:valAx>
-      <c:spPr>
-        <a:noFill/>
-        <a:ln>
-          <a:noFill/>
-        </a:ln>
-        <a:effectLst/>
-      </c:spPr>
-    </c:plotArea>
-    <c:legend>
-      <c:legendPos val="b"/>
-      <c:overlay val="0"/>
-      <c:spPr>
-        <a:noFill/>
-        <a:ln>
-          <a:noFill/>
-        </a:ln>
-        <a:effectLst/>
-      </c:spPr>
-      <c:txPr>
-        <a:bodyPr rot="0" spcFirstLastPara="1" vertOverflow="ellipsis" vert="horz" wrap="square" anchor="ctr" anchorCtr="1"/>
-        <a:lstStyle/>
-        <a:p>
-          <a:pPr>
-            <a:defRPr sz="1197" b="0" i="0" u="none" strike="noStrike" kern="1200" baseline="0">
-              <a:solidFill>
-                <a:schemeClr val="lt1">
-                  <a:lumMod val="85000"/>
-                </a:schemeClr>
-              </a:solidFill>
-              <a:latin typeface="+mn-lt"/>
-              <a:ea typeface="+mn-ea"/>
-              <a:cs typeface="+mn-cs"/>
-            </a:defRPr>
-          </a:pPr>
-          <a:endParaRPr lang="en-US"/>
-        </a:p>
-      </c:txPr>
-    </c:legend>
-    <c:plotVisOnly val="1"/>
-    <c:dispBlanksAs val="gap"/>
-    <c:showDLblsOverMax val="0"/>
-  </c:chart>
-  <c:spPr>
-    <a:gradFill flip="none" rotWithShape="1">
-      <a:gsLst>
-        <a:gs pos="0">
-          <a:schemeClr val="dk1">
-            <a:lumMod val="65000"/>
-            <a:lumOff val="35000"/>
-          </a:schemeClr>
-        </a:gs>
-        <a:gs pos="100000">
-          <a:schemeClr val="dk1">
-            <a:lumMod val="85000"/>
-            <a:lumOff val="15000"/>
-          </a:schemeClr>
-        </a:gs>
-      </a:gsLst>
-      <a:path path="circle">
-        <a:fillToRect l="50000" t="50000" r="50000" b="50000"/>
-      </a:path>
-      <a:tileRect/>
-    </a:gradFill>
-    <a:ln>
-      <a:noFill/>
-    </a:ln>
-    <a:effectLst/>
-  </c:spPr>
-  <c:txPr>
-    <a:bodyPr/>
-    <a:lstStyle/>
-    <a:p>
-      <a:pPr>
-        <a:defRPr/>
-      </a:pPr>
-      <a:endParaRPr lang="en-US"/>
-    </a:p>
-  </c:txPr>
-  <c:externalData r:id="rId3">
-    <c:autoUpdate val="0"/>
-  </c:externalData>
-</c:chartSpace>
-</file>
-
-<file path=ppt/charts/colors1.xml><?xml version="1.0" encoding="utf-8"?>
-<cs:colorStyle xmlns:cs="http://schemas.microsoft.com/office/drawing/2012/chartStyle" xmlns:a="http://schemas.openxmlformats.org/drawingml/2006/main" meth="cycle" id="10">
-  <a:schemeClr val="accent1"/>
-  <a:schemeClr val="accent2"/>
-  <a:schemeClr val="accent3"/>
-  <a:schemeClr val="accent4"/>
-  <a:schemeClr val="accent5"/>
-  <a:schemeClr val="accent6"/>
-  <cs:variation/>
-  <cs:variation>
-    <a:lumMod val="60000"/>
-  </cs:variation>
-  <cs:variation>
-    <a:lumMod val="80000"/>
-    <a:lumOff val="20000"/>
-  </cs:variation>
-  <cs:variation>
-    <a:lumMod val="80000"/>
-  </cs:variation>
-  <cs:variation>
-    <a:lumMod val="60000"/>
-    <a:lumOff val="40000"/>
-  </cs:variation>
-  <cs:variation>
-    <a:lumMod val="50000"/>
-  </cs:variation>
-  <cs:variation>
-    <a:lumMod val="70000"/>
-    <a:lumOff val="30000"/>
-  </cs:variation>
-  <cs:variation>
-    <a:lumMod val="70000"/>
-  </cs:variation>
-  <cs:variation>
-    <a:lumMod val="50000"/>
-    <a:lumOff val="50000"/>
-  </cs:variation>
-</cs:colorStyle>
-</file>
-
-<file path=ppt/charts/style1.xml><?xml version="1.0" encoding="utf-8"?>
-<cs:chartStyle xmlns:cs="http://schemas.microsoft.com/office/drawing/2012/chartStyle" xmlns:a="http://schemas.openxmlformats.org/drawingml/2006/main" id="209">
-  <cs:axisTitle>
-    <cs:lnRef idx="0"/>
-    <cs:fillRef idx="0"/>
-    <cs:effectRef idx="0"/>
-    <cs:fontRef idx="minor">
-      <a:schemeClr val="lt1">
-        <a:lumMod val="85000"/>
-      </a:schemeClr>
-    </cs:fontRef>
-    <cs:defRPr sz="1197" b="1" kern="1200" cap="all"/>
-  </cs:axisTitle>
-  <cs:categoryAxis>
-    <cs:lnRef idx="0"/>
-    <cs:fillRef idx="0"/>
-    <cs:effectRef idx="0"/>
-    <cs:fontRef idx="minor">
-      <a:schemeClr val="lt1">
-        <a:lumMod val="85000"/>
-      </a:schemeClr>
-    </cs:fontRef>
-    <cs:spPr>
-      <a:ln w="12700" cap="flat" cmpd="sng" algn="ctr">
-        <a:solidFill>
-          <a:schemeClr val="lt1">
-            <a:lumMod val="95000"/>
-            <a:alpha val="54000"/>
-          </a:schemeClr>
-        </a:solidFill>
-        <a:round/>
-      </a:ln>
-    </cs:spPr>
-    <cs:defRPr sz="1197" kern="1200"/>
-  </cs:categoryAxis>
-  <cs:chartArea>
-    <cs:lnRef idx="0"/>
-    <cs:fillRef idx="0"/>
-    <cs:effectRef idx="0"/>
-    <cs:fontRef idx="minor">
-      <a:schemeClr val="dk1"/>
-    </cs:fontRef>
-    <cs:spPr>
-      <a:gradFill flip="none" rotWithShape="1">
-        <a:gsLst>
-          <a:gs pos="0">
-            <a:schemeClr val="dk1">
-              <a:lumMod val="65000"/>
-              <a:lumOff val="35000"/>
-            </a:schemeClr>
-          </a:gs>
-          <a:gs pos="100000">
-            <a:schemeClr val="dk1">
-              <a:lumMod val="85000"/>
-              <a:lumOff val="15000"/>
-            </a:schemeClr>
-          </a:gs>
-        </a:gsLst>
-        <a:path path="circle">
-          <a:fillToRect l="50000" t="50000" r="50000" b="50000"/>
-        </a:path>
-        <a:tileRect/>
-      </a:gradFill>
-    </cs:spPr>
-    <cs:defRPr sz="1330" kern="1200"/>
-  </cs:chartArea>
-  <cs:dataLabel>
-    <cs:lnRef idx="0"/>
-    <cs:fillRef idx="0"/>
-    <cs:effectRef idx="0"/>
-    <cs:fontRef idx="minor">
-      <a:schemeClr val="lt1">
-        <a:lumMod val="85000"/>
-      </a:schemeClr>
-    </cs:fontRef>
-    <cs:defRPr sz="1197" kern="1200"/>
-  </cs:dataLabel>
-  <cs:dataLabelCallout>
-    <cs:lnRef idx="0"/>
-    <cs:fillRef idx="0"/>
-    <cs:effectRef idx="0"/>
-    <cs:fontRef idx="minor">
-      <a:schemeClr val="dk1">
-        <a:lumMod val="65000"/>
-        <a:lumOff val="35000"/>
-      </a:schemeClr>
-    </cs:fontRef>
-    <cs:spPr>
-      <a:solidFill>
-        <a:schemeClr val="lt1"/>
-      </a:solidFill>
-    </cs:spPr>
-    <cs:defRPr sz="1197" kern="1200"/>
-    <cs:bodyPr rot="0" spcFirstLastPara="1" vertOverflow="clip" horzOverflow="clip" vert="horz" wrap="square" lIns="36576" tIns="18288" rIns="36576" bIns="18288" anchor="ctr" anchorCtr="1">
-      <a:spAutoFit/>
-    </cs:bodyPr>
-  </cs:dataLabelCallout>
-  <cs:dataPoint>
-    <cs:lnRef idx="0"/>
-    <cs:fillRef idx="3">
-      <cs:styleClr val="auto"/>
-    </cs:fillRef>
-    <cs:effectRef idx="3"/>
-    <cs:fontRef idx="minor">
-      <a:schemeClr val="lt1"/>
-    </cs:fontRef>
-  </cs:dataPoint>
-  <cs:dataPoint3D>
-    <cs:lnRef idx="0"/>
-    <cs:fillRef idx="3">
-      <cs:styleClr val="auto"/>
-    </cs:fillRef>
-    <cs:effectRef idx="3"/>
-    <cs:fontRef idx="minor">
-      <a:schemeClr val="lt1"/>
-    </cs:fontRef>
-  </cs:dataPoint3D>
-  <cs:dataPointLine>
-    <cs:lnRef idx="0">
-      <cs:styleClr val="auto"/>
-    </cs:lnRef>
-    <cs:fillRef idx="3"/>
-    <cs:effectRef idx="3"/>
-    <cs:fontRef idx="minor">
-      <a:schemeClr val="lt1"/>
-    </cs:fontRef>
-    <cs:spPr>
-      <a:ln w="34925" cap="rnd">
-        <a:solidFill>
-          <a:schemeClr val="phClr"/>
-        </a:solidFill>
-        <a:round/>
-      </a:ln>
-    </cs:spPr>
-  </cs:dataPointLine>
-  <cs:dataPointMarker>
-    <cs:lnRef idx="0">
-      <cs:styleClr val="auto"/>
-    </cs:lnRef>
-    <cs:fillRef idx="3">
-      <cs:styleClr val="auto"/>
-    </cs:fillRef>
-    <cs:effectRef idx="3"/>
-    <cs:fontRef idx="minor">
-      <a:schemeClr val="lt1"/>
-    </cs:fontRef>
-    <cs:spPr>
-      <a:ln w="9525">
-        <a:solidFill>
-          <a:schemeClr val="phClr"/>
-        </a:solidFill>
-        <a:round/>
-      </a:ln>
-    </cs:spPr>
-  </cs:dataPointMarker>
-  <cs:dataPointMarkerLayout symbol="circle" size="6"/>
-  <cs:dataPointWireframe>
-    <cs:lnRef idx="0">
-      <cs:styleClr val="auto"/>
-    </cs:lnRef>
-    <cs:fillRef idx="3"/>
-    <cs:effectRef idx="3"/>
-    <cs:fontRef idx="minor">
-      <a:schemeClr val="lt1"/>
-    </cs:fontRef>
-    <cs:spPr>
-      <a:ln w="9525" cap="rnd">
-        <a:solidFill>
-          <a:schemeClr val="phClr"/>
-        </a:solidFill>
-        <a:round/>
-      </a:ln>
-    </cs:spPr>
-  </cs:dataPointWireframe>
-  <cs:dataTable>
-    <cs:lnRef idx="0"/>
-    <cs:fillRef idx="0"/>
-    <cs:effectRef idx="0"/>
-    <cs:fontRef idx="minor">
-      <a:schemeClr val="lt1">
-        <a:lumMod val="85000"/>
-      </a:schemeClr>
-    </cs:fontRef>
-    <cs:spPr>
-      <a:ln w="9525">
-        <a:solidFill>
-          <a:schemeClr val="lt1">
-            <a:lumMod val="95000"/>
-            <a:alpha val="54000"/>
-          </a:schemeClr>
-        </a:solidFill>
-      </a:ln>
-    </cs:spPr>
-    <cs:defRPr sz="1197" kern="1200"/>
-  </cs:dataTable>
-  <cs:downBar>
-    <cs:lnRef idx="0"/>
-    <cs:fillRef idx="0"/>
-    <cs:effectRef idx="0"/>
-    <cs:fontRef idx="minor">
-      <a:schemeClr val="lt1"/>
-    </cs:fontRef>
-    <cs:spPr>
-      <a:solidFill>
-        <a:schemeClr val="dk1">
-          <a:lumMod val="75000"/>
-          <a:lumOff val="25000"/>
-        </a:schemeClr>
-      </a:solidFill>
-      <a:ln w="9525">
-        <a:solidFill>
-          <a:schemeClr val="lt1">
-            <a:lumMod val="95000"/>
-            <a:alpha val="54000"/>
-          </a:schemeClr>
-        </a:solidFill>
-      </a:ln>
-    </cs:spPr>
-  </cs:downBar>
-  <cs:dropLine>
-    <cs:lnRef idx="0"/>
-    <cs:fillRef idx="0"/>
-    <cs:effectRef idx="0"/>
-    <cs:fontRef idx="minor">
-      <a:schemeClr val="lt1"/>
-    </cs:fontRef>
-    <cs:spPr>
-      <a:ln w="9525">
-        <a:solidFill>
-          <a:schemeClr val="lt1">
-            <a:lumMod val="95000"/>
-            <a:alpha val="54000"/>
-          </a:schemeClr>
-        </a:solidFill>
-        <a:prstDash val="dash"/>
-      </a:ln>
-    </cs:spPr>
-  </cs:dropLine>
-  <cs:errorBar>
-    <cs:lnRef idx="0"/>
-    <cs:fillRef idx="0"/>
-    <cs:effectRef idx="0"/>
-    <cs:fontRef idx="minor">
-      <a:schemeClr val="lt1"/>
-    </cs:fontRef>
-    <cs:spPr>
-      <a:ln w="9525" cap="flat" cmpd="sng" algn="ctr">
-        <a:solidFill>
-          <a:schemeClr val="lt1">
-            <a:lumMod val="95000"/>
-          </a:schemeClr>
-        </a:solidFill>
-        <a:round/>
-      </a:ln>
-    </cs:spPr>
-  </cs:errorBar>
-  <cs:floor>
-    <cs:lnRef idx="0"/>
-    <cs:fillRef idx="0"/>
-    <cs:effectRef idx="0"/>
-    <cs:fontRef idx="minor">
-      <a:schemeClr val="lt1"/>
-    </cs:fontRef>
-  </cs:floor>
-  <cs:gridlineMajor>
-    <cs:lnRef idx="0"/>
-    <cs:fillRef idx="0"/>
-    <cs:effectRef idx="0"/>
-    <cs:fontRef idx="minor">
-      <a:schemeClr val="lt1"/>
-    </cs:fontRef>
-    <cs:spPr>
-      <a:ln w="9525" cap="flat" cmpd="sng" algn="ctr">
-        <a:solidFill>
-          <a:schemeClr val="lt1">
-            <a:lumMod val="95000"/>
-            <a:alpha val="10000"/>
-          </a:schemeClr>
-        </a:solidFill>
-        <a:round/>
-      </a:ln>
-    </cs:spPr>
-  </cs:gridlineMajor>
-  <cs:gridlineMinor>
-    <cs:lnRef idx="0"/>
-    <cs:fillRef idx="0"/>
-    <cs:effectRef idx="0"/>
-    <cs:fontRef idx="minor">
-      <a:schemeClr val="lt1"/>
-    </cs:fontRef>
-    <cs:spPr>
-      <a:ln>
-        <a:solidFill>
-          <a:schemeClr val="lt1">
-            <a:lumMod val="95000"/>
-            <a:alpha val="5000"/>
-          </a:schemeClr>
-        </a:solidFill>
-      </a:ln>
-    </cs:spPr>
-  </cs:gridlineMinor>
-  <cs:hiLoLine>
-    <cs:lnRef idx="0"/>
-    <cs:fillRef idx="0"/>
-    <cs:effectRef idx="0"/>
-    <cs:fontRef idx="minor">
-      <a:schemeClr val="lt1"/>
-    </cs:fontRef>
-    <cs:spPr>
-      <a:ln w="9525">
-        <a:solidFill>
-          <a:schemeClr val="lt1">
-            <a:lumMod val="95000"/>
-            <a:alpha val="54000"/>
-          </a:schemeClr>
-        </a:solidFill>
-        <a:prstDash val="dash"/>
-      </a:ln>
-    </cs:spPr>
-  </cs:hiLoLine>
-  <cs:leaderLine>
-    <cs:lnRef idx="0"/>
-    <cs:fillRef idx="0"/>
-    <cs:effectRef idx="0"/>
-    <cs:fontRef idx="minor">
-      <a:schemeClr val="lt1"/>
-    </cs:fontRef>
-    <cs:spPr>
-      <a:ln w="9525">
-        <a:solidFill>
-          <a:schemeClr val="lt1">
-            <a:lumMod val="95000"/>
-            <a:alpha val="54000"/>
-          </a:schemeClr>
-        </a:solidFill>
-      </a:ln>
-    </cs:spPr>
-  </cs:leaderLine>
-  <cs:legend>
-    <cs:lnRef idx="0"/>
-    <cs:fillRef idx="0"/>
-    <cs:effectRef idx="0"/>
-    <cs:fontRef idx="minor">
-      <a:schemeClr val="lt1">
-        <a:lumMod val="85000"/>
-      </a:schemeClr>
-    </cs:fontRef>
-    <cs:defRPr sz="1197" kern="1200"/>
-  </cs:legend>
-  <cs:plotArea>
-    <cs:lnRef idx="0"/>
-    <cs:fillRef idx="0"/>
-    <cs:effectRef idx="0"/>
-    <cs:fontRef idx="minor">
-      <a:schemeClr val="lt1"/>
-    </cs:fontRef>
-  </cs:plotArea>
-  <cs:plotArea3D>
-    <cs:lnRef idx="0"/>
-    <cs:fillRef idx="0"/>
-    <cs:effectRef idx="0"/>
-    <cs:fontRef idx="minor">
-      <a:schemeClr val="lt1"/>
-    </cs:fontRef>
-  </cs:plotArea3D>
-  <cs:seriesAxis>
-    <cs:lnRef idx="0"/>
-    <cs:fillRef idx="0"/>
-    <cs:effectRef idx="0"/>
-    <cs:fontRef idx="minor">
-      <a:schemeClr val="lt1">
-        <a:lumMod val="85000"/>
-      </a:schemeClr>
-    </cs:fontRef>
-    <cs:spPr>
-      <a:ln w="12700" cap="flat" cmpd="sng" algn="ctr">
-        <a:solidFill>
-          <a:schemeClr val="lt1">
-            <a:lumMod val="95000"/>
-            <a:alpha val="54000"/>
-          </a:schemeClr>
-        </a:solidFill>
-        <a:round/>
-      </a:ln>
-    </cs:spPr>
-    <cs:defRPr sz="1197" kern="1200"/>
-  </cs:seriesAxis>
-  <cs:seriesLine>
-    <cs:lnRef idx="0"/>
-    <cs:fillRef idx="0"/>
-    <cs:effectRef idx="0"/>
-    <cs:fontRef idx="minor">
-      <a:schemeClr val="lt1"/>
-    </cs:fontRef>
-    <cs:spPr>
-      <a:ln w="9525" cap="flat" cmpd="sng" algn="ctr">
-        <a:solidFill>
-          <a:schemeClr val="lt1">
-            <a:lumMod val="95000"/>
-            <a:alpha val="54000"/>
-          </a:schemeClr>
-        </a:solidFill>
-        <a:round/>
-      </a:ln>
-    </cs:spPr>
-  </cs:seriesLine>
-  <cs:title>
-    <cs:lnRef idx="0"/>
-    <cs:fillRef idx="0"/>
-    <cs:effectRef idx="0"/>
-    <cs:fontRef idx="minor">
-      <a:schemeClr val="lt1">
-        <a:lumMod val="95000"/>
-      </a:schemeClr>
-    </cs:fontRef>
-    <cs:defRPr sz="2128" b="1" kern="1200" spc="100" baseline="0">
-      <a:effectLst>
-        <a:outerShdw blurRad="50800" dist="38100" dir="5400000" algn="t" rotWithShape="0">
-          <a:prstClr val="black">
-            <a:alpha val="40000"/>
-          </a:prstClr>
-        </a:outerShdw>
-      </a:effectLst>
-    </cs:defRPr>
-  </cs:title>
-  <cs:trendline>
-    <cs:lnRef idx="0">
-      <cs:styleClr val="auto"/>
-    </cs:lnRef>
-    <cs:fillRef idx="0"/>
-    <cs:effectRef idx="0"/>
-    <cs:fontRef idx="minor">
-      <a:schemeClr val="lt1"/>
-    </cs:fontRef>
-    <cs:spPr>
-      <a:ln w="19050" cap="rnd">
-        <a:solidFill>
-          <a:schemeClr val="phClr"/>
-        </a:solidFill>
-      </a:ln>
-    </cs:spPr>
-  </cs:trendline>
-  <cs:trendlineLabel>
-    <cs:lnRef idx="0"/>
-    <cs:fillRef idx="0"/>
-    <cs:effectRef idx="0"/>
-    <cs:fontRef idx="minor">
-      <a:schemeClr val="lt1">
-        <a:lumMod val="85000"/>
-      </a:schemeClr>
-    </cs:fontRef>
-    <cs:defRPr sz="1197" kern="1200"/>
-  </cs:trendlineLabel>
-  <cs:upBar>
-    <cs:lnRef idx="0"/>
-    <cs:fillRef idx="0"/>
-    <cs:effectRef idx="0"/>
-    <cs:fontRef idx="minor">
-      <a:schemeClr val="lt1"/>
-    </cs:fontRef>
-    <cs:spPr>
-      <a:solidFill>
-        <a:schemeClr val="lt1"/>
-      </a:solidFill>
-      <a:ln w="9525">
-        <a:solidFill>
-          <a:schemeClr val="lt1">
-            <a:lumMod val="95000"/>
-            <a:alpha val="54000"/>
-          </a:schemeClr>
-        </a:solidFill>
-      </a:ln>
-    </cs:spPr>
-  </cs:upBar>
-  <cs:valueAxis>
-    <cs:lnRef idx="0"/>
-    <cs:fillRef idx="0"/>
-    <cs:effectRef idx="0"/>
-    <cs:fontRef idx="minor">
-      <a:schemeClr val="lt1">
-        <a:lumMod val="85000"/>
-      </a:schemeClr>
-    </cs:fontRef>
-    <cs:defRPr sz="1197" kern="1200"/>
-  </cs:valueAxis>
-  <cs:wall>
-    <cs:lnRef idx="0"/>
-    <cs:fillRef idx="0"/>
-    <cs:effectRef idx="0"/>
-    <cs:fontRef idx="minor">
-      <a:schemeClr val="lt1"/>
-    </cs:fontRef>
-  </cs:wall>
-</cs:chartStyle>
-</file>
-
-<file path=ppt/diagrams/colors1.xml><?xml version="1.0" encoding="utf-8"?>
-<dgm:colorsDef xmlns:dgm="http://schemas.openxmlformats.org/drawingml/2006/diagram" xmlns:a="http://schemas.openxmlformats.org/drawingml/2006/main" uniqueId="urn:microsoft.com/office/officeart/2005/8/colors/colorful2">
-  <dgm:title val=""/>
-  <dgm:desc val=""/>
-  <dgm:catLst>
-    <dgm:cat type="colorful" pri="10200"/>
-  </dgm:catLst>
-  <dgm:styleLbl name="node0">
-    <dgm:fillClrLst meth="repeat">
-      <a:schemeClr val="accent1"/>
-    </dgm:fillClrLst>
-    <dgm:linClrLst meth="repeat">
-      <a:schemeClr val="lt1"/>
-    </dgm:linClrLst>
-    <dgm:effectClrLst/>
-    <dgm:txLinClrLst/>
-    <dgm:txFillClrLst/>
-    <dgm:txEffectClrLst/>
-  </dgm:styleLbl>
-  <dgm:styleLbl name="node1">
-    <dgm:fillClrLst>
-      <a:schemeClr val="accent2"/>
-      <a:schemeClr val="accent3"/>
-    </dgm:fillClrLst>
-    <dgm:linClrLst meth="repeat">
-      <a:schemeClr val="lt1"/>
-    </dgm:linClrLst>
-    <dgm:effectClrLst/>
-    <dgm:txLinClrLst/>
-    <dgm:txFillClrLst/>
-    <dgm:txEffectClrLst/>
-  </dgm:styleLbl>
-  <dgm:styleLbl name="alignNode1">
-    <dgm:fillClrLst>
-      <a:schemeClr val="accent2"/>
-      <a:schemeClr val="accent3"/>
-    </dgm:fillClrLst>
-    <dgm:linClrLst>
-      <a:schemeClr val="accent2"/>
-      <a:schemeClr val="accent3"/>
-    </dgm:linClrLst>
-    <dgm:effectClrLst/>
-    <dgm:txLinClrLst/>
-    <dgm:txFillClrLst/>
-    <dgm:txEffectClrLst/>
-  </dgm:styleLbl>
-  <dgm:styleLbl name="lnNode1">
-    <dgm:fillClrLst>
-      <a:schemeClr val="accent2"/>
-      <a:schemeClr val="accent3"/>
-    </dgm:fillClrLst>
-    <dgm:linClrLst meth="repeat">
-      <a:schemeClr val="lt1"/>
-    </dgm:linClrLst>
-    <dgm:effectClrLst/>
-    <dgm:txLinClrLst/>
-    <dgm:txFillClrLst/>
-    <dgm:txEffectClrLst/>
-  </dgm:styleLbl>
-  <dgm:styleLbl name="vennNode1">
-    <dgm:fillClrLst>
-      <a:schemeClr val="accent2">
-        <a:alpha val="50000"/>
-      </a:schemeClr>
-      <a:schemeClr val="accent3">
-        <a:alpha val="50000"/>
-      </a:schemeClr>
-    </dgm:fillClrLst>
-    <dgm:linClrLst meth="repeat">
-      <a:schemeClr val="lt1"/>
-    </dgm:linClrLst>
-    <dgm:effectClrLst/>
-    <dgm:txLinClrLst/>
-    <dgm:txFillClrLst/>
-    <dgm:txEffectClrLst/>
-  </dgm:styleLbl>
-  <dgm:styleLbl name="node2">
-    <dgm:fillClrLst>
-      <a:schemeClr val="accent3"/>
-    </dgm:fillClrLst>
-    <dgm:linClrLst meth="repeat">
-      <a:schemeClr val="lt1"/>
-    </dgm:linClrLst>
-    <dgm:effectClrLst/>
-    <dgm:txLinClrLst/>
-    <dgm:txFillClrLst/>
-    <dgm:txEffectClrLst/>
-  </dgm:styleLbl>
-  <dgm:styleLbl name="node3">
-    <dgm:fillClrLst>
-      <a:schemeClr val="accent4"/>
-    </dgm:fillClrLst>
-    <dgm:linClrLst meth="repeat">
-      <a:schemeClr val="lt1"/>
-    </dgm:linClrLst>
-    <dgm:effectClrLst/>
-    <dgm:txLinClrLst/>
-    <dgm:txFillClrLst/>
-    <dgm:txEffectClrLst/>
-  </dgm:styleLbl>
-  <dgm:styleLbl name="node4">
-    <dgm:fillClrLst>
-      <a:schemeClr val="accent5"/>
-    </dgm:fillClrLst>
-    <dgm:linClrLst meth="repeat">
-      <a:schemeClr val="lt1"/>
-    </dgm:linClrLst>
-    <dgm:effectClrLst/>
-    <dgm:txLinClrLst/>
-    <dgm:txFillClrLst/>
-    <dgm:txEffectClrLst/>
-  </dgm:styleLbl>
-  <dgm:styleLbl name="fgImgPlace1">
-    <dgm:fillClrLst>
-      <a:schemeClr val="accent2">
-        <a:tint val="50000"/>
-      </a:schemeClr>
-      <a:schemeClr val="accent3">
-        <a:tint val="50000"/>
-      </a:schemeClr>
-    </dgm:fillClrLst>
-    <dgm:linClrLst meth="repeat">
-      <a:schemeClr val="lt1"/>
-    </dgm:linClrLst>
-    <dgm:effectClrLst/>
-    <dgm:txLinClrLst/>
-    <dgm:txFillClrLst meth="repeat">
-      <a:schemeClr val="lt1"/>
-    </dgm:txFillClrLst>
-    <dgm:txEffectClrLst/>
-  </dgm:styleLbl>
-  <dgm:styleLbl name="alignImgPlace1">
-    <dgm:fillClrLst>
-      <a:schemeClr val="accent2">
-        <a:tint val="50000"/>
-      </a:schemeClr>
-      <a:schemeClr val="accent3">
-        <a:tint val="20000"/>
-      </a:schemeClr>
-    </dgm:fillClrLst>
-    <dgm:linClrLst meth="repeat">
-      <a:schemeClr val="lt1"/>
-    </dgm:linClrLst>
-    <dgm:effectClrLst/>
-    <dgm:txLinClrLst/>
-    <dgm:txFillClrLst meth="repeat">
-      <a:schemeClr val="lt1"/>
-    </dgm:txFillClrLst>
-    <dgm:txEffectClrLst/>
-  </dgm:styleLbl>
-  <dgm:styleLbl name="bgImgPlace1">
-    <dgm:fillClrLst>
-      <a:schemeClr val="accent2">
-        <a:tint val="50000"/>
-      </a:schemeClr>
-      <a:schemeClr val="accent3">
-        <a:tint val="20000"/>
-      </a:schemeClr>
-    </dgm:fillClrLst>
-    <dgm:linClrLst meth="repeat">
-      <a:schemeClr val="lt1"/>
-    </dgm:linClrLst>
-    <dgm:effectClrLst/>
-    <dgm:txLinClrLst/>
-    <dgm:txFillClrLst meth="repeat">
-      <a:schemeClr val="lt1"/>
-    </dgm:txFillClrLst>
-    <dgm:txEffectClrLst/>
-  </dgm:styleLbl>
-  <dgm:styleLbl name="sibTrans2D1">
-    <dgm:fillClrLst>
-      <a:schemeClr val="accent2"/>
-      <a:schemeClr val="accent3"/>
-    </dgm:fillClrLst>
-    <dgm:linClrLst meth="repeat">
-      <a:schemeClr val="lt1"/>
-    </dgm:linClrLst>
-    <dgm:effectClrLst/>
-    <dgm:txLinClrLst/>
-    <dgm:txFillClrLst/>
-    <dgm:txEffectClrLst/>
-  </dgm:styleLbl>
-  <dgm:styleLbl name="fgSibTrans2D1">
-    <dgm:fillClrLst>
-      <a:schemeClr val="accent2"/>
-      <a:schemeClr val="accent3"/>
-    </dgm:fillClrLst>
-    <dgm:linClrLst meth="repeat">
-      <a:schemeClr val="lt1"/>
-    </dgm:linClrLst>
-    <dgm:effectClrLst/>
-    <dgm:txLinClrLst/>
-    <dgm:txFillClrLst meth="repeat">
-      <a:schemeClr val="lt1"/>
-    </dgm:txFillClrLst>
-    <dgm:txEffectClrLst/>
-  </dgm:styleLbl>
-  <dgm:styleLbl name="bgSibTrans2D1">
-    <dgm:fillClrLst>
-      <a:schemeClr val="accent2"/>
-      <a:schemeClr val="accent3"/>
-    </dgm:fillClrLst>
-    <dgm:linClrLst meth="repeat">
-      <a:schemeClr val="lt1"/>
-    </dgm:linClrLst>
-    <dgm:effectClrLst/>
-    <dgm:txLinClrLst/>
-    <dgm:txFillClrLst meth="repeat">
-      <a:schemeClr val="lt1"/>
-    </dgm:txFillClrLst>
-    <dgm:txEffectClrLst/>
-  </dgm:styleLbl>
-  <dgm:styleLbl name="sibTrans1D1">
-    <dgm:fillClrLst/>
-    <dgm:linClrLst>
-      <a:schemeClr val="accent2"/>
-      <a:schemeClr val="accent3"/>
-    </dgm:linClrLst>
-    <dgm:effectClrLst/>
-    <dgm:txLinClrLst/>
-    <dgm:txFillClrLst meth="repeat">
-      <a:schemeClr val="tx1"/>
-    </dgm:txFillClrLst>
-    <dgm:txEffectClrLst/>
-  </dgm:styleLbl>
-  <dgm:styleLbl name="callout">
-    <dgm:fillClrLst meth="repeat">
-      <a:schemeClr val="accent2"/>
-    </dgm:fillClrLst>
-    <dgm:linClrLst meth="repeat">
-      <a:schemeClr val="accent2">
-        <a:tint val="50000"/>
-      </a:schemeClr>
-    </dgm:linClrLst>
-    <dgm:effectClrLst/>
-    <dgm:txLinClrLst/>
-    <dgm:txFillClrLst meth="repeat">
-      <a:schemeClr val="tx1"/>
-    </dgm:txFillClrLst>
-    <dgm:txEffectClrLst/>
-  </dgm:styleLbl>
-  <dgm:styleLbl name="asst0">
-    <dgm:fillClrLst meth="repeat">
-      <a:schemeClr val="accent2"/>
-    </dgm:fillClrLst>
-    <dgm:linClrLst meth="repeat">
-      <a:schemeClr val="lt1">
-        <a:shade val="80000"/>
-      </a:schemeClr>
-    </dgm:linClrLst>
-    <dgm:effectClrLst/>
-    <dgm:txLinClrLst/>
-    <dgm:txFillClrLst/>
-    <dgm:txEffectClrLst/>
-  </dgm:styleLbl>
-  <dgm:styleLbl name="asst1">
-    <dgm:fillClrLst meth="repeat">
-      <a:schemeClr val="accent3"/>
-    </dgm:fillClrLst>
-    <dgm:linClrLst meth="repeat">
-      <a:schemeClr val="lt1">
-        <a:shade val="80000"/>
-      </a:schemeClr>
-    </dgm:linClrLst>
-    <dgm:effectClrLst/>
-    <dgm:txLinClrLst/>
-    <dgm:txFillClrLst/>
-    <dgm:txEffectClrLst/>
-  </dgm:styleLbl>
-  <dgm:styleLbl name="asst2">
-    <dgm:fillClrLst>
-      <a:schemeClr val="accent4"/>
-    </dgm:fillClrLst>
-    <dgm:linClrLst meth="repeat">
-      <a:schemeClr val="lt1"/>
-    </dgm:linClrLst>
-    <dgm:effectClrLst/>
-    <dgm:txLinClrLst/>
-    <dgm:txFillClrLst/>
-    <dgm:txEffectClrLst/>
-  </dgm:styleLbl>
-  <dgm:styleLbl name="asst3">
-    <dgm:fillClrLst>
-      <a:schemeClr val="accent5"/>
-    </dgm:fillClrLst>
-    <dgm:linClrLst meth="repeat">
-      <a:schemeClr val="lt1"/>
-    </dgm:linClrLst>
-    <dgm:effectClrLst/>
-    <dgm:txLinClrLst/>
-    <dgm:txFillClrLst/>
-    <dgm:txEffectClrLst/>
-  </dgm:styleLbl>
-  <dgm:styleLbl name="asst4">
-    <dgm:fillClrLst>
-      <a:schemeClr val="accent6"/>
-    </dgm:fillClrLst>
-    <dgm:linClrLst meth="repeat">
-      <a:schemeClr val="lt1"/>
-    </dgm:linClrLst>
-    <dgm:effectClrLst/>
-    <dgm:txLinClrLst/>
-    <dgm:txFillClrLst/>
-    <dgm:txEffectClrLst/>
-  </dgm:styleLbl>
-  <dgm:styleLbl name="parChTrans2D1">
-    <dgm:fillClrLst meth="repeat">
-      <a:schemeClr val="accent2"/>
-    </dgm:fillClrLst>
-    <dgm:linClrLst meth="repeat">
-      <a:schemeClr val="lt1"/>
-    </dgm:linClrLst>
-    <dgm:effectClrLst/>
-    <dgm:txLinClrLst/>
-    <dgm:txFillClrLst meth="repeat">
-      <a:schemeClr val="lt1"/>
-    </dgm:txFillClrLst>
-    <dgm:txEffectClrLst/>
-  </dgm:styleLbl>
-  <dgm:styleLbl name="parChTrans2D2">
-    <dgm:fillClrLst meth="repeat">
-      <a:schemeClr val="accent3"/>
-    </dgm:fillClrLst>
-    <dgm:linClrLst meth="repeat">
-      <a:schemeClr val="lt1"/>
-    </dgm:linClrLst>
-    <dgm:effectClrLst/>
-    <dgm:txLinClrLst/>
-    <dgm:txFillClrLst/>
-    <dgm:txEffectClrLst/>
-  </dgm:styleLbl>
-  <dgm:styleLbl name="parChTrans2D3">
-    <dgm:fillClrLst meth="repeat">
-      <a:schemeClr val="accent4"/>
-    </dgm:fillClrLst>
-    <dgm:linClrLst meth="repeat">
-      <a:schemeClr val="lt1"/>
-    </dgm:linClrLst>
-    <dgm:effectClrLst/>
-    <dgm:txLinClrLst/>
-    <dgm:txFillClrLst/>
-    <dgm:txEffectClrLst/>
-  </dgm:styleLbl>
-  <dgm:styleLbl name="parChTrans2D4">
-    <dgm:fillClrLst meth="repeat">
-      <a:schemeClr val="accent5"/>
-    </dgm:fillClrLst>
-    <dgm:linClrLst meth="repeat">
-      <a:schemeClr val="lt1"/>
-    </dgm:linClrLst>
-    <dgm:effectClrLst/>
-    <dgm:txLinClrLst/>
-    <dgm:txFillClrLst meth="repeat">
-      <a:schemeClr val="lt1"/>
-    </dgm:txFillClrLst>
-    <dgm:txEffectClrLst/>
-  </dgm:styleLbl>
-  <dgm:styleLbl name="parChTrans1D1">
-    <dgm:fillClrLst meth="repeat">
-      <a:schemeClr val="accent2"/>
-    </dgm:fillClrLst>
-    <dgm:linClrLst meth="repeat">
-      <a:schemeClr val="accent2"/>
-    </dgm:linClrLst>
-    <dgm:effectClrLst/>
-    <dgm:txLinClrLst/>
-    <dgm:txFillClrLst meth="repeat">
-      <a:schemeClr val="tx1"/>
-    </dgm:txFillClrLst>
-    <dgm:txEffectClrLst/>
-  </dgm:styleLbl>
-  <dgm:styleLbl name="parChTrans1D2">
-    <dgm:fillClrLst meth="repeat">
-      <a:schemeClr val="accent2">
-        <a:tint val="90000"/>
-      </a:schemeClr>
-    </dgm:fillClrLst>
-    <dgm:linClrLst meth="repeat">
-      <a:schemeClr val="accent3"/>
-    </dgm:linClrLst>
-    <dgm:effectClrLst/>
-    <dgm:txLinClrLst/>
-    <dgm:txFillClrLst meth="repeat">
-      <a:schemeClr val="tx1"/>
-    </dgm:txFillClrLst>
-    <dgm:txEffectClrLst/>
-  </dgm:styleLbl>
-  <dgm:styleLbl name="parChTrans1D3">
-    <dgm:fillClrLst meth="repeat">
-      <a:schemeClr val="accent2">
-        <a:tint val="70000"/>
-      </a:schemeClr>
-    </dgm:fillClrLst>
-    <dgm:linClrLst meth="repeat">
-      <a:schemeClr val="accent4"/>
-    </dgm:linClrLst>
-    <dgm:effectClrLst/>
-    <dgm:txLinClrLst/>
-    <dgm:txFillClrLst meth="repeat">
-      <a:schemeClr val="tx1"/>
-    </dgm:txFillClrLst>
-    <dgm:txEffectClrLst/>
-  </dgm:styleLbl>
-  <dgm:styleLbl name="parChTrans1D4">
-    <dgm:fillClrLst meth="repeat">
-      <a:schemeClr val="accent2">
-        <a:tint val="50000"/>
-      </a:schemeClr>
-    </dgm:fillClrLst>
-    <dgm:linClrLst meth="repeat">
-      <a:schemeClr val="accent5"/>
-    </dgm:linClrLst>
-    <dgm:effectClrLst/>
-    <dgm:txLinClrLst/>
-    <dgm:txFillClrLst meth="repeat">
-      <a:schemeClr val="tx1"/>
-    </dgm:txFillClrLst>
-    <dgm:txEffectClrLst/>
-  </dgm:styleLbl>
-  <dgm:styleLbl name="fgAcc1">
-    <dgm:fillClrLst meth="repeat">
-      <a:schemeClr val="lt1">
-        <a:alpha val="90000"/>
-      </a:schemeClr>
-    </dgm:fillClrLst>
-    <dgm:linClrLst>
-      <a:schemeClr val="accent2"/>
-      <a:schemeClr val="accent3"/>
-    </dgm:linClrLst>
-    <dgm:effectClrLst/>
-    <dgm:txLinClrLst/>
-    <dgm:txFillClrLst meth="repeat">
-      <a:schemeClr val="dk1"/>
-    </dgm:txFillClrLst>
-    <dgm:txEffectClrLst/>
-  </dgm:styleLbl>
-  <dgm:styleLbl name="conFgAcc1">
-    <dgm:fillClrLst meth="repeat">
-      <a:schemeClr val="lt1">
-        <a:alpha val="90000"/>
-      </a:schemeClr>
-    </dgm:fillClrLst>
-    <dgm:linClrLst>
-      <a:schemeClr val="accent2"/>
-      <a:schemeClr val="accent3"/>
-    </dgm:linClrLst>
-    <dgm:effectClrLst/>
-    <dgm:txLinClrLst/>
-    <dgm:txFillClrLst meth="repeat">
-      <a:schemeClr val="dk1"/>
-    </dgm:txFillClrLst>
-    <dgm:txEffectClrLst/>
-  </dgm:styleLbl>
-  <dgm:styleLbl name="alignAcc1">
-    <dgm:fillClrLst meth="repeat">
-      <a:schemeClr val="lt1">
-        <a:alpha val="90000"/>
-      </a:schemeClr>
-    </dgm:fillClrLst>
-    <dgm:linClrLst>
-      <a:schemeClr val="accent2"/>
-      <a:schemeClr val="accent3"/>
-    </dgm:linClrLst>
-    <dgm:effectClrLst/>
-    <dgm:txLinClrLst/>
-    <dgm:txFillClrLst meth="repeat">
-      <a:schemeClr val="dk1"/>
-    </dgm:txFillClrLst>
-    <dgm:txEffectClrLst/>
-  </dgm:styleLbl>
-  <dgm:styleLbl name="trAlignAcc1">
-    <dgm:fillClrLst meth="repeat">
-      <a:schemeClr val="lt1">
-        <a:alpha val="40000"/>
-      </a:schemeClr>
-    </dgm:fillClrLst>
-    <dgm:linClrLst meth="repeat">
-      <a:schemeClr val="accent2"/>
-    </dgm:linClrLst>
-    <dgm:effectClrLst/>
-    <dgm:txLinClrLst/>
-    <dgm:txFillClrLst meth="repeat">
-      <a:schemeClr val="dk1"/>
-    </dgm:txFillClrLst>
-    <dgm:txEffectClrLst/>
-  </dgm:styleLbl>
-  <dgm:styleLbl name="bgAcc1">
-    <dgm:fillClrLst meth="repeat">
-      <a:schemeClr val="lt1">
-        <a:alpha val="90000"/>
-      </a:schemeClr>
-    </dgm:fillClrLst>
-    <dgm:linClrLst>
-      <a:schemeClr val="accent2"/>
-      <a:schemeClr val="accent3"/>
-    </dgm:linClrLst>
-    <dgm:effectClrLst/>
-    <dgm:txLinClrLst/>
-    <dgm:txFillClrLst meth="repeat">
-      <a:schemeClr val="dk1"/>
-    </dgm:txFillClrLst>
-    <dgm:txEffectClrLst/>
-  </dgm:styleLbl>
-  <dgm:styleLbl name="solidFgAcc1">
-    <dgm:fillClrLst meth="repeat">
-      <a:schemeClr val="lt1"/>
-    </dgm:fillClrLst>
-    <dgm:linClrLst>
-      <a:schemeClr val="accent2"/>
-      <a:schemeClr val="accent3"/>
-    </dgm:linClrLst>
-    <dgm:effectClrLst/>
-    <dgm:txLinClrLst/>
-    <dgm:txFillClrLst meth="repeat">
-      <a:schemeClr val="dk1"/>
-    </dgm:txFillClrLst>
-    <dgm:txEffectClrLst/>
-  </dgm:styleLbl>
-  <dgm:styleLbl name="solidAlignAcc1">
-    <dgm:fillClrLst meth="repeat">
-      <a:schemeClr val="lt1"/>
-    </dgm:fillClrLst>
-    <dgm:linClrLst>
-      <a:schemeClr val="accent2"/>
-      <a:schemeClr val="accent3"/>
-    </dgm:linClrLst>
-    <dgm:effectClrLst/>
-    <dgm:txLinClrLst/>
-    <dgm:txFillClrLst meth="repeat">
-      <a:schemeClr val="dk1"/>
-    </dgm:txFillClrLst>
-    <dgm:txEffectClrLst/>
-  </dgm:styleLbl>
-  <dgm:styleLbl name="solidBgAcc1">
-    <dgm:fillClrLst meth="repeat">
-      <a:schemeClr val="lt1"/>
-    </dgm:fillClrLst>
-    <dgm:linClrLst>
-      <a:schemeClr val="accent2"/>
-      <a:schemeClr val="accent3"/>
-    </dgm:linClrLst>
-    <dgm:effectClrLst/>
-    <dgm:txLinClrLst/>
-    <dgm:txFillClrLst meth="repeat">
-      <a:schemeClr val="dk1"/>
-    </dgm:txFillClrLst>
-    <dgm:txEffectClrLst/>
-  </dgm:styleLbl>
-  <dgm:styleLbl name="fgAccFollowNode1">
-    <dgm:fillClrLst>
-      <a:schemeClr val="accent2">
-        <a:tint val="40000"/>
-        <a:alpha val="90000"/>
-      </a:schemeClr>
-      <a:schemeClr val="accent3">
-        <a:tint val="40000"/>
-        <a:alpha val="90000"/>
-      </a:schemeClr>
-    </dgm:fillClrLst>
-    <dgm:linClrLst>
-      <a:schemeClr val="accent2">
-        <a:tint val="40000"/>
-        <a:alpha val="90000"/>
-      </a:schemeClr>
-      <a:schemeClr val="accent3">
-        <a:tint val="40000"/>
-        <a:alpha val="90000"/>
-      </a:schemeClr>
-    </dgm:linClrLst>
-    <dgm:effectClrLst/>
-    <dgm:txLinClrLst/>
-    <dgm:txFillClrLst meth="repeat">
-      <a:schemeClr val="dk1"/>
-    </dgm:txFillClrLst>
-    <dgm:txEffectClrLst/>
-  </dgm:styleLbl>
-  <dgm:styleLbl name="alignAccFollowNode1">
-    <dgm:fillClrLst>
-      <a:schemeClr val="accent2">
-        <a:tint val="40000"/>
-        <a:alpha val="90000"/>
-      </a:schemeClr>
-      <a:schemeClr val="accent3">
-        <a:tint val="40000"/>
-        <a:alpha val="90000"/>
-      </a:schemeClr>
-    </dgm:fillClrLst>
-    <dgm:linClrLst>
-      <a:schemeClr val="accent2">
-        <a:tint val="40000"/>
-        <a:alpha val="90000"/>
-      </a:schemeClr>
-      <a:schemeClr val="accent3">
-        <a:tint val="40000"/>
-        <a:alpha val="90000"/>
-      </a:schemeClr>
-    </dgm:linClrLst>
-    <dgm:effectClrLst/>
-    <dgm:txLinClrLst/>
-    <dgm:txFillClrLst meth="repeat">
-      <a:schemeClr val="dk1"/>
-    </dgm:txFillClrLst>
-    <dgm:txEffectClrLst/>
-  </dgm:styleLbl>
-  <dgm:styleLbl name="bgAccFollowNode1">
-    <dgm:fillClrLst>
-      <a:schemeClr val="accent2">
-        <a:tint val="40000"/>
-        <a:alpha val="90000"/>
-      </a:schemeClr>
-      <a:schemeClr val="accent3">
-        <a:tint val="40000"/>
-        <a:alpha val="90000"/>
-      </a:schemeClr>
-    </dgm:fillClrLst>
-    <dgm:linClrLst>
-      <a:schemeClr val="accent2">
-        <a:tint val="40000"/>
-        <a:alpha val="90000"/>
-      </a:schemeClr>
-      <a:schemeClr val="accent3">
-        <a:tint val="40000"/>
-        <a:alpha val="90000"/>
-      </a:schemeClr>
-    </dgm:linClrLst>
-    <dgm:effectClrLst/>
-    <dgm:txLinClrLst/>
-    <dgm:txFillClrLst meth="repeat">
-      <a:schemeClr val="dk1"/>
-    </dgm:txFillClrLst>
-    <dgm:txEffectClrLst/>
-  </dgm:styleLbl>
-  <dgm:styleLbl name="fgAcc0">
-    <dgm:fillClrLst meth="repeat">
-      <a:schemeClr val="lt1">
-        <a:alpha val="90000"/>
-      </a:schemeClr>
-    </dgm:fillClrLst>
-    <dgm:linClrLst>
-      <a:schemeClr val="accent1"/>
-    </dgm:linClrLst>
-    <dgm:effectClrLst/>
-    <dgm:txLinClrLst/>
-    <dgm:txFillClrLst meth="repeat">
-      <a:schemeClr val="dk1"/>
-    </dgm:txFillClrLst>
-    <dgm:txEffectClrLst/>
-  </dgm:styleLbl>
-  <dgm:styleLbl name="fgAcc2">
-    <dgm:fillClrLst meth="repeat">
-      <a:schemeClr val="lt1">
-        <a:alpha val="90000"/>
-      </a:schemeClr>
-    </dgm:fillClrLst>
-    <dgm:linClrLst>
-      <a:schemeClr val="accent3"/>
-    </dgm:linClrLst>
-    <dgm:effectClrLst/>
-    <dgm:txLinClrLst/>
-    <dgm:txFillClrLst meth="repeat">
-      <a:schemeClr val="dk1"/>
-    </dgm:txFillClrLst>
-    <dgm:txEffectClrLst/>
-  </dgm:styleLbl>
-  <dgm:styleLbl name="fgAcc3">
-    <dgm:fillClrLst meth="repeat">
-      <a:schemeClr val="lt1">
-        <a:alpha val="90000"/>
-      </a:schemeClr>
-    </dgm:fillClrLst>
-    <dgm:linClrLst>
-      <a:schemeClr val="accent4"/>
-    </dgm:linClrLst>
-    <dgm:effectClrLst/>
-    <dgm:txLinClrLst/>
-    <dgm:txFillClrLst meth="repeat">
-      <a:schemeClr val="dk1"/>
-    </dgm:txFillClrLst>
-    <dgm:txEffectClrLst/>
-  </dgm:styleLbl>
-  <dgm:styleLbl name="fgAcc4">
-    <dgm:fillClrLst meth="repeat">
-      <a:schemeClr val="lt1">
-        <a:alpha val="90000"/>
-      </a:schemeClr>
-    </dgm:fillClrLst>
-    <dgm:linClrLst>
-      <a:schemeClr val="accent5"/>
-    </dgm:linClrLst>
-    <dgm:effectClrLst/>
-    <dgm:txLinClrLst/>
-    <dgm:txFillClrLst meth="repeat">
-      <a:schemeClr val="dk1"/>
-    </dgm:txFillClrLst>
-    <dgm:txEffectClrLst/>
-  </dgm:styleLbl>
-  <dgm:styleLbl name="bgShp">
-    <dgm:fillClrLst meth="repeat">
-      <a:schemeClr val="accent2">
-        <a:tint val="40000"/>
-      </a:schemeClr>
-    </dgm:fillClrLst>
-    <dgm:linClrLst meth="repeat">
-      <a:schemeClr val="dk1"/>
-    </dgm:linClrLst>
-    <dgm:effectClrLst/>
-    <dgm:txLinClrLst/>
-    <dgm:txFillClrLst meth="repeat">
-      <a:schemeClr val="dk1"/>
-    </dgm:txFillClrLst>
-    <dgm:txEffectClrLst/>
-  </dgm:styleLbl>
-  <dgm:styleLbl name="dkBgShp">
-    <dgm:fillClrLst meth="repeat">
-      <a:schemeClr val="accent2">
-        <a:shade val="90000"/>
-      </a:schemeClr>
-    </dgm:fillClrLst>
-    <dgm:linClrLst meth="repeat">
-      <a:schemeClr val="dk1"/>
-    </dgm:linClrLst>
-    <dgm:effectClrLst/>
-    <dgm:txLinClrLst/>
-    <dgm:txFillClrLst meth="repeat">
-      <a:schemeClr val="lt1"/>
-    </dgm:txFillClrLst>
-    <dgm:txEffectClrLst/>
-  </dgm:styleLbl>
-  <dgm:styleLbl name="trBgShp">
-    <dgm:fillClrLst meth="repeat">
-      <a:schemeClr val="accent2">
-        <a:tint val="50000"/>
-        <a:alpha val="40000"/>
-      </a:schemeClr>
-    </dgm:fillClrLst>
-    <dgm:linClrLst meth="repeat">
-      <a:schemeClr val="accent2"/>
-    </dgm:linClrLst>
-    <dgm:effectClrLst/>
-    <dgm:txLinClrLst/>
-    <dgm:txFillClrLst meth="repeat">
-      <a:schemeClr val="lt1"/>
-    </dgm:txFillClrLst>
-    <dgm:txEffectClrLst/>
-  </dgm:styleLbl>
-  <dgm:styleLbl name="fgShp">
-    <dgm:fillClrLst meth="repeat">
-      <a:schemeClr val="accent2">
-        <a:tint val="40000"/>
-      </a:schemeClr>
-    </dgm:fillClrLst>
-    <dgm:linClrLst meth="repeat">
-      <a:schemeClr val="lt1"/>
-    </dgm:linClrLst>
-    <dgm:effectClrLst/>
-    <dgm:txLinClrLst/>
-    <dgm:txFillClrLst meth="repeat">
-      <a:schemeClr val="dk1"/>
-    </dgm:txFillClrLst>
-    <dgm:txEffectClrLst/>
-  </dgm:styleLbl>
-  <dgm:styleLbl name="revTx">
-    <dgm:fillClrLst meth="repeat">
-      <a:schemeClr val="lt1">
-        <a:alpha val="0"/>
-      </a:schemeClr>
-    </dgm:fillClrLst>
-    <dgm:linClrLst meth="repeat">
-      <a:schemeClr val="dk1">
-        <a:alpha val="0"/>
-      </a:schemeClr>
-    </dgm:linClrLst>
-    <dgm:effectClrLst/>
-    <dgm:txLinClrLst/>
-    <dgm:txFillClrLst meth="repeat">
-      <a:schemeClr val="tx1"/>
-    </dgm:txFillClrLst>
-    <dgm:txEffectClrLst/>
-  </dgm:styleLbl>
-</dgm:colorsDef>
-</file>
-
-<file path=ppt/diagrams/data1.xml><?xml version="1.0" encoding="utf-8"?>
-<dgm:dataModel xmlns:dgm="http://schemas.openxmlformats.org/drawingml/2006/diagram" xmlns:a="http://schemas.openxmlformats.org/drawingml/2006/main">
-  <dgm:ptLst>
-    <dgm:pt modelId="{3F442EA2-39BA-4C9A-AD59-755D4917D532}" type="doc">
-      <dgm:prSet loTypeId="urn:microsoft.com/office/officeart/2005/8/layout/list1" loCatId="list" qsTypeId="urn:microsoft.com/office/officeart/2005/8/quickstyle/simple1" qsCatId="simple" csTypeId="urn:microsoft.com/office/officeart/2005/8/colors/colorful2" csCatId="colorful" phldr="1"/>
-      <dgm:spPr/>
-      <dgm:t>
-        <a:bodyPr/>
-        <a:lstStyle/>
-        <a:p>
-          <a:endParaRPr lang="en-US"/>
-        </a:p>
-      </dgm:t>
-    </dgm:pt>
-    <dgm:pt modelId="{4DF9FE7B-F642-4898-A360-D4E3814E1A3D}">
-      <dgm:prSet phldrT="[Text]"/>
-      <dgm:spPr/>
-      <dgm:t>
-        <a:bodyPr/>
-        <a:lstStyle/>
-        <a:p>
-          <a:r>
-            <a:rPr lang="en-US" dirty="0"/>
-            <a:t>Group A</a:t>
-          </a:r>
-        </a:p>
-      </dgm:t>
-      <dgm:extLst>
-        <a:ext uri="{E40237B7-FDA0-4F09-8148-C483321AD2D9}">
-          <dgm14:cNvPr xmlns:dgm14="http://schemas.microsoft.com/office/drawing/2010/diagram" id="0" name="" title="Group A title"/>
-        </a:ext>
-      </dgm:extLst>
-    </dgm:pt>
-    <dgm:pt modelId="{1C10F06D-860A-4604-A7AD-02E614FE3976}" type="parTrans" cxnId="{EBD8BE8D-6018-43E2-B081-034BB5656EB6}">
-      <dgm:prSet/>
-      <dgm:spPr/>
-      <dgm:t>
-        <a:bodyPr/>
-        <a:lstStyle/>
-        <a:p>
-          <a:endParaRPr lang="en-US"/>
-        </a:p>
-      </dgm:t>
-    </dgm:pt>
-    <dgm:pt modelId="{43C18EFF-81FC-4D70-8C6B-E95FF3730413}" type="sibTrans" cxnId="{EBD8BE8D-6018-43E2-B081-034BB5656EB6}">
-      <dgm:prSet/>
-      <dgm:spPr/>
-      <dgm:t>
-        <a:bodyPr/>
-        <a:lstStyle/>
-        <a:p>
-          <a:endParaRPr lang="en-US"/>
-        </a:p>
-      </dgm:t>
-    </dgm:pt>
-    <dgm:pt modelId="{EFF2750D-B4B3-474C-8B62-8B638DC31F7E}">
-      <dgm:prSet phldrT="[Text]"/>
-      <dgm:spPr/>
-      <dgm:t>
-        <a:bodyPr/>
-        <a:lstStyle/>
-        <a:p>
-          <a:r>
-            <a:rPr lang="en-US" dirty="0"/>
-            <a:t>Task 1</a:t>
-          </a:r>
-        </a:p>
-      </dgm:t>
-      <dgm:extLst>
-        <a:ext uri="{E40237B7-FDA0-4F09-8148-C483321AD2D9}">
-          <dgm14:cNvPr xmlns:dgm14="http://schemas.microsoft.com/office/drawing/2010/diagram" id="0" name="" title="Group A tasks"/>
-        </a:ext>
-      </dgm:extLst>
-    </dgm:pt>
-    <dgm:pt modelId="{AEBC78E6-CDDC-4C8F-A157-3C51E907FACD}" type="parTrans" cxnId="{A058DDA2-48CA-4E5B-B389-F71A59C262B0}">
-      <dgm:prSet/>
-      <dgm:spPr/>
-      <dgm:t>
-        <a:bodyPr/>
-        <a:lstStyle/>
-        <a:p>
-          <a:endParaRPr lang="en-US"/>
-        </a:p>
-      </dgm:t>
-    </dgm:pt>
-    <dgm:pt modelId="{75C067D7-FCD2-4969-8F27-4BBDA88E75ED}" type="sibTrans" cxnId="{A058DDA2-48CA-4E5B-B389-F71A59C262B0}">
-      <dgm:prSet/>
-      <dgm:spPr/>
-      <dgm:t>
-        <a:bodyPr/>
-        <a:lstStyle/>
-        <a:p>
-          <a:endParaRPr lang="en-US"/>
-        </a:p>
-      </dgm:t>
-    </dgm:pt>
-    <dgm:pt modelId="{789CD6DB-3A68-4A41-90BD-4F0CBB3617D1}">
-      <dgm:prSet phldrT="[Text]"/>
-      <dgm:spPr/>
-      <dgm:t>
-        <a:bodyPr/>
-        <a:lstStyle/>
-        <a:p>
-          <a:r>
-            <a:rPr lang="en-US" dirty="0"/>
-            <a:t>Task 2</a:t>
-          </a:r>
-        </a:p>
-      </dgm:t>
-    </dgm:pt>
-    <dgm:pt modelId="{C0BEB5FF-8DFB-40B9-A228-C0C6097DDDC4}" type="parTrans" cxnId="{62C10234-45D3-426A-8820-4C0D1D8CBA21}">
-      <dgm:prSet/>
-      <dgm:spPr/>
-      <dgm:t>
-        <a:bodyPr/>
-        <a:lstStyle/>
-        <a:p>
-          <a:endParaRPr lang="en-US"/>
-        </a:p>
-      </dgm:t>
-    </dgm:pt>
-    <dgm:pt modelId="{1A702531-A59F-4EE2-8246-E2EB0955D8B1}" type="sibTrans" cxnId="{62C10234-45D3-426A-8820-4C0D1D8CBA21}">
-      <dgm:prSet/>
-      <dgm:spPr/>
-      <dgm:t>
-        <a:bodyPr/>
-        <a:lstStyle/>
-        <a:p>
-          <a:endParaRPr lang="en-US"/>
-        </a:p>
-      </dgm:t>
-    </dgm:pt>
-    <dgm:pt modelId="{3929B1E1-4BC4-4C73-ABE8-27CEF96A3652}">
-      <dgm:prSet phldrT="[Text]"/>
-      <dgm:spPr/>
-      <dgm:t>
-        <a:bodyPr/>
-        <a:lstStyle/>
-        <a:p>
-          <a:r>
-            <a:rPr lang="en-US" dirty="0"/>
-            <a:t>Group B</a:t>
-          </a:r>
-        </a:p>
-      </dgm:t>
-      <dgm:extLst>
-        <a:ext uri="{E40237B7-FDA0-4F09-8148-C483321AD2D9}">
-          <dgm14:cNvPr xmlns:dgm14="http://schemas.microsoft.com/office/drawing/2010/diagram" id="0" name="" title="Group B title"/>
-        </a:ext>
-      </dgm:extLst>
-    </dgm:pt>
-    <dgm:pt modelId="{F356CC76-9117-4B79-A270-BBBAFD3E9C79}" type="parTrans" cxnId="{1339090C-9A95-4C05-841C-FA3AF987601B}">
-      <dgm:prSet/>
-      <dgm:spPr/>
-      <dgm:t>
-        <a:bodyPr/>
-        <a:lstStyle/>
-        <a:p>
-          <a:endParaRPr lang="en-US"/>
-        </a:p>
-      </dgm:t>
-    </dgm:pt>
-    <dgm:pt modelId="{19BA0C22-38BB-4E9F-89D5-0FF5FF9F12CE}" type="sibTrans" cxnId="{1339090C-9A95-4C05-841C-FA3AF987601B}">
-      <dgm:prSet/>
-      <dgm:spPr/>
-      <dgm:t>
-        <a:bodyPr/>
-        <a:lstStyle/>
-        <a:p>
-          <a:endParaRPr lang="en-US"/>
-        </a:p>
-      </dgm:t>
-    </dgm:pt>
-    <dgm:pt modelId="{99E0600D-9954-43F4-8926-13B8777FAAA1}">
-      <dgm:prSet phldrT="[Text]"/>
-      <dgm:spPr/>
-      <dgm:t>
-        <a:bodyPr/>
-        <a:lstStyle/>
-        <a:p>
-          <a:r>
-            <a:rPr lang="en-US" dirty="0"/>
-            <a:t>Task 1</a:t>
-          </a:r>
-        </a:p>
-      </dgm:t>
-      <dgm:extLst>
-        <a:ext uri="{E40237B7-FDA0-4F09-8148-C483321AD2D9}">
-          <dgm14:cNvPr xmlns:dgm14="http://schemas.microsoft.com/office/drawing/2010/diagram" id="0" name="" title="Group B tasks"/>
-        </a:ext>
-      </dgm:extLst>
-    </dgm:pt>
-    <dgm:pt modelId="{BE23F476-2C5C-42ED-BF2B-CD5FC7ADDDF6}" type="parTrans" cxnId="{09FCCB9D-A30A-4326-970E-26252D39327F}">
-      <dgm:prSet/>
-      <dgm:spPr/>
-      <dgm:t>
-        <a:bodyPr/>
-        <a:lstStyle/>
-        <a:p>
-          <a:endParaRPr lang="en-US"/>
-        </a:p>
-      </dgm:t>
-    </dgm:pt>
-    <dgm:pt modelId="{C44937DC-4907-4769-AA8B-1B3E7391D7B0}" type="sibTrans" cxnId="{09FCCB9D-A30A-4326-970E-26252D39327F}">
-      <dgm:prSet/>
-      <dgm:spPr/>
-      <dgm:t>
-        <a:bodyPr/>
-        <a:lstStyle/>
-        <a:p>
-          <a:endParaRPr lang="en-US"/>
-        </a:p>
-      </dgm:t>
-    </dgm:pt>
-    <dgm:pt modelId="{0791135C-9DAB-47F6-BE9C-A3E56A2DDA50}">
-      <dgm:prSet phldrT="[Text]"/>
-      <dgm:spPr/>
-      <dgm:t>
-        <a:bodyPr/>
-        <a:lstStyle/>
-        <a:p>
-          <a:r>
-            <a:rPr lang="en-US" dirty="0"/>
-            <a:t>Task 2</a:t>
-          </a:r>
-        </a:p>
-      </dgm:t>
-    </dgm:pt>
-    <dgm:pt modelId="{D6057E63-9793-4991-97C1-30FC405E95A5}" type="parTrans" cxnId="{B3B26E9A-58E5-497B-BD59-F5567958C609}">
-      <dgm:prSet/>
-      <dgm:spPr/>
-      <dgm:t>
-        <a:bodyPr/>
-        <a:lstStyle/>
-        <a:p>
-          <a:endParaRPr lang="en-US"/>
-        </a:p>
-      </dgm:t>
-    </dgm:pt>
-    <dgm:pt modelId="{B670C2A7-83CB-4F4C-BC19-A3A7C066A822}" type="sibTrans" cxnId="{B3B26E9A-58E5-497B-BD59-F5567958C609}">
-      <dgm:prSet/>
-      <dgm:spPr/>
-      <dgm:t>
-        <a:bodyPr/>
-        <a:lstStyle/>
-        <a:p>
-          <a:endParaRPr lang="en-US"/>
-        </a:p>
-      </dgm:t>
-    </dgm:pt>
-    <dgm:pt modelId="{60CDF8D0-D4FC-4467-A51E-79C5A58B0B2C}">
-      <dgm:prSet phldrT="[Text]"/>
-      <dgm:spPr/>
-      <dgm:t>
-        <a:bodyPr/>
-        <a:lstStyle/>
-        <a:p>
-          <a:r>
-            <a:rPr lang="en-US" dirty="0"/>
-            <a:t>Group C</a:t>
-          </a:r>
-        </a:p>
-      </dgm:t>
-      <dgm:extLst>
-        <a:ext uri="{E40237B7-FDA0-4F09-8148-C483321AD2D9}">
-          <dgm14:cNvPr xmlns:dgm14="http://schemas.microsoft.com/office/drawing/2010/diagram" id="0" name="" title="Group C title"/>
-        </a:ext>
-      </dgm:extLst>
-    </dgm:pt>
-    <dgm:pt modelId="{E12A269F-AB82-486A-9077-80F2BBBE48C2}" type="parTrans" cxnId="{2BA65DEC-E719-4ED3-8135-48349D42DD04}">
-      <dgm:prSet/>
-      <dgm:spPr/>
-      <dgm:t>
-        <a:bodyPr/>
-        <a:lstStyle/>
-        <a:p>
-          <a:endParaRPr lang="en-US"/>
-        </a:p>
-      </dgm:t>
-    </dgm:pt>
-    <dgm:pt modelId="{3F7FD59D-A716-4310-A89A-AB6F740D9FFF}" type="sibTrans" cxnId="{2BA65DEC-E719-4ED3-8135-48349D42DD04}">
-      <dgm:prSet/>
-      <dgm:spPr/>
-      <dgm:t>
-        <a:bodyPr/>
-        <a:lstStyle/>
-        <a:p>
-          <a:endParaRPr lang="en-US"/>
-        </a:p>
-      </dgm:t>
-    </dgm:pt>
-    <dgm:pt modelId="{50629C12-7464-4473-ADEF-1A284F8A9957}">
-      <dgm:prSet phldrT="[Text]"/>
-      <dgm:spPr/>
-      <dgm:t>
-        <a:bodyPr/>
-        <a:lstStyle/>
-        <a:p>
-          <a:r>
-            <a:rPr lang="en-US" dirty="0"/>
-            <a:t>Task 1</a:t>
-          </a:r>
-        </a:p>
-      </dgm:t>
-      <dgm:extLst>
-        <a:ext uri="{E40237B7-FDA0-4F09-8148-C483321AD2D9}">
-          <dgm14:cNvPr xmlns:dgm14="http://schemas.microsoft.com/office/drawing/2010/diagram" id="0" name="" title="Group C tasks"/>
-        </a:ext>
-      </dgm:extLst>
-    </dgm:pt>
-    <dgm:pt modelId="{9D1CB46C-0CFA-4B27-9224-267431FBD094}" type="parTrans" cxnId="{1D32FCC9-657C-4348-9C0D-52115D559FEB}">
-      <dgm:prSet/>
-      <dgm:spPr/>
-      <dgm:t>
-        <a:bodyPr/>
-        <a:lstStyle/>
-        <a:p>
-          <a:endParaRPr lang="en-US"/>
-        </a:p>
-      </dgm:t>
-    </dgm:pt>
-    <dgm:pt modelId="{4576BCC5-0598-4332-A2E7-87AC3ADD4EB8}" type="sibTrans" cxnId="{1D32FCC9-657C-4348-9C0D-52115D559FEB}">
-      <dgm:prSet/>
-      <dgm:spPr/>
-      <dgm:t>
-        <a:bodyPr/>
-        <a:lstStyle/>
-        <a:p>
-          <a:endParaRPr lang="en-US"/>
-        </a:p>
-      </dgm:t>
-    </dgm:pt>
-    <dgm:pt modelId="{5E7E8819-F483-44DF-919F-6E95468C8963}">
-      <dgm:prSet phldrT="[Text]"/>
-      <dgm:spPr/>
-      <dgm:t>
-        <a:bodyPr/>
-        <a:lstStyle/>
-        <a:p>
-          <a:r>
-            <a:rPr lang="en-US" dirty="0"/>
-            <a:t>Task 2</a:t>
-          </a:r>
-        </a:p>
-      </dgm:t>
-      <dgm:extLst/>
-    </dgm:pt>
-    <dgm:pt modelId="{C9D6A9DA-302E-4548-885F-28DE53027054}" type="parTrans" cxnId="{4900DF99-B2B3-456B-AD0C-5CC7040B8204}">
-      <dgm:prSet/>
-      <dgm:spPr/>
-      <dgm:t>
-        <a:bodyPr/>
-        <a:lstStyle/>
-        <a:p>
-          <a:endParaRPr lang="en-US"/>
-        </a:p>
-      </dgm:t>
-    </dgm:pt>
-    <dgm:pt modelId="{88B013DA-0720-49D9-A5D2-47224518ADD0}" type="sibTrans" cxnId="{4900DF99-B2B3-456B-AD0C-5CC7040B8204}">
-      <dgm:prSet/>
-      <dgm:spPr/>
-      <dgm:t>
-        <a:bodyPr/>
-        <a:lstStyle/>
-        <a:p>
-          <a:endParaRPr lang="en-US"/>
-        </a:p>
-      </dgm:t>
-    </dgm:pt>
-    <dgm:pt modelId="{E6A445EE-D086-4B01-B491-D67950A5A065}" type="pres">
-      <dgm:prSet presAssocID="{3F442EA2-39BA-4C9A-AD59-755D4917D532}" presName="linear" presStyleCnt="0">
-        <dgm:presLayoutVars>
-          <dgm:dir/>
-          <dgm:animLvl val="lvl"/>
-          <dgm:resizeHandles val="exact"/>
-        </dgm:presLayoutVars>
-      </dgm:prSet>
-      <dgm:spPr/>
-    </dgm:pt>
-    <dgm:pt modelId="{6D3A9625-D3EB-4CA1-AB05-34452283708A}" type="pres">
-      <dgm:prSet presAssocID="{4DF9FE7B-F642-4898-A360-D4E3814E1A3D}" presName="parentLin" presStyleCnt="0"/>
-      <dgm:spPr/>
-    </dgm:pt>
-    <dgm:pt modelId="{7E290D25-335D-4339-A8E8-B036E46B5EB5}" type="pres">
-      <dgm:prSet presAssocID="{4DF9FE7B-F642-4898-A360-D4E3814E1A3D}" presName="parentLeftMargin" presStyleLbl="node1" presStyleIdx="0" presStyleCnt="3"/>
-      <dgm:spPr/>
-    </dgm:pt>
-    <dgm:pt modelId="{674922F1-7266-4681-AD4F-1C618A5FFF23}" type="pres">
-      <dgm:prSet presAssocID="{4DF9FE7B-F642-4898-A360-D4E3814E1A3D}" presName="parentText" presStyleLbl="node1" presStyleIdx="0" presStyleCnt="3">
-        <dgm:presLayoutVars>
-          <dgm:chMax val="0"/>
-          <dgm:bulletEnabled val="1"/>
-        </dgm:presLayoutVars>
-      </dgm:prSet>
-      <dgm:spPr/>
-    </dgm:pt>
-    <dgm:pt modelId="{96C29850-0672-4B77-B5DE-2E1563038631}" type="pres">
-      <dgm:prSet presAssocID="{4DF9FE7B-F642-4898-A360-D4E3814E1A3D}" presName="negativeSpace" presStyleCnt="0"/>
-      <dgm:spPr/>
-    </dgm:pt>
-    <dgm:pt modelId="{80259B02-529C-422B-91BE-D70198BA9F6C}" type="pres">
-      <dgm:prSet presAssocID="{4DF9FE7B-F642-4898-A360-D4E3814E1A3D}" presName="childText" presStyleLbl="conFgAcc1" presStyleIdx="0" presStyleCnt="3">
-        <dgm:presLayoutVars>
-          <dgm:bulletEnabled val="1"/>
-        </dgm:presLayoutVars>
-      </dgm:prSet>
-      <dgm:spPr/>
-    </dgm:pt>
-    <dgm:pt modelId="{E53EFB4E-D3DB-42E1-82AC-148F7D29254F}" type="pres">
-      <dgm:prSet presAssocID="{43C18EFF-81FC-4D70-8C6B-E95FF3730413}" presName="spaceBetweenRectangles" presStyleCnt="0"/>
-      <dgm:spPr/>
-    </dgm:pt>
-    <dgm:pt modelId="{07AC1C38-F728-4390-9C76-57A49ED97DBB}" type="pres">
-      <dgm:prSet presAssocID="{3929B1E1-4BC4-4C73-ABE8-27CEF96A3652}" presName="parentLin" presStyleCnt="0"/>
-      <dgm:spPr/>
-    </dgm:pt>
-    <dgm:pt modelId="{D0037F0D-DB9A-4BA4-97B4-D939B26E14DA}" type="pres">
-      <dgm:prSet presAssocID="{3929B1E1-4BC4-4C73-ABE8-27CEF96A3652}" presName="parentLeftMargin" presStyleLbl="node1" presStyleIdx="0" presStyleCnt="3"/>
-      <dgm:spPr/>
-    </dgm:pt>
-    <dgm:pt modelId="{21EEBBE2-729F-4D85-8CAE-C2B30FF126D2}" type="pres">
-      <dgm:prSet presAssocID="{3929B1E1-4BC4-4C73-ABE8-27CEF96A3652}" presName="parentText" presStyleLbl="node1" presStyleIdx="1" presStyleCnt="3">
-        <dgm:presLayoutVars>
-          <dgm:chMax val="0"/>
-          <dgm:bulletEnabled val="1"/>
-        </dgm:presLayoutVars>
-      </dgm:prSet>
-      <dgm:spPr/>
-    </dgm:pt>
-    <dgm:pt modelId="{AACB3FAF-C320-430D-84D4-71BA6D1761D1}" type="pres">
-      <dgm:prSet presAssocID="{3929B1E1-4BC4-4C73-ABE8-27CEF96A3652}" presName="negativeSpace" presStyleCnt="0"/>
-      <dgm:spPr/>
-    </dgm:pt>
-    <dgm:pt modelId="{5282638F-EFF2-4770-BB1A-21455422E45D}" type="pres">
-      <dgm:prSet presAssocID="{3929B1E1-4BC4-4C73-ABE8-27CEF96A3652}" presName="childText" presStyleLbl="conFgAcc1" presStyleIdx="1" presStyleCnt="3">
-        <dgm:presLayoutVars>
-          <dgm:bulletEnabled val="1"/>
-        </dgm:presLayoutVars>
-      </dgm:prSet>
-      <dgm:spPr/>
-    </dgm:pt>
-    <dgm:pt modelId="{8CE827AA-77D8-4146-A665-00110A17769E}" type="pres">
-      <dgm:prSet presAssocID="{19BA0C22-38BB-4E9F-89D5-0FF5FF9F12CE}" presName="spaceBetweenRectangles" presStyleCnt="0"/>
-      <dgm:spPr/>
-    </dgm:pt>
-    <dgm:pt modelId="{34C9EE47-81AF-461E-8292-AB107AA0D367}" type="pres">
-      <dgm:prSet presAssocID="{60CDF8D0-D4FC-4467-A51E-79C5A58B0B2C}" presName="parentLin" presStyleCnt="0"/>
-      <dgm:spPr/>
-    </dgm:pt>
-    <dgm:pt modelId="{864CB39B-29F9-473D-90E5-0686D86E278F}" type="pres">
-      <dgm:prSet presAssocID="{60CDF8D0-D4FC-4467-A51E-79C5A58B0B2C}" presName="parentLeftMargin" presStyleLbl="node1" presStyleIdx="1" presStyleCnt="3"/>
-      <dgm:spPr/>
-    </dgm:pt>
-    <dgm:pt modelId="{5B203A22-00AF-46E7-9415-C6DAFD7E01CC}" type="pres">
-      <dgm:prSet presAssocID="{60CDF8D0-D4FC-4467-A51E-79C5A58B0B2C}" presName="parentText" presStyleLbl="node1" presStyleIdx="2" presStyleCnt="3">
-        <dgm:presLayoutVars>
-          <dgm:chMax val="0"/>
-          <dgm:bulletEnabled val="1"/>
-        </dgm:presLayoutVars>
-      </dgm:prSet>
-      <dgm:spPr/>
-    </dgm:pt>
-    <dgm:pt modelId="{DF9C1F84-81DE-4E5D-9537-C2D1A211B8B6}" type="pres">
-      <dgm:prSet presAssocID="{60CDF8D0-D4FC-4467-A51E-79C5A58B0B2C}" presName="negativeSpace" presStyleCnt="0"/>
-      <dgm:spPr/>
-    </dgm:pt>
-    <dgm:pt modelId="{964E6811-5072-4466-B721-689C35A65029}" type="pres">
-      <dgm:prSet presAssocID="{60CDF8D0-D4FC-4467-A51E-79C5A58B0B2C}" presName="childText" presStyleLbl="conFgAcc1" presStyleIdx="2" presStyleCnt="3">
-        <dgm:presLayoutVars>
-          <dgm:bulletEnabled val="1"/>
-        </dgm:presLayoutVars>
-      </dgm:prSet>
-      <dgm:spPr/>
-    </dgm:pt>
-  </dgm:ptLst>
-  <dgm:cxnLst>
-    <dgm:cxn modelId="{1339090C-9A95-4C05-841C-FA3AF987601B}" srcId="{3F442EA2-39BA-4C9A-AD59-755D4917D532}" destId="{3929B1E1-4BC4-4C73-ABE8-27CEF96A3652}" srcOrd="1" destOrd="0" parTransId="{F356CC76-9117-4B79-A270-BBBAFD3E9C79}" sibTransId="{19BA0C22-38BB-4E9F-89D5-0FF5FF9F12CE}"/>
-    <dgm:cxn modelId="{459EDE1B-83A7-4B6B-B912-F01D5F962186}" type="presOf" srcId="{5E7E8819-F483-44DF-919F-6E95468C8963}" destId="{964E6811-5072-4466-B721-689C35A65029}" srcOrd="0" destOrd="1" presId="urn:microsoft.com/office/officeart/2005/8/layout/list1"/>
-    <dgm:cxn modelId="{6108362B-9689-4D0E-8844-2D493AD2CE1C}" type="presOf" srcId="{60CDF8D0-D4FC-4467-A51E-79C5A58B0B2C}" destId="{5B203A22-00AF-46E7-9415-C6DAFD7E01CC}" srcOrd="1" destOrd="0" presId="urn:microsoft.com/office/officeart/2005/8/layout/list1"/>
-    <dgm:cxn modelId="{FE14672D-88A2-4DAE-AC76-CAB968FE519F}" type="presOf" srcId="{3929B1E1-4BC4-4C73-ABE8-27CEF96A3652}" destId="{21EEBBE2-729F-4D85-8CAE-C2B30FF126D2}" srcOrd="1" destOrd="0" presId="urn:microsoft.com/office/officeart/2005/8/layout/list1"/>
-    <dgm:cxn modelId="{62C10234-45D3-426A-8820-4C0D1D8CBA21}" srcId="{4DF9FE7B-F642-4898-A360-D4E3814E1A3D}" destId="{789CD6DB-3A68-4A41-90BD-4F0CBB3617D1}" srcOrd="1" destOrd="0" parTransId="{C0BEB5FF-8DFB-40B9-A228-C0C6097DDDC4}" sibTransId="{1A702531-A59F-4EE2-8246-E2EB0955D8B1}"/>
-    <dgm:cxn modelId="{10498C3A-7068-4ABA-A4D0-3524C0D50310}" type="presOf" srcId="{789CD6DB-3A68-4A41-90BD-4F0CBB3617D1}" destId="{80259B02-529C-422B-91BE-D70198BA9F6C}" srcOrd="0" destOrd="1" presId="urn:microsoft.com/office/officeart/2005/8/layout/list1"/>
-    <dgm:cxn modelId="{3F0C293E-2E7E-4665-8D44-581D552DF9A1}" type="presOf" srcId="{99E0600D-9954-43F4-8926-13B8777FAAA1}" destId="{5282638F-EFF2-4770-BB1A-21455422E45D}" srcOrd="0" destOrd="0" presId="urn:microsoft.com/office/officeart/2005/8/layout/list1"/>
-    <dgm:cxn modelId="{2A11C66B-2222-40EF-8E11-88B88D0D3D24}" type="presOf" srcId="{4DF9FE7B-F642-4898-A360-D4E3814E1A3D}" destId="{674922F1-7266-4681-AD4F-1C618A5FFF23}" srcOrd="1" destOrd="0" presId="urn:microsoft.com/office/officeart/2005/8/layout/list1"/>
-    <dgm:cxn modelId="{80F58D57-B962-4C9D-B013-5548ADF87448}" type="presOf" srcId="{50629C12-7464-4473-ADEF-1A284F8A9957}" destId="{964E6811-5072-4466-B721-689C35A65029}" srcOrd="0" destOrd="0" presId="urn:microsoft.com/office/officeart/2005/8/layout/list1"/>
-    <dgm:cxn modelId="{B1527982-10E5-4CE7-9744-094C706192AF}" type="presOf" srcId="{0791135C-9DAB-47F6-BE9C-A3E56A2DDA50}" destId="{5282638F-EFF2-4770-BB1A-21455422E45D}" srcOrd="0" destOrd="1" presId="urn:microsoft.com/office/officeart/2005/8/layout/list1"/>
-    <dgm:cxn modelId="{EBD8BE8D-6018-43E2-B081-034BB5656EB6}" srcId="{3F442EA2-39BA-4C9A-AD59-755D4917D532}" destId="{4DF9FE7B-F642-4898-A360-D4E3814E1A3D}" srcOrd="0" destOrd="0" parTransId="{1C10F06D-860A-4604-A7AD-02E614FE3976}" sibTransId="{43C18EFF-81FC-4D70-8C6B-E95FF3730413}"/>
-    <dgm:cxn modelId="{3EBFF094-02A9-4D87-B328-CDC32C77ABA8}" type="presOf" srcId="{3929B1E1-4BC4-4C73-ABE8-27CEF96A3652}" destId="{D0037F0D-DB9A-4BA4-97B4-D939B26E14DA}" srcOrd="0" destOrd="0" presId="urn:microsoft.com/office/officeart/2005/8/layout/list1"/>
-    <dgm:cxn modelId="{2416B399-0486-41EC-9CA5-0704E3CCA3BD}" type="presOf" srcId="{4DF9FE7B-F642-4898-A360-D4E3814E1A3D}" destId="{7E290D25-335D-4339-A8E8-B036E46B5EB5}" srcOrd="0" destOrd="0" presId="urn:microsoft.com/office/officeart/2005/8/layout/list1"/>
-    <dgm:cxn modelId="{4900DF99-B2B3-456B-AD0C-5CC7040B8204}" srcId="{60CDF8D0-D4FC-4467-A51E-79C5A58B0B2C}" destId="{5E7E8819-F483-44DF-919F-6E95468C8963}" srcOrd="1" destOrd="0" parTransId="{C9D6A9DA-302E-4548-885F-28DE53027054}" sibTransId="{88B013DA-0720-49D9-A5D2-47224518ADD0}"/>
-    <dgm:cxn modelId="{B3B26E9A-58E5-497B-BD59-F5567958C609}" srcId="{3929B1E1-4BC4-4C73-ABE8-27CEF96A3652}" destId="{0791135C-9DAB-47F6-BE9C-A3E56A2DDA50}" srcOrd="1" destOrd="0" parTransId="{D6057E63-9793-4991-97C1-30FC405E95A5}" sibTransId="{B670C2A7-83CB-4F4C-BC19-A3A7C066A822}"/>
-    <dgm:cxn modelId="{09FCCB9D-A30A-4326-970E-26252D39327F}" srcId="{3929B1E1-4BC4-4C73-ABE8-27CEF96A3652}" destId="{99E0600D-9954-43F4-8926-13B8777FAAA1}" srcOrd="0" destOrd="0" parTransId="{BE23F476-2C5C-42ED-BF2B-CD5FC7ADDDF6}" sibTransId="{C44937DC-4907-4769-AA8B-1B3E7391D7B0}"/>
-    <dgm:cxn modelId="{A058DDA2-48CA-4E5B-B389-F71A59C262B0}" srcId="{4DF9FE7B-F642-4898-A360-D4E3814E1A3D}" destId="{EFF2750D-B4B3-474C-8B62-8B638DC31F7E}" srcOrd="0" destOrd="0" parTransId="{AEBC78E6-CDDC-4C8F-A157-3C51E907FACD}" sibTransId="{75C067D7-FCD2-4969-8F27-4BBDA88E75ED}"/>
-    <dgm:cxn modelId="{339A87A3-3EC4-4744-B773-ADAA643DE229}" type="presOf" srcId="{EFF2750D-B4B3-474C-8B62-8B638DC31F7E}" destId="{80259B02-529C-422B-91BE-D70198BA9F6C}" srcOrd="0" destOrd="0" presId="urn:microsoft.com/office/officeart/2005/8/layout/list1"/>
-    <dgm:cxn modelId="{1D32FCC9-657C-4348-9C0D-52115D559FEB}" srcId="{60CDF8D0-D4FC-4467-A51E-79C5A58B0B2C}" destId="{50629C12-7464-4473-ADEF-1A284F8A9957}" srcOrd="0" destOrd="0" parTransId="{9D1CB46C-0CFA-4B27-9224-267431FBD094}" sibTransId="{4576BCC5-0598-4332-A2E7-87AC3ADD4EB8}"/>
-    <dgm:cxn modelId="{2BF18ED1-39D2-485A-8964-4E3198F8F4F0}" type="presOf" srcId="{60CDF8D0-D4FC-4467-A51E-79C5A58B0B2C}" destId="{864CB39B-29F9-473D-90E5-0686D86E278F}" srcOrd="0" destOrd="0" presId="urn:microsoft.com/office/officeart/2005/8/layout/list1"/>
-    <dgm:cxn modelId="{F00D43D3-2EBF-439E-A0F5-E3EE90A22AD7}" type="presOf" srcId="{3F442EA2-39BA-4C9A-AD59-755D4917D532}" destId="{E6A445EE-D086-4B01-B491-D67950A5A065}" srcOrd="0" destOrd="0" presId="urn:microsoft.com/office/officeart/2005/8/layout/list1"/>
-    <dgm:cxn modelId="{2BA65DEC-E719-4ED3-8135-48349D42DD04}" srcId="{3F442EA2-39BA-4C9A-AD59-755D4917D532}" destId="{60CDF8D0-D4FC-4467-A51E-79C5A58B0B2C}" srcOrd="2" destOrd="0" parTransId="{E12A269F-AB82-486A-9077-80F2BBBE48C2}" sibTransId="{3F7FD59D-A716-4310-A89A-AB6F740D9FFF}"/>
-    <dgm:cxn modelId="{41C27657-66EF-4C3B-8E9C-7B2E84A2DD1A}" type="presParOf" srcId="{E6A445EE-D086-4B01-B491-D67950A5A065}" destId="{6D3A9625-D3EB-4CA1-AB05-34452283708A}" srcOrd="0" destOrd="0" presId="urn:microsoft.com/office/officeart/2005/8/layout/list1"/>
-    <dgm:cxn modelId="{0F3AA7EF-4CA3-4B58-8428-01B782E35A1B}" type="presParOf" srcId="{6D3A9625-D3EB-4CA1-AB05-34452283708A}" destId="{7E290D25-335D-4339-A8E8-B036E46B5EB5}" srcOrd="0" destOrd="0" presId="urn:microsoft.com/office/officeart/2005/8/layout/list1"/>
-    <dgm:cxn modelId="{05E32DD5-D6B4-46E8-9A33-1E9C9AB9A269}" type="presParOf" srcId="{6D3A9625-D3EB-4CA1-AB05-34452283708A}" destId="{674922F1-7266-4681-AD4F-1C618A5FFF23}" srcOrd="1" destOrd="0" presId="urn:microsoft.com/office/officeart/2005/8/layout/list1"/>
-    <dgm:cxn modelId="{9FEECAB6-0BBC-4A1B-84D0-174D9A555E14}" type="presParOf" srcId="{E6A445EE-D086-4B01-B491-D67950A5A065}" destId="{96C29850-0672-4B77-B5DE-2E1563038631}" srcOrd="1" destOrd="0" presId="urn:microsoft.com/office/officeart/2005/8/layout/list1"/>
-    <dgm:cxn modelId="{A528E9B1-D521-4863-A216-D0A9CE821899}" type="presParOf" srcId="{E6A445EE-D086-4B01-B491-D67950A5A065}" destId="{80259B02-529C-422B-91BE-D70198BA9F6C}" srcOrd="2" destOrd="0" presId="urn:microsoft.com/office/officeart/2005/8/layout/list1"/>
-    <dgm:cxn modelId="{CE2638FC-EFD3-4028-A5EC-A13F39B23B6E}" type="presParOf" srcId="{E6A445EE-D086-4B01-B491-D67950A5A065}" destId="{E53EFB4E-D3DB-42E1-82AC-148F7D29254F}" srcOrd="3" destOrd="0" presId="urn:microsoft.com/office/officeart/2005/8/layout/list1"/>
-    <dgm:cxn modelId="{58882DC7-B418-4C0E-9C40-979E7405894F}" type="presParOf" srcId="{E6A445EE-D086-4B01-B491-D67950A5A065}" destId="{07AC1C38-F728-4390-9C76-57A49ED97DBB}" srcOrd="4" destOrd="0" presId="urn:microsoft.com/office/officeart/2005/8/layout/list1"/>
-    <dgm:cxn modelId="{528A3CEB-C3AF-4445-93C9-8F3EC3713DF8}" type="presParOf" srcId="{07AC1C38-F728-4390-9C76-57A49ED97DBB}" destId="{D0037F0D-DB9A-4BA4-97B4-D939B26E14DA}" srcOrd="0" destOrd="0" presId="urn:microsoft.com/office/officeart/2005/8/layout/list1"/>
-    <dgm:cxn modelId="{317D8306-6691-456A-A4FA-B393419286AC}" type="presParOf" srcId="{07AC1C38-F728-4390-9C76-57A49ED97DBB}" destId="{21EEBBE2-729F-4D85-8CAE-C2B30FF126D2}" srcOrd="1" destOrd="0" presId="urn:microsoft.com/office/officeart/2005/8/layout/list1"/>
-    <dgm:cxn modelId="{98F94C20-C0D6-4186-A146-0D6C76241D1A}" type="presParOf" srcId="{E6A445EE-D086-4B01-B491-D67950A5A065}" destId="{AACB3FAF-C320-430D-84D4-71BA6D1761D1}" srcOrd="5" destOrd="0" presId="urn:microsoft.com/office/officeart/2005/8/layout/list1"/>
-    <dgm:cxn modelId="{8B450F68-CFDE-4380-83DE-EA773429B7D2}" type="presParOf" srcId="{E6A445EE-D086-4B01-B491-D67950A5A065}" destId="{5282638F-EFF2-4770-BB1A-21455422E45D}" srcOrd="6" destOrd="0" presId="urn:microsoft.com/office/officeart/2005/8/layout/list1"/>
-    <dgm:cxn modelId="{24CD9B09-6AA3-467D-8DA2-E5AAA2F789B5}" type="presParOf" srcId="{E6A445EE-D086-4B01-B491-D67950A5A065}" destId="{8CE827AA-77D8-4146-A665-00110A17769E}" srcOrd="7" destOrd="0" presId="urn:microsoft.com/office/officeart/2005/8/layout/list1"/>
-    <dgm:cxn modelId="{FB163640-AD94-407A-B6EC-BB4E91BC1292}" type="presParOf" srcId="{E6A445EE-D086-4B01-B491-D67950A5A065}" destId="{34C9EE47-81AF-461E-8292-AB107AA0D367}" srcOrd="8" destOrd="0" presId="urn:microsoft.com/office/officeart/2005/8/layout/list1"/>
-    <dgm:cxn modelId="{7327C346-CF30-43FF-B64D-2B052E21A33F}" type="presParOf" srcId="{34C9EE47-81AF-461E-8292-AB107AA0D367}" destId="{864CB39B-29F9-473D-90E5-0686D86E278F}" srcOrd="0" destOrd="0" presId="urn:microsoft.com/office/officeart/2005/8/layout/list1"/>
-    <dgm:cxn modelId="{5161FA7C-C318-45F1-B871-A12BF4CBF838}" type="presParOf" srcId="{34C9EE47-81AF-461E-8292-AB107AA0D367}" destId="{5B203A22-00AF-46E7-9415-C6DAFD7E01CC}" srcOrd="1" destOrd="0" presId="urn:microsoft.com/office/officeart/2005/8/layout/list1"/>
-    <dgm:cxn modelId="{93F8116E-4D1E-4684-915C-9483B1C46DD2}" type="presParOf" srcId="{E6A445EE-D086-4B01-B491-D67950A5A065}" destId="{DF9C1F84-81DE-4E5D-9537-C2D1A211B8B6}" srcOrd="9" destOrd="0" presId="urn:microsoft.com/office/officeart/2005/8/layout/list1"/>
-    <dgm:cxn modelId="{51FDB8CA-627A-47A4-B82B-3746593054A5}" type="presParOf" srcId="{E6A445EE-D086-4B01-B491-D67950A5A065}" destId="{964E6811-5072-4466-B721-689C35A65029}" srcOrd="10" destOrd="0" presId="urn:microsoft.com/office/officeart/2005/8/layout/list1"/>
-  </dgm:cxnLst>
-  <dgm:bg/>
-  <dgm:whole/>
-  <dgm:extLst>
-    <a:ext uri="http://schemas.microsoft.com/office/drawing/2008/diagram">
-      <dsp:dataModelExt xmlns:dsp="http://schemas.microsoft.com/office/drawing/2008/diagram" relId="rId6" minVer="http://schemas.openxmlformats.org/drawingml/2006/diagram"/>
-    </a:ext>
-  </dgm:extLst>
-</dgm:dataModel>
-</file>
-
-<file path=ppt/diagrams/drawing1.xml><?xml version="1.0" encoding="utf-8"?>
-<dsp:drawing xmlns:dgm="http://schemas.openxmlformats.org/drawingml/2006/diagram" xmlns:dsp="http://schemas.microsoft.com/office/drawing/2008/diagram" xmlns:a="http://schemas.openxmlformats.org/drawingml/2006/main">
-  <dsp:spTree>
-    <dsp:nvGrpSpPr>
-      <dsp:cNvPr id="0" name=""/>
-      <dsp:cNvGrpSpPr/>
-    </dsp:nvGrpSpPr>
-    <dsp:grpSpPr/>
-    <dsp:sp modelId="{80259B02-529C-422B-91BE-D70198BA9F6C}">
-      <dsp:nvSpPr>
-        <dsp:cNvPr id="0" name=""/>
-        <dsp:cNvSpPr/>
-      </dsp:nvSpPr>
-      <dsp:spPr>
-        <a:xfrm>
-          <a:off x="0" y="296459"/>
-          <a:ext cx="4978400" cy="1020600"/>
-        </a:xfrm>
-        <a:prstGeom prst="rect">
-          <a:avLst/>
-        </a:prstGeom>
-        <a:solidFill>
-          <a:schemeClr val="lt1">
-            <a:alpha val="90000"/>
-            <a:hueOff val="0"/>
-            <a:satOff val="0"/>
-            <a:lumOff val="0"/>
-            <a:alphaOff val="0"/>
-          </a:schemeClr>
-        </a:solidFill>
-        <a:ln w="12700" cap="flat" cmpd="sng" algn="ctr">
-          <a:solidFill>
-            <a:schemeClr val="accent2">
-              <a:hueOff val="0"/>
-              <a:satOff val="0"/>
-              <a:lumOff val="0"/>
-              <a:alphaOff val="0"/>
-            </a:schemeClr>
-          </a:solidFill>
-          <a:prstDash val="solid"/>
-          <a:miter lim="800000"/>
-        </a:ln>
-        <a:effectLst/>
-      </dsp:spPr>
-      <dsp:style>
-        <a:lnRef idx="2">
-          <a:scrgbClr r="0" g="0" b="0"/>
-        </a:lnRef>
-        <a:fillRef idx="1">
-          <a:scrgbClr r="0" g="0" b="0"/>
-        </a:fillRef>
-        <a:effectRef idx="0">
-          <a:scrgbClr r="0" g="0" b="0"/>
-        </a:effectRef>
-        <a:fontRef idx="minor"/>
-      </dsp:style>
-      <dsp:txBody>
-        <a:bodyPr spcFirstLastPara="0" vert="horz" wrap="square" lIns="386379" tIns="374904" rIns="386379" bIns="128016" numCol="1" spcCol="1270" anchor="t" anchorCtr="0">
-          <a:noAutofit/>
-        </a:bodyPr>
-        <a:lstStyle/>
-        <a:p>
-          <a:pPr marL="171450" lvl="1" indent="-171450" algn="l" defTabSz="800100">
-            <a:lnSpc>
-              <a:spcPct val="90000"/>
-            </a:lnSpc>
-            <a:spcBef>
-              <a:spcPct val="0"/>
-            </a:spcBef>
-            <a:spcAft>
-              <a:spcPct val="15000"/>
-            </a:spcAft>
-            <a:buChar char="•"/>
-          </a:pPr>
-          <a:r>
-            <a:rPr lang="en-US" sz="1800" kern="1200" dirty="0"/>
-            <a:t>Task 1</a:t>
-          </a:r>
-        </a:p>
-        <a:p>
-          <a:pPr marL="171450" lvl="1" indent="-171450" algn="l" defTabSz="800100">
-            <a:lnSpc>
-              <a:spcPct val="90000"/>
-            </a:lnSpc>
-            <a:spcBef>
-              <a:spcPct val="0"/>
-            </a:spcBef>
-            <a:spcAft>
-              <a:spcPct val="15000"/>
-            </a:spcAft>
-            <a:buChar char="•"/>
-          </a:pPr>
-          <a:r>
-            <a:rPr lang="en-US" sz="1800" kern="1200" dirty="0"/>
-            <a:t>Task 2</a:t>
-          </a:r>
-        </a:p>
-      </dsp:txBody>
-      <dsp:txXfrm>
-        <a:off x="0" y="296459"/>
-        <a:ext cx="4978400" cy="1020600"/>
-      </dsp:txXfrm>
-    </dsp:sp>
-    <dsp:sp modelId="{674922F1-7266-4681-AD4F-1C618A5FFF23}">
-      <dsp:nvSpPr>
-        <dsp:cNvPr id="0" name=""/>
-        <dsp:cNvSpPr/>
-      </dsp:nvSpPr>
-      <dsp:spPr>
-        <a:xfrm>
-          <a:off x="248920" y="30779"/>
-          <a:ext cx="3484880" cy="531360"/>
-        </a:xfrm>
-        <a:prstGeom prst="roundRect">
-          <a:avLst/>
-        </a:prstGeom>
-        <a:solidFill>
-          <a:schemeClr val="accent2">
-            <a:hueOff val="0"/>
-            <a:satOff val="0"/>
-            <a:lumOff val="0"/>
-            <a:alphaOff val="0"/>
-          </a:schemeClr>
-        </a:solidFill>
-        <a:ln w="12700" cap="flat" cmpd="sng" algn="ctr">
-          <a:solidFill>
-            <a:schemeClr val="lt1">
-              <a:hueOff val="0"/>
-              <a:satOff val="0"/>
-              <a:lumOff val="0"/>
-              <a:alphaOff val="0"/>
-            </a:schemeClr>
-          </a:solidFill>
-          <a:prstDash val="solid"/>
-          <a:miter lim="800000"/>
-        </a:ln>
-        <a:effectLst/>
-      </dsp:spPr>
-      <dsp:style>
-        <a:lnRef idx="2">
-          <a:scrgbClr r="0" g="0" b="0"/>
-        </a:lnRef>
-        <a:fillRef idx="1">
-          <a:scrgbClr r="0" g="0" b="0"/>
-        </a:fillRef>
-        <a:effectRef idx="0">
-          <a:scrgbClr r="0" g="0" b="0"/>
-        </a:effectRef>
-        <a:fontRef idx="minor">
-          <a:schemeClr val="lt1"/>
-        </a:fontRef>
-      </dsp:style>
-      <dsp:txBody>
-        <a:bodyPr spcFirstLastPara="0" vert="horz" wrap="square" lIns="131720" tIns="0" rIns="131720" bIns="0" numCol="1" spcCol="1270" anchor="ctr" anchorCtr="0">
-          <a:noAutofit/>
-        </a:bodyPr>
-        <a:lstStyle/>
-        <a:p>
-          <a:pPr marL="0" lvl="0" indent="0" algn="l" defTabSz="800100">
-            <a:lnSpc>
-              <a:spcPct val="90000"/>
-            </a:lnSpc>
-            <a:spcBef>
-              <a:spcPct val="0"/>
-            </a:spcBef>
-            <a:spcAft>
-              <a:spcPct val="35000"/>
-            </a:spcAft>
-            <a:buNone/>
-          </a:pPr>
-          <a:r>
-            <a:rPr lang="en-US" sz="1800" kern="1200" dirty="0"/>
-            <a:t>Group A</a:t>
-          </a:r>
-        </a:p>
-      </dsp:txBody>
-      <dsp:txXfrm>
-        <a:off x="274859" y="56718"/>
-        <a:ext cx="3433002" cy="479482"/>
-      </dsp:txXfrm>
-    </dsp:sp>
-    <dsp:sp modelId="{5282638F-EFF2-4770-BB1A-21455422E45D}">
-      <dsp:nvSpPr>
-        <dsp:cNvPr id="0" name=""/>
-        <dsp:cNvSpPr/>
-      </dsp:nvSpPr>
-      <dsp:spPr>
-        <a:xfrm>
-          <a:off x="0" y="1679939"/>
-          <a:ext cx="4978400" cy="1020600"/>
-        </a:xfrm>
-        <a:prstGeom prst="rect">
-          <a:avLst/>
-        </a:prstGeom>
-        <a:solidFill>
-          <a:schemeClr val="lt1">
-            <a:alpha val="90000"/>
-            <a:hueOff val="0"/>
-            <a:satOff val="0"/>
-            <a:lumOff val="0"/>
-            <a:alphaOff val="0"/>
-          </a:schemeClr>
-        </a:solidFill>
-        <a:ln w="12700" cap="flat" cmpd="sng" algn="ctr">
-          <a:solidFill>
-            <a:schemeClr val="accent2">
-              <a:hueOff val="-727682"/>
-              <a:satOff val="-41964"/>
-              <a:lumOff val="4314"/>
-              <a:alphaOff val="0"/>
-            </a:schemeClr>
-          </a:solidFill>
-          <a:prstDash val="solid"/>
-          <a:miter lim="800000"/>
-        </a:ln>
-        <a:effectLst/>
-      </dsp:spPr>
-      <dsp:style>
-        <a:lnRef idx="2">
-          <a:scrgbClr r="0" g="0" b="0"/>
-        </a:lnRef>
-        <a:fillRef idx="1">
-          <a:scrgbClr r="0" g="0" b="0"/>
-        </a:fillRef>
-        <a:effectRef idx="0">
-          <a:scrgbClr r="0" g="0" b="0"/>
-        </a:effectRef>
-        <a:fontRef idx="minor"/>
-      </dsp:style>
-      <dsp:txBody>
-        <a:bodyPr spcFirstLastPara="0" vert="horz" wrap="square" lIns="386379" tIns="374904" rIns="386379" bIns="128016" numCol="1" spcCol="1270" anchor="t" anchorCtr="0">
-          <a:noAutofit/>
-        </a:bodyPr>
-        <a:lstStyle/>
-        <a:p>
-          <a:pPr marL="171450" lvl="1" indent="-171450" algn="l" defTabSz="800100">
-            <a:lnSpc>
-              <a:spcPct val="90000"/>
-            </a:lnSpc>
-            <a:spcBef>
-              <a:spcPct val="0"/>
-            </a:spcBef>
-            <a:spcAft>
-              <a:spcPct val="15000"/>
-            </a:spcAft>
-            <a:buChar char="•"/>
-          </a:pPr>
-          <a:r>
-            <a:rPr lang="en-US" sz="1800" kern="1200" dirty="0"/>
-            <a:t>Task 1</a:t>
-          </a:r>
-        </a:p>
-        <a:p>
-          <a:pPr marL="171450" lvl="1" indent="-171450" algn="l" defTabSz="800100">
-            <a:lnSpc>
-              <a:spcPct val="90000"/>
-            </a:lnSpc>
-            <a:spcBef>
-              <a:spcPct val="0"/>
-            </a:spcBef>
-            <a:spcAft>
-              <a:spcPct val="15000"/>
-            </a:spcAft>
-            <a:buChar char="•"/>
-          </a:pPr>
-          <a:r>
-            <a:rPr lang="en-US" sz="1800" kern="1200" dirty="0"/>
-            <a:t>Task 2</a:t>
-          </a:r>
-        </a:p>
-      </dsp:txBody>
-      <dsp:txXfrm>
-        <a:off x="0" y="1679939"/>
-        <a:ext cx="4978400" cy="1020600"/>
-      </dsp:txXfrm>
-    </dsp:sp>
-    <dsp:sp modelId="{21EEBBE2-729F-4D85-8CAE-C2B30FF126D2}">
-      <dsp:nvSpPr>
-        <dsp:cNvPr id="0" name=""/>
-        <dsp:cNvSpPr/>
-      </dsp:nvSpPr>
-      <dsp:spPr>
-        <a:xfrm>
-          <a:off x="248920" y="1414259"/>
-          <a:ext cx="3484880" cy="531360"/>
-        </a:xfrm>
-        <a:prstGeom prst="roundRect">
-          <a:avLst/>
-        </a:prstGeom>
-        <a:solidFill>
-          <a:schemeClr val="accent2">
-            <a:hueOff val="-727682"/>
-            <a:satOff val="-41964"/>
-            <a:lumOff val="4314"/>
-            <a:alphaOff val="0"/>
-          </a:schemeClr>
-        </a:solidFill>
-        <a:ln w="12700" cap="flat" cmpd="sng" algn="ctr">
-          <a:solidFill>
-            <a:schemeClr val="lt1">
-              <a:hueOff val="0"/>
-              <a:satOff val="0"/>
-              <a:lumOff val="0"/>
-              <a:alphaOff val="0"/>
-            </a:schemeClr>
-          </a:solidFill>
-          <a:prstDash val="solid"/>
-          <a:miter lim="800000"/>
-        </a:ln>
-        <a:effectLst/>
-      </dsp:spPr>
-      <dsp:style>
-        <a:lnRef idx="2">
-          <a:scrgbClr r="0" g="0" b="0"/>
-        </a:lnRef>
-        <a:fillRef idx="1">
-          <a:scrgbClr r="0" g="0" b="0"/>
-        </a:fillRef>
-        <a:effectRef idx="0">
-          <a:scrgbClr r="0" g="0" b="0"/>
-        </a:effectRef>
-        <a:fontRef idx="minor">
-          <a:schemeClr val="lt1"/>
-        </a:fontRef>
-      </dsp:style>
-      <dsp:txBody>
-        <a:bodyPr spcFirstLastPara="0" vert="horz" wrap="square" lIns="131720" tIns="0" rIns="131720" bIns="0" numCol="1" spcCol="1270" anchor="ctr" anchorCtr="0">
-          <a:noAutofit/>
-        </a:bodyPr>
-        <a:lstStyle/>
-        <a:p>
-          <a:pPr marL="0" lvl="0" indent="0" algn="l" defTabSz="800100">
-            <a:lnSpc>
-              <a:spcPct val="90000"/>
-            </a:lnSpc>
-            <a:spcBef>
-              <a:spcPct val="0"/>
-            </a:spcBef>
-            <a:spcAft>
-              <a:spcPct val="35000"/>
-            </a:spcAft>
-            <a:buNone/>
-          </a:pPr>
-          <a:r>
-            <a:rPr lang="en-US" sz="1800" kern="1200" dirty="0"/>
-            <a:t>Group B</a:t>
-          </a:r>
-        </a:p>
-      </dsp:txBody>
-      <dsp:txXfrm>
-        <a:off x="274859" y="1440198"/>
-        <a:ext cx="3433002" cy="479482"/>
-      </dsp:txXfrm>
-    </dsp:sp>
-    <dsp:sp modelId="{964E6811-5072-4466-B721-689C35A65029}">
-      <dsp:nvSpPr>
-        <dsp:cNvPr id="0" name=""/>
-        <dsp:cNvSpPr/>
-      </dsp:nvSpPr>
-      <dsp:spPr>
-        <a:xfrm>
-          <a:off x="0" y="3063420"/>
-          <a:ext cx="4978400" cy="1020600"/>
-        </a:xfrm>
-        <a:prstGeom prst="rect">
-          <a:avLst/>
-        </a:prstGeom>
-        <a:solidFill>
-          <a:schemeClr val="lt1">
-            <a:alpha val="90000"/>
-            <a:hueOff val="0"/>
-            <a:satOff val="0"/>
-            <a:lumOff val="0"/>
-            <a:alphaOff val="0"/>
-          </a:schemeClr>
-        </a:solidFill>
-        <a:ln w="12700" cap="flat" cmpd="sng" algn="ctr">
-          <a:solidFill>
-            <a:schemeClr val="accent2">
-              <a:hueOff val="-1455363"/>
-              <a:satOff val="-83928"/>
-              <a:lumOff val="8628"/>
-              <a:alphaOff val="0"/>
-            </a:schemeClr>
-          </a:solidFill>
-          <a:prstDash val="solid"/>
-          <a:miter lim="800000"/>
-        </a:ln>
-        <a:effectLst/>
-      </dsp:spPr>
-      <dsp:style>
-        <a:lnRef idx="2">
-          <a:scrgbClr r="0" g="0" b="0"/>
-        </a:lnRef>
-        <a:fillRef idx="1">
-          <a:scrgbClr r="0" g="0" b="0"/>
-        </a:fillRef>
-        <a:effectRef idx="0">
-          <a:scrgbClr r="0" g="0" b="0"/>
-        </a:effectRef>
-        <a:fontRef idx="minor"/>
-      </dsp:style>
-      <dsp:txBody>
-        <a:bodyPr spcFirstLastPara="0" vert="horz" wrap="square" lIns="386379" tIns="374904" rIns="386379" bIns="128016" numCol="1" spcCol="1270" anchor="t" anchorCtr="0">
-          <a:noAutofit/>
-        </a:bodyPr>
-        <a:lstStyle/>
-        <a:p>
-          <a:pPr marL="171450" lvl="1" indent="-171450" algn="l" defTabSz="800100">
-            <a:lnSpc>
-              <a:spcPct val="90000"/>
-            </a:lnSpc>
-            <a:spcBef>
-              <a:spcPct val="0"/>
-            </a:spcBef>
-            <a:spcAft>
-              <a:spcPct val="15000"/>
-            </a:spcAft>
-            <a:buChar char="•"/>
-          </a:pPr>
-          <a:r>
-            <a:rPr lang="en-US" sz="1800" kern="1200" dirty="0"/>
-            <a:t>Task 1</a:t>
-          </a:r>
-        </a:p>
-        <a:p>
-          <a:pPr marL="171450" lvl="1" indent="-171450" algn="l" defTabSz="800100">
-            <a:lnSpc>
-              <a:spcPct val="90000"/>
-            </a:lnSpc>
-            <a:spcBef>
-              <a:spcPct val="0"/>
-            </a:spcBef>
-            <a:spcAft>
-              <a:spcPct val="15000"/>
-            </a:spcAft>
-            <a:buChar char="•"/>
-          </a:pPr>
-          <a:r>
-            <a:rPr lang="en-US" sz="1800" kern="1200" dirty="0"/>
-            <a:t>Task 2</a:t>
-          </a:r>
-        </a:p>
-      </dsp:txBody>
-      <dsp:txXfrm>
-        <a:off x="0" y="3063420"/>
-        <a:ext cx="4978400" cy="1020600"/>
-      </dsp:txXfrm>
-    </dsp:sp>
-    <dsp:sp modelId="{5B203A22-00AF-46E7-9415-C6DAFD7E01CC}">
-      <dsp:nvSpPr>
-        <dsp:cNvPr id="0" name=""/>
-        <dsp:cNvSpPr/>
-      </dsp:nvSpPr>
-      <dsp:spPr>
-        <a:xfrm>
-          <a:off x="248920" y="2797740"/>
-          <a:ext cx="3484880" cy="531360"/>
-        </a:xfrm>
-        <a:prstGeom prst="roundRect">
-          <a:avLst/>
-        </a:prstGeom>
-        <a:solidFill>
-          <a:schemeClr val="accent2">
-            <a:hueOff val="-1455363"/>
-            <a:satOff val="-83928"/>
-            <a:lumOff val="8628"/>
-            <a:alphaOff val="0"/>
-          </a:schemeClr>
-        </a:solidFill>
-        <a:ln w="12700" cap="flat" cmpd="sng" algn="ctr">
-          <a:solidFill>
-            <a:schemeClr val="lt1">
-              <a:hueOff val="0"/>
-              <a:satOff val="0"/>
-              <a:lumOff val="0"/>
-              <a:alphaOff val="0"/>
-            </a:schemeClr>
-          </a:solidFill>
-          <a:prstDash val="solid"/>
-          <a:miter lim="800000"/>
-        </a:ln>
-        <a:effectLst/>
-      </dsp:spPr>
-      <dsp:style>
-        <a:lnRef idx="2">
-          <a:scrgbClr r="0" g="0" b="0"/>
-        </a:lnRef>
-        <a:fillRef idx="1">
-          <a:scrgbClr r="0" g="0" b="0"/>
-        </a:fillRef>
-        <a:effectRef idx="0">
-          <a:scrgbClr r="0" g="0" b="0"/>
-        </a:effectRef>
-        <a:fontRef idx="minor">
-          <a:schemeClr val="lt1"/>
-        </a:fontRef>
-      </dsp:style>
-      <dsp:txBody>
-        <a:bodyPr spcFirstLastPara="0" vert="horz" wrap="square" lIns="131720" tIns="0" rIns="131720" bIns="0" numCol="1" spcCol="1270" anchor="ctr" anchorCtr="0">
-          <a:noAutofit/>
-        </a:bodyPr>
-        <a:lstStyle/>
-        <a:p>
-          <a:pPr marL="0" lvl="0" indent="0" algn="l" defTabSz="800100">
-            <a:lnSpc>
-              <a:spcPct val="90000"/>
-            </a:lnSpc>
-            <a:spcBef>
-              <a:spcPct val="0"/>
-            </a:spcBef>
-            <a:spcAft>
-              <a:spcPct val="35000"/>
-            </a:spcAft>
-            <a:buNone/>
-          </a:pPr>
-          <a:r>
-            <a:rPr lang="en-US" sz="1800" kern="1200" dirty="0"/>
-            <a:t>Group C</a:t>
-          </a:r>
-        </a:p>
-      </dsp:txBody>
-      <dsp:txXfrm>
-        <a:off x="274859" y="2823679"/>
-        <a:ext cx="3433002" cy="479482"/>
-      </dsp:txXfrm>
-    </dsp:sp>
-  </dsp:spTree>
-</dsp:drawing>
-</file>
-
-<file path=ppt/diagrams/layout1.xml><?xml version="1.0" encoding="utf-8"?>
-<dgm:layoutDef xmlns:dgm="http://schemas.openxmlformats.org/drawingml/2006/diagram" xmlns:a="http://schemas.openxmlformats.org/drawingml/2006/main" uniqueId="urn:microsoft.com/office/officeart/2005/8/layout/list1">
-  <dgm:title val=""/>
-  <dgm:desc val=""/>
-  <dgm:catLst>
-    <dgm:cat type="list" pri="4000"/>
-  </dgm:catLst>
-  <dgm:sampData>
-    <dgm:dataModel>
-      <dgm:ptLst>
-        <dgm:pt modelId="0" type="doc"/>
-        <dgm:pt modelId="1">
-          <dgm:prSet phldr="1"/>
-        </dgm:pt>
-        <dgm:pt modelId="2">
-          <dgm:prSet phldr="1"/>
-        </dgm:pt>
-        <dgm:pt modelId="3">
-          <dgm:prSet phldr="1"/>
-        </dgm:pt>
-      </dgm:ptLst>
-      <dgm:cxnLst>
-        <dgm:cxn modelId="4" srcId="0" destId="1" srcOrd="0" destOrd="0"/>
-        <dgm:cxn modelId="5" srcId="0" destId="2" srcOrd="1" destOrd="0"/>
-        <dgm:cxn modelId="6" srcId="0" destId="3" srcOrd="2" destOrd="0"/>
-      </dgm:cxnLst>
-      <dgm:bg/>
-      <dgm:whole/>
-    </dgm:dataModel>
-  </dgm:sampData>
-  <dgm:styleData>
-    <dgm:dataModel>
-      <dgm:ptLst>
-        <dgm:pt modelId="0" type="doc"/>
-        <dgm:pt modelId="1"/>
-        <dgm:pt modelId="2"/>
-      </dgm:ptLst>
-      <dgm:cxnLst>
-        <dgm:cxn modelId="4" srcId="0" destId="1" srcOrd="0" destOrd="0"/>
-        <dgm:cxn modelId="5" srcId="0" destId="2" srcOrd="1" destOrd="0"/>
-      </dgm:cxnLst>
-      <dgm:bg/>
-      <dgm:whole/>
-    </dgm:dataModel>
-  </dgm:styleData>
-  <dgm:clrData>
-    <dgm:dataModel>
-      <dgm:ptLst>
-        <dgm:pt modelId="0" type="doc"/>
-        <dgm:pt modelId="1"/>
-        <dgm:pt modelId="2"/>
-        <dgm:pt modelId="3"/>
-        <dgm:pt modelId="4"/>
-      </dgm:ptLst>
-      <dgm:cxnLst>
-        <dgm:cxn modelId="5" srcId="0" destId="1" srcOrd="0" destOrd="0"/>
-        <dgm:cxn modelId="6" srcId="0" destId="2" srcOrd="1" destOrd="0"/>
-        <dgm:cxn modelId="7" srcId="0" destId="3" srcOrd="2" destOrd="0"/>
-        <dgm:cxn modelId="8" srcId="0" destId="4" srcOrd="3" destOrd="0"/>
-      </dgm:cxnLst>
-      <dgm:bg/>
-      <dgm:whole/>
-    </dgm:dataModel>
-  </dgm:clrData>
-  <dgm:layoutNode name="linear">
-    <dgm:varLst>
-      <dgm:dir/>
-      <dgm:animLvl val="lvl"/>
-      <dgm:resizeHandles val="exact"/>
-    </dgm:varLst>
-    <dgm:choose name="Name0">
-      <dgm:if name="Name1" func="var" arg="dir" op="equ" val="norm">
-        <dgm:alg type="lin">
-          <dgm:param type="linDir" val="fromT"/>
-          <dgm:param type="vertAlign" val="mid"/>
-          <dgm:param type="horzAlign" val="l"/>
-          <dgm:param type="nodeHorzAlign" val="l"/>
-        </dgm:alg>
-      </dgm:if>
-      <dgm:else name="Name2">
-        <dgm:alg type="lin">
-          <dgm:param type="linDir" val="fromT"/>
-          <dgm:param type="vertAlign" val="mid"/>
-          <dgm:param type="horzAlign" val="r"/>
-          <dgm:param type="nodeHorzAlign" val="r"/>
-        </dgm:alg>
-      </dgm:else>
-    </dgm:choose>
-    <dgm:shape xmlns:r="http://schemas.openxmlformats.org/officeDocument/2006/relationships" r:blip="">
-      <dgm:adjLst/>
-    </dgm:shape>
-    <dgm:presOf/>
-    <dgm:constrLst>
-      <dgm:constr type="w" for="ch" forName="parentLin" refType="w"/>
-      <dgm:constr type="h" for="ch" forName="parentLin" val="INF"/>
-      <dgm:constr type="w" for="des" forName="parentLeftMargin" refType="w" fact="0.05"/>
-      <dgm:constr type="w" for="des" forName="parentText" refType="w" fact="0.7"/>
-      <dgm:constr type="h" for="des" forName="parentText" refType="primFontSz" refFor="des" refForName="parentText" fact="0.82"/>
-      <dgm:constr type="h" for="ch" forName="negativeSpace" refType="primFontSz" refFor="des" refForName="parentText" fact="-0.41"/>
-      <dgm:constr type="h" for="ch" forName="negativeSpace" refType="h" refFor="des" refForName="parentText" op="lte" fact="-0.82"/>
-      <dgm:constr type="h" for="ch" forName="negativeSpace" refType="h" refFor="des" refForName="parentText" op="gte" fact="-0.82"/>
-      <dgm:constr type="w" for="ch" forName="childText" refType="w"/>
-      <dgm:constr type="h" for="ch" forName="childText" refType="primFontSz" refFor="des" refForName="parentText" fact="0.7"/>
-      <dgm:constr type="primFontSz" for="des" forName="parentText" val="65"/>
-      <dgm:constr type="primFontSz" for="ch" forName="childText" refType="primFontSz" refFor="des" refForName="parentText"/>
-      <dgm:constr type="tMarg" for="ch" forName="childText" refType="primFontSz" refFor="des" refForName="parentText" fact="1.64"/>
-      <dgm:constr type="tMarg" for="ch" forName="childText" refType="h" refFor="des" refForName="parentText" op="lte" fact="3.28"/>
-      <dgm:constr type="tMarg" for="ch" forName="childText" refType="h" refFor="des" refForName="parentText" op="gte" fact="3.28"/>
-      <dgm:constr type="lMarg" for="ch" forName="childText" refType="w" fact="0.22"/>
-      <dgm:constr type="rMarg" for="ch" forName="childText" refType="lMarg" refFor="ch" refForName="childText"/>
-      <dgm:constr type="lMarg" for="des" forName="parentText" refType="w" fact="0.075"/>
-      <dgm:constr type="rMarg" for="des" forName="parentText" refType="lMarg" refFor="des" refForName="parentText"/>
-      <dgm:constr type="h" for="ch" forName="spaceBetweenRectangles" refType="primFontSz" refFor="des" refForName="parentText" fact="0.15"/>
-    </dgm:constrLst>
-    <dgm:ruleLst>
-      <dgm:rule type="primFontSz" for="des" forName="parentText" val="5" fact="NaN" max="NaN"/>
-    </dgm:ruleLst>
-    <dgm:forEach name="Name3" axis="ch" ptType="node">
-      <dgm:layoutNode name="parentLin">
-        <dgm:choose name="Name4">
-          <dgm:if name="Name5" func="var" arg="dir" op="equ" val="norm">
-            <dgm:alg type="lin">
-              <dgm:param type="linDir" val="fromL"/>
-              <dgm:param type="horzAlign" val="l"/>
-              <dgm:param type="nodeHorzAlign" val="l"/>
-            </dgm:alg>
-          </dgm:if>
-          <dgm:else name="Name6">
-            <dgm:alg type="lin">
-              <dgm:param type="linDir" val="fromR"/>
-              <dgm:param type="horzAlign" val="r"/>
-              <dgm:param type="nodeHorzAlign" val="r"/>
-            </dgm:alg>
-          </dgm:else>
-        </dgm:choose>
-        <dgm:shape xmlns:r="http://schemas.openxmlformats.org/officeDocument/2006/relationships" r:blip="">
-          <dgm:adjLst/>
-        </dgm:shape>
-        <dgm:presOf/>
-        <dgm:constrLst/>
-        <dgm:ruleLst/>
-        <dgm:layoutNode name="parentLeftMargin">
-          <dgm:alg type="sp"/>
-          <dgm:shape xmlns:r="http://schemas.openxmlformats.org/officeDocument/2006/relationships" type="rect" r:blip="" hideGeom="1">
-            <dgm:adjLst/>
-          </dgm:shape>
-          <dgm:presOf axis="self"/>
-          <dgm:constrLst>
-            <dgm:constr type="h"/>
-          </dgm:constrLst>
-          <dgm:ruleLst/>
-        </dgm:layoutNode>
-        <dgm:layoutNode name="parentText" styleLbl="node1">
-          <dgm:varLst>
-            <dgm:chMax val="0"/>
-            <dgm:bulletEnabled val="1"/>
-          </dgm:varLst>
-          <dgm:choose name="Name7">
-            <dgm:if name="Name8" func="var" arg="dir" op="equ" val="norm">
-              <dgm:alg type="tx">
-                <dgm:param type="parTxLTRAlign" val="l"/>
-                <dgm:param type="parTxRTLAlign" val="l"/>
-              </dgm:alg>
-            </dgm:if>
-            <dgm:else name="Name9">
-              <dgm:alg type="tx">
-                <dgm:param type="parTxLTRAlign" val="r"/>
-                <dgm:param type="parTxRTLAlign" val="r"/>
-              </dgm:alg>
-            </dgm:else>
-          </dgm:choose>
-          <dgm:shape xmlns:r="http://schemas.openxmlformats.org/officeDocument/2006/relationships" type="roundRect" r:blip="">
-            <dgm:adjLst/>
-          </dgm:shape>
-          <dgm:presOf axis="self" ptType="node"/>
-          <dgm:constrLst>
-            <dgm:constr type="tMarg"/>
-            <dgm:constr type="bMarg"/>
-          </dgm:constrLst>
-          <dgm:ruleLst/>
-        </dgm:layoutNode>
-      </dgm:layoutNode>
-      <dgm:layoutNode name="negativeSpace">
-        <dgm:alg type="sp"/>
-        <dgm:shape xmlns:r="http://schemas.openxmlformats.org/officeDocument/2006/relationships" r:blip="">
-          <dgm:adjLst/>
-        </dgm:shape>
-        <dgm:presOf/>
-        <dgm:constrLst/>
-        <dgm:ruleLst/>
-      </dgm:layoutNode>
-      <dgm:layoutNode name="childText" styleLbl="conFgAcc1">
-        <dgm:varLst>
-          <dgm:bulletEnabled val="1"/>
-        </dgm:varLst>
-        <dgm:alg type="tx">
-          <dgm:param type="stBulletLvl" val="1"/>
-        </dgm:alg>
-        <dgm:shape xmlns:r="http://schemas.openxmlformats.org/officeDocument/2006/relationships" type="rect" r:blip="" zOrderOff="-2">
-          <dgm:adjLst/>
-        </dgm:shape>
-        <dgm:presOf axis="des" ptType="node"/>
-        <dgm:constrLst>
-          <dgm:constr type="secFontSz" refType="primFontSz"/>
-        </dgm:constrLst>
-        <dgm:ruleLst>
-          <dgm:rule type="h" val="INF" fact="NaN" max="NaN"/>
-        </dgm:ruleLst>
-      </dgm:layoutNode>
-      <dgm:forEach name="Name10" axis="followSib" ptType="sibTrans" cnt="1">
-        <dgm:layoutNode name="spaceBetweenRectangles">
-          <dgm:alg type="sp"/>
-          <dgm:shape xmlns:r="http://schemas.openxmlformats.org/officeDocument/2006/relationships" r:blip="">
-            <dgm:adjLst/>
-          </dgm:shape>
-          <dgm:presOf/>
-          <dgm:constrLst/>
-          <dgm:ruleLst/>
-        </dgm:layoutNode>
-      </dgm:forEach>
-    </dgm:forEach>
-  </dgm:layoutNode>
-</dgm:layoutDef>
-</file>
-
-<file path=ppt/diagrams/quickStyle1.xml><?xml version="1.0" encoding="utf-8"?>
-<dgm:styleDef xmlns:dgm="http://schemas.openxmlformats.org/drawingml/2006/diagram" xmlns:a="http://schemas.openxmlformats.org/drawingml/2006/main" uniqueId="urn:microsoft.com/office/officeart/2005/8/quickstyle/simple1">
-  <dgm:title val=""/>
-  <dgm:desc val=""/>
-  <dgm:catLst>
-    <dgm:cat type="simple" pri="10100"/>
-  </dgm:catLst>
-  <dgm:scene3d>
-    <a:camera prst="orthographicFront"/>
-    <a:lightRig rig="threePt" dir="t"/>
-  </dgm:scene3d>
-  <dgm:styleLbl name="node0">
-    <dgm:scene3d>
-      <a:camera prst="orthographicFront"/>
-      <a:lightRig rig="threePt" dir="t"/>
-    </dgm:scene3d>
-    <dgm:sp3d/>
-    <dgm:txPr/>
-    <dgm:style>
-      <a:lnRef idx="2">
-        <a:scrgbClr r="0" g="0" b="0"/>
-      </a:lnRef>
-      <a:fillRef idx="1">
-        <a:scrgbClr r="0" g="0" b="0"/>
-      </a:fillRef>
-      <a:effectRef idx="0">
-        <a:scrgbClr r="0" g="0" b="0"/>
-      </a:effectRef>
-      <a:fontRef idx="minor">
-        <a:schemeClr val="lt1"/>
-      </a:fontRef>
-    </dgm:style>
-  </dgm:styleLbl>
-  <dgm:styleLbl name="lnNode1">
-    <dgm:scene3d>
-      <a:camera prst="orthographicFront"/>
-      <a:lightRig rig="threePt" dir="t"/>
-    </dgm:scene3d>
-    <dgm:sp3d/>
-    <dgm:txPr/>
-    <dgm:style>
-      <a:lnRef idx="2">
-        <a:scrgbClr r="0" g="0" b="0"/>
-      </a:lnRef>
-      <a:fillRef idx="1">
-        <a:scrgbClr r="0" g="0" b="0"/>
-      </a:fillRef>
-      <a:effectRef idx="0">
-        <a:scrgbClr r="0" g="0" b="0"/>
-      </a:effectRef>
-      <a:fontRef idx="minor">
-        <a:schemeClr val="lt1"/>
-      </a:fontRef>
-    </dgm:style>
-  </dgm:styleLbl>
-  <dgm:styleLbl name="vennNode1">
-    <dgm:scene3d>
-      <a:camera prst="orthographicFront"/>
-      <a:lightRig rig="threePt" dir="t"/>
-    </dgm:scene3d>
-    <dgm:sp3d/>
-    <dgm:txPr/>
-    <dgm:style>
-      <a:lnRef idx="2">
-        <a:scrgbClr r="0" g="0" b="0"/>
-      </a:lnRef>
-      <a:fillRef idx="1">
-        <a:scrgbClr r="0" g="0" b="0"/>
-      </a:fillRef>
-      <a:effectRef idx="0">
-        <a:scrgbClr r="0" g="0" b="0"/>
-      </a:effectRef>
-      <a:fontRef idx="minor">
-        <a:schemeClr val="tx1"/>
-      </a:fontRef>
-    </dgm:style>
-  </dgm:styleLbl>
-  <dgm:styleLbl name="alignNode1">
-    <dgm:scene3d>
-      <a:camera prst="orthographicFront"/>
-      <a:lightRig rig="threePt" dir="t"/>
-    </dgm:scene3d>
-    <dgm:sp3d/>
-    <dgm:txPr/>
-    <dgm:style>
-      <a:lnRef idx="2">
-        <a:scrgbClr r="0" g="0" b="0"/>
-      </a:lnRef>
-      <a:fillRef idx="1">
-        <a:scrgbClr r="0" g="0" b="0"/>
-      </a:fillRef>
-      <a:effectRef idx="0">
-        <a:scrgbClr r="0" g="0" b="0"/>
-      </a:effectRef>
-      <a:fontRef idx="minor">
-        <a:schemeClr val="lt1"/>
-      </a:fontRef>
-    </dgm:style>
-  </dgm:styleLbl>
-  <dgm:styleLbl name="node1">
-    <dgm:scene3d>
-      <a:camera prst="orthographicFront"/>
-      <a:lightRig rig="threePt" dir="t"/>
-    </dgm:scene3d>
-    <dgm:sp3d/>
-    <dgm:txPr/>
-    <dgm:style>
-      <a:lnRef idx="2">
-        <a:scrgbClr r="0" g="0" b="0"/>
-      </a:lnRef>
-      <a:fillRef idx="1">
-        <a:scrgbClr r="0" g="0" b="0"/>
-      </a:fillRef>
-      <a:effectRef idx="0">
-        <a:scrgbClr r="0" g="0" b="0"/>
-      </a:effectRef>
-      <a:fontRef idx="minor">
-        <a:schemeClr val="lt1"/>
-      </a:fontRef>
-    </dgm:style>
-  </dgm:styleLbl>
-  <dgm:styleLbl name="node2">
-    <dgm:scene3d>
-      <a:camera prst="orthographicFront"/>
-      <a:lightRig rig="threePt" dir="t"/>
-    </dgm:scene3d>
-    <dgm:sp3d/>
-    <dgm:txPr/>
-    <dgm:style>
-      <a:lnRef idx="2">
-        <a:scrgbClr r="0" g="0" b="0"/>
-      </a:lnRef>
-      <a:fillRef idx="1">
-        <a:scrgbClr r="0" g="0" b="0"/>
-      </a:fillRef>
-      <a:effectRef idx="0">
-        <a:scrgbClr r="0" g="0" b="0"/>
-      </a:effectRef>
-      <a:fontRef idx="minor">
-        <a:schemeClr val="lt1"/>
-      </a:fontRef>
-    </dgm:style>
-  </dgm:styleLbl>
-  <dgm:styleLbl name="node3">
-    <dgm:scene3d>
-      <a:camera prst="orthographicFront"/>
-      <a:lightRig rig="threePt" dir="t"/>
-    </dgm:scene3d>
-    <dgm:sp3d/>
-    <dgm:txPr/>
-    <dgm:style>
-      <a:lnRef idx="2">
-        <a:scrgbClr r="0" g="0" b="0"/>
-      </a:lnRef>
-      <a:fillRef idx="1">
-        <a:scrgbClr r="0" g="0" b="0"/>
-      </a:fillRef>
-      <a:effectRef idx="0">
-        <a:scrgbClr r="0" g="0" b="0"/>
-      </a:effectRef>
-      <a:fontRef idx="minor">
-        <a:schemeClr val="lt1"/>
-      </a:fontRef>
-    </dgm:style>
-  </dgm:styleLbl>
-  <dgm:styleLbl name="node4">
-    <dgm:scene3d>
-      <a:camera prst="orthographicFront"/>
-      <a:lightRig rig="threePt" dir="t"/>
-    </dgm:scene3d>
-    <dgm:sp3d/>
-    <dgm:txPr/>
-    <dgm:style>
-      <a:lnRef idx="2">
-        <a:scrgbClr r="0" g="0" b="0"/>
-      </a:lnRef>
-      <a:fillRef idx="1">
-        <a:scrgbClr r="0" g="0" b="0"/>
-      </a:fillRef>
-      <a:effectRef idx="0">
-        <a:scrgbClr r="0" g="0" b="0"/>
-      </a:effectRef>
-      <a:fontRef idx="minor">
-        <a:schemeClr val="lt1"/>
-      </a:fontRef>
-    </dgm:style>
-  </dgm:styleLbl>
-  <dgm:styleLbl name="fgImgPlace1">
-    <dgm:scene3d>
-      <a:camera prst="orthographicFront"/>
-      <a:lightRig rig="threePt" dir="t"/>
-    </dgm:scene3d>
-    <dgm:sp3d/>
-    <dgm:txPr/>
-    <dgm:style>
-      <a:lnRef idx="2">
-        <a:scrgbClr r="0" g="0" b="0"/>
-      </a:lnRef>
-      <a:fillRef idx="1">
-        <a:scrgbClr r="0" g="0" b="0"/>
-      </a:fillRef>
-      <a:effectRef idx="0">
-        <a:scrgbClr r="0" g="0" b="0"/>
-      </a:effectRef>
-      <a:fontRef idx="minor"/>
-    </dgm:style>
-  </dgm:styleLbl>
-  <dgm:styleLbl name="alignImgPlace1">
-    <dgm:scene3d>
-      <a:camera prst="orthographicFront"/>
-      <a:lightRig rig="threePt" dir="t"/>
-    </dgm:scene3d>
-    <dgm:sp3d/>
-    <dgm:txPr/>
-    <dgm:style>
-      <a:lnRef idx="2">
-        <a:scrgbClr r="0" g="0" b="0"/>
-      </a:lnRef>
-      <a:fillRef idx="1">
-        <a:scrgbClr r="0" g="0" b="0"/>
-      </a:fillRef>
-      <a:effectRef idx="0">
-        <a:scrgbClr r="0" g="0" b="0"/>
-      </a:effectRef>
-      <a:fontRef idx="minor"/>
-    </dgm:style>
-  </dgm:styleLbl>
-  <dgm:styleLbl name="bgImgPlace1">
-    <dgm:scene3d>
-      <a:camera prst="orthographicFront"/>
-      <a:lightRig rig="threePt" dir="t"/>
-    </dgm:scene3d>
-    <dgm:sp3d/>
-    <dgm:txPr/>
-    <dgm:style>
-      <a:lnRef idx="2">
-        <a:scrgbClr r="0" g="0" b="0"/>
-      </a:lnRef>
-      <a:fillRef idx="1">
-        <a:scrgbClr r="0" g="0" b="0"/>
-      </a:fillRef>
-      <a:effectRef idx="0">
-        <a:scrgbClr r="0" g="0" b="0"/>
-      </a:effectRef>
-      <a:fontRef idx="minor"/>
-    </dgm:style>
-  </dgm:styleLbl>
-  <dgm:styleLbl name="sibTrans2D1">
-    <dgm:scene3d>
-      <a:camera prst="orthographicFront"/>
-      <a:lightRig rig="threePt" dir="t"/>
-    </dgm:scene3d>
-    <dgm:sp3d/>
-    <dgm:txPr/>
-    <dgm:style>
-      <a:lnRef idx="0">
-        <a:scrgbClr r="0" g="0" b="0"/>
-      </a:lnRef>
-      <a:fillRef idx="1">
-        <a:scrgbClr r="0" g="0" b="0"/>
-      </a:fillRef>
-      <a:effectRef idx="0">
-        <a:scrgbClr r="0" g="0" b="0"/>
-      </a:effectRef>
-      <a:fontRef idx="minor">
-        <a:schemeClr val="lt1"/>
-      </a:fontRef>
-    </dgm:style>
-  </dgm:styleLbl>
-  <dgm:styleLbl name="fgSibTrans2D1">
-    <dgm:scene3d>
-      <a:camera prst="orthographicFront"/>
-      <a:lightRig rig="threePt" dir="t"/>
-    </dgm:scene3d>
-    <dgm:sp3d/>
-    <dgm:txPr/>
-    <dgm:style>
-      <a:lnRef idx="0">
-        <a:scrgbClr r="0" g="0" b="0"/>
-      </a:lnRef>
-      <a:fillRef idx="1">
-        <a:scrgbClr r="0" g="0" b="0"/>
-      </a:fillRef>
-      <a:effectRef idx="0">
-        <a:scrgbClr r="0" g="0" b="0"/>
-      </a:effectRef>
-      <a:fontRef idx="minor">
-        <a:schemeClr val="lt1"/>
-      </a:fontRef>
-    </dgm:style>
-  </dgm:styleLbl>
-  <dgm:styleLbl name="bgSibTrans2D1">
-    <dgm:scene3d>
-      <a:camera prst="orthographicFront"/>
-      <a:lightRig rig="threePt" dir="t"/>
-    </dgm:scene3d>
-    <dgm:sp3d/>
-    <dgm:txPr/>
-    <dgm:style>
-      <a:lnRef idx="0">
-        <a:scrgbClr r="0" g="0" b="0"/>
-      </a:lnRef>
-      <a:fillRef idx="1">
-        <a:scrgbClr r="0" g="0" b="0"/>
-      </a:fillRef>
-      <a:effectRef idx="0">
-        <a:scrgbClr r="0" g="0" b="0"/>
-      </a:effectRef>
-      <a:fontRef idx="minor">
-        <a:schemeClr val="lt1"/>
-      </a:fontRef>
-    </dgm:style>
-  </dgm:styleLbl>
-  <dgm:styleLbl name="sibTrans1D1">
-    <dgm:scene3d>
-      <a:camera prst="orthographicFront"/>
-      <a:lightRig rig="threePt" dir="t"/>
-    </dgm:scene3d>
-    <dgm:sp3d/>
-    <dgm:txPr/>
-    <dgm:style>
-      <a:lnRef idx="1">
-        <a:scrgbClr r="0" g="0" b="0"/>
-      </a:lnRef>
-      <a:fillRef idx="0">
-        <a:scrgbClr r="0" g="0" b="0"/>
-      </a:fillRef>
-      <a:effectRef idx="0">
-        <a:scrgbClr r="0" g="0" b="0"/>
-      </a:effectRef>
-      <a:fontRef idx="minor"/>
-    </dgm:style>
-  </dgm:styleLbl>
-  <dgm:styleLbl name="callout">
-    <dgm:scene3d>
-      <a:camera prst="orthographicFront"/>
-      <a:lightRig rig="threePt" dir="t"/>
-    </dgm:scene3d>
-    <dgm:sp3d/>
-    <dgm:txPr/>
-    <dgm:style>
-      <a:lnRef idx="2">
-        <a:scrgbClr r="0" g="0" b="0"/>
-      </a:lnRef>
-      <a:fillRef idx="1">
-        <a:scrgbClr r="0" g="0" b="0"/>
-      </a:fillRef>
-      <a:effectRef idx="0">
-        <a:scrgbClr r="0" g="0" b="0"/>
-      </a:effectRef>
-      <a:fontRef idx="minor"/>
-    </dgm:style>
-  </dgm:styleLbl>
-  <dgm:styleLbl name="asst0">
-    <dgm:scene3d>
-      <a:camera prst="orthographicFront"/>
-      <a:lightRig rig="threePt" dir="t"/>
-    </dgm:scene3d>
-    <dgm:sp3d/>
-    <dgm:txPr/>
-    <dgm:style>
-      <a:lnRef idx="2">
-        <a:scrgbClr r="0" g="0" b="0"/>
-      </a:lnRef>
-      <a:fillRef idx="1">
-        <a:scrgbClr r="0" g="0" b="0"/>
-      </a:fillRef>
-      <a:effectRef idx="0">
-        <a:scrgbClr r="0" g="0" b="0"/>
-      </a:effectRef>
-      <a:fontRef idx="minor">
-        <a:schemeClr val="lt1"/>
-      </a:fontRef>
-    </dgm:style>
-  </dgm:styleLbl>
-  <dgm:styleLbl name="asst1">
-    <dgm:scene3d>
-      <a:camera prst="orthographicFront"/>
-      <a:lightRig rig="threePt" dir="t"/>
-    </dgm:scene3d>
-    <dgm:sp3d/>
-    <dgm:txPr/>
-    <dgm:style>
-      <a:lnRef idx="2">
-        <a:scrgbClr r="0" g="0" b="0"/>
-      </a:lnRef>
-      <a:fillRef idx="1">
-        <a:scrgbClr r="0" g="0" b="0"/>
-      </a:fillRef>
-      <a:effectRef idx="0">
-        <a:scrgbClr r="0" g="0" b="0"/>
-      </a:effectRef>
-      <a:fontRef idx="minor">
-        <a:schemeClr val="lt1"/>
-      </a:fontRef>
-    </dgm:style>
-  </dgm:styleLbl>
-  <dgm:styleLbl name="asst2">
-    <dgm:scene3d>
-      <a:camera prst="orthographicFront"/>
-      <a:lightRig rig="threePt" dir="t"/>
-    </dgm:scene3d>
-    <dgm:sp3d/>
-    <dgm:txPr/>
-    <dgm:style>
-      <a:lnRef idx="2">
-        <a:scrgbClr r="0" g="0" b="0"/>
-      </a:lnRef>
-      <a:fillRef idx="1">
-        <a:scrgbClr r="0" g="0" b="0"/>
-      </a:fillRef>
-      <a:effectRef idx="0">
-        <a:scrgbClr r="0" g="0" b="0"/>
-      </a:effectRef>
-      <a:fontRef idx="minor">
-        <a:schemeClr val="lt1"/>
-      </a:fontRef>
-    </dgm:style>
-  </dgm:styleLbl>
-  <dgm:styleLbl name="asst3">
-    <dgm:scene3d>
-      <a:camera prst="orthographicFront"/>
-      <a:lightRig rig="threePt" dir="t"/>
-    </dgm:scene3d>
-    <dgm:sp3d/>
-    <dgm:txPr/>
-    <dgm:style>
-      <a:lnRef idx="2">
-        <a:scrgbClr r="0" g="0" b="0"/>
-      </a:lnRef>
-      <a:fillRef idx="1">
-        <a:scrgbClr r="0" g="0" b="0"/>
-      </a:fillRef>
-      <a:effectRef idx="0">
-        <a:scrgbClr r="0" g="0" b="0"/>
-      </a:effectRef>
-      <a:fontRef idx="minor">
-        <a:schemeClr val="lt1"/>
-      </a:fontRef>
-    </dgm:style>
-  </dgm:styleLbl>
-  <dgm:styleLbl name="asst4">
-    <dgm:scene3d>
-      <a:camera prst="orthographicFront"/>
-      <a:lightRig rig="threePt" dir="t"/>
-    </dgm:scene3d>
-    <dgm:sp3d/>
-    <dgm:txPr/>
-    <dgm:style>
-      <a:lnRef idx="2">
-        <a:scrgbClr r="0" g="0" b="0"/>
-      </a:lnRef>
-      <a:fillRef idx="1">
-        <a:scrgbClr r="0" g="0" b="0"/>
-      </a:fillRef>
-      <a:effectRef idx="0">
-        <a:scrgbClr r="0" g="0" b="0"/>
-      </a:effectRef>
-      <a:fontRef idx="minor">
-        <a:schemeClr val="lt1"/>
-      </a:fontRef>
-    </dgm:style>
-  </dgm:styleLbl>
-  <dgm:styleLbl name="parChTrans2D1">
-    <dgm:scene3d>
-      <a:camera prst="orthographicFront"/>
-      <a:lightRig rig="threePt" dir="t"/>
-    </dgm:scene3d>
-    <dgm:sp3d/>
-    <dgm:txPr/>
-    <dgm:style>
-      <a:lnRef idx="2">
-        <a:scrgbClr r="0" g="0" b="0"/>
-      </a:lnRef>
-      <a:fillRef idx="1">
-        <a:scrgbClr r="0" g="0" b="0"/>
-      </a:fillRef>
-      <a:effectRef idx="0">
-        <a:scrgbClr r="0" g="0" b="0"/>
-      </a:effectRef>
-      <a:fontRef idx="minor">
-        <a:schemeClr val="lt1"/>
-      </a:fontRef>
-    </dgm:style>
-  </dgm:styleLbl>
-  <dgm:styleLbl name="parChTrans2D2">
-    <dgm:scene3d>
-      <a:camera prst="orthographicFront"/>
-      <a:lightRig rig="threePt" dir="t"/>
-    </dgm:scene3d>
-    <dgm:sp3d/>
-    <dgm:txPr/>
-    <dgm:style>
-      <a:lnRef idx="2">
-        <a:scrgbClr r="0" g="0" b="0"/>
-      </a:lnRef>
-      <a:fillRef idx="1">
-        <a:scrgbClr r="0" g="0" b="0"/>
-      </a:fillRef>
-      <a:effectRef idx="0">
-        <a:scrgbClr r="0" g="0" b="0"/>
-      </a:effectRef>
-      <a:fontRef idx="minor">
-        <a:schemeClr val="lt1"/>
-      </a:fontRef>
-    </dgm:style>
-  </dgm:styleLbl>
-  <dgm:styleLbl name="parChTrans2D3">
-    <dgm:scene3d>
-      <a:camera prst="orthographicFront"/>
-      <a:lightRig rig="threePt" dir="t"/>
-    </dgm:scene3d>
-    <dgm:sp3d/>
-    <dgm:txPr/>
-    <dgm:style>
-      <a:lnRef idx="2">
-        <a:scrgbClr r="0" g="0" b="0"/>
-      </a:lnRef>
-      <a:fillRef idx="1">
-        <a:scrgbClr r="0" g="0" b="0"/>
-      </a:fillRef>
-      <a:effectRef idx="0">
-        <a:scrgbClr r="0" g="0" b="0"/>
-      </a:effectRef>
-      <a:fontRef idx="minor">
-        <a:schemeClr val="lt1"/>
-      </a:fontRef>
-    </dgm:style>
-  </dgm:styleLbl>
-  <dgm:styleLbl name="parChTrans2D4">
-    <dgm:scene3d>
-      <a:camera prst="orthographicFront"/>
-      <a:lightRig rig="threePt" dir="t"/>
-    </dgm:scene3d>
-    <dgm:sp3d/>
-    <dgm:txPr/>
-    <dgm:style>
-      <a:lnRef idx="2">
-        <a:scrgbClr r="0" g="0" b="0"/>
-      </a:lnRef>
-      <a:fillRef idx="1">
-        <a:scrgbClr r="0" g="0" b="0"/>
-      </a:fillRef>
-      <a:effectRef idx="0">
-        <a:scrgbClr r="0" g="0" b="0"/>
-      </a:effectRef>
-      <a:fontRef idx="minor">
-        <a:schemeClr val="lt1"/>
-      </a:fontRef>
-    </dgm:style>
-  </dgm:styleLbl>
-  <dgm:styleLbl name="parChTrans1D1">
-    <dgm:scene3d>
-      <a:camera prst="orthographicFront"/>
-      <a:lightRig rig="threePt" dir="t"/>
-    </dgm:scene3d>
-    <dgm:sp3d/>
-    <dgm:txPr/>
-    <dgm:style>
-      <a:lnRef idx="2">
-        <a:scrgbClr r="0" g="0" b="0"/>
-      </a:lnRef>
-      <a:fillRef idx="0">
-        <a:scrgbClr r="0" g="0" b="0"/>
-      </a:fillRef>
-      <a:effectRef idx="0">
-        <a:scrgbClr r="0" g="0" b="0"/>
-      </a:effectRef>
-      <a:fontRef idx="minor"/>
-    </dgm:style>
-  </dgm:styleLbl>
-  <dgm:styleLbl name="parChTrans1D2">
-    <dgm:scene3d>
-      <a:camera prst="orthographicFront"/>
-      <a:lightRig rig="threePt" dir="t"/>
-    </dgm:scene3d>
-    <dgm:sp3d/>
-    <dgm:txPr/>
-    <dgm:style>
-      <a:lnRef idx="2">
-        <a:scrgbClr r="0" g="0" b="0"/>
-      </a:lnRef>
-      <a:fillRef idx="0">
-        <a:scrgbClr r="0" g="0" b="0"/>
-      </a:fillRef>
-      <a:effectRef idx="0">
-        <a:scrgbClr r="0" g="0" b="0"/>
-      </a:effectRef>
-      <a:fontRef idx="minor"/>
-    </dgm:style>
-  </dgm:styleLbl>
-  <dgm:styleLbl name="parChTrans1D3">
-    <dgm:scene3d>
-      <a:camera prst="orthographicFront"/>
-      <a:lightRig rig="threePt" dir="t"/>
-    </dgm:scene3d>
-    <dgm:sp3d/>
-    <dgm:txPr/>
-    <dgm:style>
-      <a:lnRef idx="2">
-        <a:scrgbClr r="0" g="0" b="0"/>
-      </a:lnRef>
-      <a:fillRef idx="0">
-        <a:scrgbClr r="0" g="0" b="0"/>
-      </a:fillRef>
-      <a:effectRef idx="0">
-        <a:scrgbClr r="0" g="0" b="0"/>
-      </a:effectRef>
-      <a:fontRef idx="minor"/>
-    </dgm:style>
-  </dgm:styleLbl>
-  <dgm:styleLbl name="parChTrans1D4">
-    <dgm:scene3d>
-      <a:camera prst="orthographicFront"/>
-      <a:lightRig rig="threePt" dir="t"/>
-    </dgm:scene3d>
-    <dgm:sp3d/>
-    <dgm:txPr/>
-    <dgm:style>
-      <a:lnRef idx="2">
-        <a:scrgbClr r="0" g="0" b="0"/>
-      </a:lnRef>
-      <a:fillRef idx="0">
-        <a:scrgbClr r="0" g="0" b="0"/>
-      </a:fillRef>
-      <a:effectRef idx="0">
-        <a:scrgbClr r="0" g="0" b="0"/>
-      </a:effectRef>
-      <a:fontRef idx="minor"/>
-    </dgm:style>
-  </dgm:styleLbl>
-  <dgm:styleLbl name="fgAcc1">
-    <dgm:scene3d>
-      <a:camera prst="orthographicFront"/>
-      <a:lightRig rig="threePt" dir="t"/>
-    </dgm:scene3d>
-    <dgm:sp3d/>
-    <dgm:txPr/>
-    <dgm:style>
-      <a:lnRef idx="2">
-        <a:scrgbClr r="0" g="0" b="0"/>
-      </a:lnRef>
-      <a:fillRef idx="1">
-        <a:scrgbClr r="0" g="0" b="0"/>
-      </a:fillRef>
-      <a:effectRef idx="0">
-        <a:scrgbClr r="0" g="0" b="0"/>
-      </a:effectRef>
-      <a:fontRef idx="minor"/>
-    </dgm:style>
-  </dgm:styleLbl>
-  <dgm:styleLbl name="conFgAcc1">
-    <dgm:scene3d>
-      <a:camera prst="orthographicFront"/>
-      <a:lightRig rig="threePt" dir="t"/>
-    </dgm:scene3d>
-    <dgm:sp3d/>
-    <dgm:txPr/>
-    <dgm:style>
-      <a:lnRef idx="2">
-        <a:scrgbClr r="0" g="0" b="0"/>
-      </a:lnRef>
-      <a:fillRef idx="1">
-        <a:scrgbClr r="0" g="0" b="0"/>
-      </a:fillRef>
-      <a:effectRef idx="0">
-        <a:scrgbClr r="0" g="0" b="0"/>
-      </a:effectRef>
-      <a:fontRef idx="minor"/>
-    </dgm:style>
-  </dgm:styleLbl>
-  <dgm:styleLbl name="alignAcc1">
-    <dgm:scene3d>
-      <a:camera prst="orthographicFront"/>
-      <a:lightRig rig="threePt" dir="t"/>
-    </dgm:scene3d>
-    <dgm:sp3d/>
-    <dgm:txPr/>
-    <dgm:style>
-      <a:lnRef idx="2">
-        <a:scrgbClr r="0" g="0" b="0"/>
-      </a:lnRef>
-      <a:fillRef idx="1">
-        <a:scrgbClr r="0" g="0" b="0"/>
-      </a:fillRef>
-      <a:effectRef idx="0">
-        <a:scrgbClr r="0" g="0" b="0"/>
-      </a:effectRef>
-      <a:fontRef idx="minor"/>
-    </dgm:style>
-  </dgm:styleLbl>
-  <dgm:styleLbl name="trAlignAcc1">
-    <dgm:scene3d>
-      <a:camera prst="orthographicFront"/>
-      <a:lightRig rig="threePt" dir="t"/>
-    </dgm:scene3d>
-    <dgm:sp3d/>
-    <dgm:txPr/>
-    <dgm:style>
-      <a:lnRef idx="1">
-        <a:scrgbClr r="0" g="0" b="0"/>
-      </a:lnRef>
-      <a:fillRef idx="1">
-        <a:scrgbClr r="0" g="0" b="0"/>
-      </a:fillRef>
-      <a:effectRef idx="0">
-        <a:scrgbClr r="0" g="0" b="0"/>
-      </a:effectRef>
-      <a:fontRef idx="minor"/>
-    </dgm:style>
-  </dgm:styleLbl>
-  <dgm:styleLbl name="bgAcc1">
-    <dgm:scene3d>
-      <a:camera prst="orthographicFront"/>
-      <a:lightRig rig="threePt" dir="t"/>
-    </dgm:scene3d>
-    <dgm:sp3d/>
-    <dgm:txPr/>
-    <dgm:style>
-      <a:lnRef idx="2">
-        <a:scrgbClr r="0" g="0" b="0"/>
-      </a:lnRef>
-      <a:fillRef idx="1">
-        <a:scrgbClr r="0" g="0" b="0"/>
-      </a:fillRef>
-      <a:effectRef idx="0">
-        <a:scrgbClr r="0" g="0" b="0"/>
-      </a:effectRef>
-      <a:fontRef idx="minor"/>
-    </dgm:style>
-  </dgm:styleLbl>
-  <dgm:styleLbl name="solidFgAcc1">
-    <dgm:scene3d>
-      <a:camera prst="orthographicFront"/>
-      <a:lightRig rig="threePt" dir="t"/>
-    </dgm:scene3d>
-    <dgm:sp3d/>
-    <dgm:txPr/>
-    <dgm:style>
-      <a:lnRef idx="2">
-        <a:scrgbClr r="0" g="0" b="0"/>
-      </a:lnRef>
-      <a:fillRef idx="1">
-        <a:scrgbClr r="0" g="0" b="0"/>
-      </a:fillRef>
-      <a:effectRef idx="0">
-        <a:scrgbClr r="0" g="0" b="0"/>
-      </a:effectRef>
-      <a:fontRef idx="minor"/>
-    </dgm:style>
-  </dgm:styleLbl>
-  <dgm:styleLbl name="solidAlignAcc1">
-    <dgm:scene3d>
-      <a:camera prst="orthographicFront"/>
-      <a:lightRig rig="threePt" dir="t"/>
-    </dgm:scene3d>
-    <dgm:sp3d/>
-    <dgm:txPr/>
-    <dgm:style>
-      <a:lnRef idx="2">
-        <a:scrgbClr r="0" g="0" b="0"/>
-      </a:lnRef>
-      <a:fillRef idx="1">
-        <a:scrgbClr r="0" g="0" b="0"/>
-      </a:fillRef>
-      <a:effectRef idx="0">
-        <a:scrgbClr r="0" g="0" b="0"/>
-      </a:effectRef>
-      <a:fontRef idx="minor"/>
-    </dgm:style>
-  </dgm:styleLbl>
-  <dgm:styleLbl name="solidBgAcc1">
-    <dgm:scene3d>
-      <a:camera prst="orthographicFront"/>
-      <a:lightRig rig="threePt" dir="t"/>
-    </dgm:scene3d>
-    <dgm:sp3d/>
-    <dgm:txPr/>
-    <dgm:style>
-      <a:lnRef idx="2">
-        <a:scrgbClr r="0" g="0" b="0"/>
-      </a:lnRef>
-      <a:fillRef idx="1">
-        <a:scrgbClr r="0" g="0" b="0"/>
-      </a:fillRef>
-      <a:effectRef idx="0">
-        <a:scrgbClr r="0" g="0" b="0"/>
-      </a:effectRef>
-      <a:fontRef idx="minor"/>
-    </dgm:style>
-  </dgm:styleLbl>
-  <dgm:styleLbl name="fgAccFollowNode1">
-    <dgm:scene3d>
-      <a:camera prst="orthographicFront"/>
-      <a:lightRig rig="threePt" dir="t"/>
-    </dgm:scene3d>
-    <dgm:sp3d/>
-    <dgm:txPr/>
-    <dgm:style>
-      <a:lnRef idx="2">
-        <a:scrgbClr r="0" g="0" b="0"/>
-      </a:lnRef>
-      <a:fillRef idx="1">
-        <a:scrgbClr r="0" g="0" b="0"/>
-      </a:fillRef>
-      <a:effectRef idx="0">
-        <a:scrgbClr r="0" g="0" b="0"/>
-      </a:effectRef>
-      <a:fontRef idx="minor"/>
-    </dgm:style>
-  </dgm:styleLbl>
-  <dgm:styleLbl name="alignAccFollowNode1">
-    <dgm:scene3d>
-      <a:camera prst="orthographicFront"/>
-      <a:lightRig rig="threePt" dir="t"/>
-    </dgm:scene3d>
-    <dgm:sp3d/>
-    <dgm:txPr/>
-    <dgm:style>
-      <a:lnRef idx="2">
-        <a:scrgbClr r="0" g="0" b="0"/>
-      </a:lnRef>
-      <a:fillRef idx="1">
-        <a:scrgbClr r="0" g="0" b="0"/>
-      </a:fillRef>
-      <a:effectRef idx="0">
-        <a:scrgbClr r="0" g="0" b="0"/>
-      </a:effectRef>
-      <a:fontRef idx="minor"/>
-    </dgm:style>
-  </dgm:styleLbl>
-  <dgm:styleLbl name="bgAccFollowNode1">
-    <dgm:scene3d>
-      <a:camera prst="orthographicFront"/>
-      <a:lightRig rig="threePt" dir="t"/>
-    </dgm:scene3d>
-    <dgm:sp3d/>
-    <dgm:txPr/>
-    <dgm:style>
-      <a:lnRef idx="2">
-        <a:scrgbClr r="0" g="0" b="0"/>
-      </a:lnRef>
-      <a:fillRef idx="1">
-        <a:scrgbClr r="0" g="0" b="0"/>
-      </a:fillRef>
-      <a:effectRef idx="0">
-        <a:scrgbClr r="0" g="0" b="0"/>
-      </a:effectRef>
-      <a:fontRef idx="minor"/>
-    </dgm:style>
-  </dgm:styleLbl>
-  <dgm:styleLbl name="fgAcc0">
-    <dgm:scene3d>
-      <a:camera prst="orthographicFront"/>
-      <a:lightRig rig="threePt" dir="t"/>
-    </dgm:scene3d>
-    <dgm:sp3d/>
-    <dgm:txPr/>
-    <dgm:style>
-      <a:lnRef idx="2">
-        <a:scrgbClr r="0" g="0" b="0"/>
-      </a:lnRef>
-      <a:fillRef idx="1">
-        <a:scrgbClr r="0" g="0" b="0"/>
-      </a:fillRef>
-      <a:effectRef idx="0">
-        <a:scrgbClr r="0" g="0" b="0"/>
-      </a:effectRef>
-      <a:fontRef idx="minor"/>
-    </dgm:style>
-  </dgm:styleLbl>
-  <dgm:styleLbl name="fgAcc2">
-    <dgm:scene3d>
-      <a:camera prst="orthographicFront"/>
-      <a:lightRig rig="threePt" dir="t"/>
-    </dgm:scene3d>
-    <dgm:sp3d/>
-    <dgm:txPr/>
-    <dgm:style>
-      <a:lnRef idx="2">
-        <a:scrgbClr r="0" g="0" b="0"/>
-      </a:lnRef>
-      <a:fillRef idx="1">
-        <a:scrgbClr r="0" g="0" b="0"/>
-      </a:fillRef>
-      <a:effectRef idx="0">
-        <a:scrgbClr r="0" g="0" b="0"/>
-      </a:effectRef>
-      <a:fontRef idx="minor"/>
-    </dgm:style>
-  </dgm:styleLbl>
-  <dgm:styleLbl name="fgAcc3">
-    <dgm:scene3d>
-      <a:camera prst="orthographicFront"/>
-      <a:lightRig rig="threePt" dir="t"/>
-    </dgm:scene3d>
-    <dgm:sp3d/>
-    <dgm:txPr/>
-    <dgm:style>
-      <a:lnRef idx="2">
-        <a:scrgbClr r="0" g="0" b="0"/>
-      </a:lnRef>
-      <a:fillRef idx="1">
-        <a:scrgbClr r="0" g="0" b="0"/>
-      </a:fillRef>
-      <a:effectRef idx="0">
-        <a:scrgbClr r="0" g="0" b="0"/>
-      </a:effectRef>
-      <a:fontRef idx="minor"/>
-    </dgm:style>
-  </dgm:styleLbl>
-  <dgm:styleLbl name="fgAcc4">
-    <dgm:scene3d>
-      <a:camera prst="orthographicFront"/>
-      <a:lightRig rig="threePt" dir="t"/>
-    </dgm:scene3d>
-    <dgm:sp3d/>
-    <dgm:txPr/>
-    <dgm:style>
-      <a:lnRef idx="2">
-        <a:scrgbClr r="0" g="0" b="0"/>
-      </a:lnRef>
-      <a:fillRef idx="1">
-        <a:scrgbClr r="0" g="0" b="0"/>
-      </a:fillRef>
-      <a:effectRef idx="0">
-        <a:scrgbClr r="0" g="0" b="0"/>
-      </a:effectRef>
-      <a:fontRef idx="minor"/>
-    </dgm:style>
-  </dgm:styleLbl>
-  <dgm:styleLbl name="bgShp">
-    <dgm:scene3d>
-      <a:camera prst="orthographicFront"/>
-      <a:lightRig rig="threePt" dir="t"/>
-    </dgm:scene3d>
-    <dgm:sp3d/>
-    <dgm:txPr/>
-    <dgm:style>
-      <a:lnRef idx="0">
-        <a:scrgbClr r="0" g="0" b="0"/>
-      </a:lnRef>
-      <a:fillRef idx="1">
-        <a:scrgbClr r="0" g="0" b="0"/>
-      </a:fillRef>
-      <a:effectRef idx="0">
-        <a:scrgbClr r="0" g="0" b="0"/>
-      </a:effectRef>
-      <a:fontRef idx="minor"/>
-    </dgm:style>
-  </dgm:styleLbl>
-  <dgm:styleLbl name="dkBgShp">
-    <dgm:scene3d>
-      <a:camera prst="orthographicFront"/>
-      <a:lightRig rig="threePt" dir="t"/>
-    </dgm:scene3d>
-    <dgm:sp3d/>
-    <dgm:txPr/>
-    <dgm:style>
-      <a:lnRef idx="0">
-        <a:scrgbClr r="0" g="0" b="0"/>
-      </a:lnRef>
-      <a:fillRef idx="1">
-        <a:scrgbClr r="0" g="0" b="0"/>
-      </a:fillRef>
-      <a:effectRef idx="0">
-        <a:scrgbClr r="0" g="0" b="0"/>
-      </a:effectRef>
-      <a:fontRef idx="minor"/>
-    </dgm:style>
-  </dgm:styleLbl>
-  <dgm:styleLbl name="trBgShp">
-    <dgm:scene3d>
-      <a:camera prst="orthographicFront"/>
-      <a:lightRig rig="threePt" dir="t"/>
-    </dgm:scene3d>
-    <dgm:sp3d/>
-    <dgm:txPr/>
-    <dgm:style>
-      <a:lnRef idx="0">
-        <a:scrgbClr r="0" g="0" b="0"/>
-      </a:lnRef>
-      <a:fillRef idx="1">
-        <a:scrgbClr r="0" g="0" b="0"/>
-      </a:fillRef>
-      <a:effectRef idx="0">
-        <a:scrgbClr r="0" g="0" b="0"/>
-      </a:effectRef>
-      <a:fontRef idx="minor"/>
-    </dgm:style>
-  </dgm:styleLbl>
-  <dgm:styleLbl name="fgShp">
-    <dgm:scene3d>
-      <a:camera prst="orthographicFront"/>
-      <a:lightRig rig="threePt" dir="t"/>
-    </dgm:scene3d>
-    <dgm:sp3d/>
-    <dgm:txPr/>
-    <dgm:style>
-      <a:lnRef idx="2">
-        <a:scrgbClr r="0" g="0" b="0"/>
-      </a:lnRef>
-      <a:fillRef idx="1">
-        <a:scrgbClr r="0" g="0" b="0"/>
-      </a:fillRef>
-      <a:effectRef idx="0">
-        <a:scrgbClr r="0" g="0" b="0"/>
-      </a:effectRef>
-      <a:fontRef idx="minor"/>
-    </dgm:style>
-  </dgm:styleLbl>
-  <dgm:styleLbl name="revTx">
-    <dgm:scene3d>
-      <a:camera prst="orthographicFront"/>
-      <a:lightRig rig="threePt" dir="t"/>
-    </dgm:scene3d>
-    <dgm:sp3d/>
-    <dgm:txPr/>
-    <dgm:style>
-      <a:lnRef idx="0">
-        <a:scrgbClr r="0" g="0" b="0"/>
-      </a:lnRef>
-      <a:fillRef idx="0">
-        <a:scrgbClr r="0" g="0" b="0"/>
-      </a:fillRef>
-      <a:effectRef idx="0">
-        <a:scrgbClr r="0" g="0" b="0"/>
-      </a:effectRef>
-      <a:fontRef idx="minor"/>
-    </dgm:style>
-  </dgm:styleLbl>
-</dgm:styleDef>
-</file>
-
 <file path=ppt/handoutMasters/handoutMaster1.xml><?xml version="1.0" encoding="utf-8"?>
 <p:handoutMaster xmlns:a="http://schemas.openxmlformats.org/drawingml/2006/main" xmlns:r="http://schemas.openxmlformats.org/officeDocument/2006/relationships" xmlns:p="http://schemas.openxmlformats.org/presentationml/2006/main">
   <p:cSld>
@@ -4364,7 +207,7 @@
           <a:p>
             <a:fld id="{50FABAFA-9D90-4B6C-95A1-503043E46FAB}" type="datetimeFigureOut">
               <a:rPr lang="en-US" smtClean="0"/>
-              <a:t>4/15/2018</a:t>
+              <a:t>4/17/2018</a:t>
             </a:fld>
             <a:endParaRPr lang="en-US"/>
           </a:p>
@@ -4529,7 +372,7 @@
           <a:p>
             <a:fld id="{AC15EB1F-8DE4-48C3-A804-A05846A4049F}" type="datetimeFigureOut">
               <a:rPr lang="en-US" smtClean="0"/>
-              <a:t>4/15/2018</a:t>
+              <a:t>4/17/2018</a:t>
             </a:fld>
             <a:endParaRPr lang="en-US"/>
           </a:p>
@@ -5121,7 +964,7 @@
           <a:p>
             <a:fld id="{CE5E0A0C-FFF2-4105-9F07-796FCC3D8DE3}" type="datetime1">
               <a:rPr lang="en-US" smtClean="0"/>
-              <a:t>4/15/2018</a:t>
+              <a:t>4/17/2018</a:t>
             </a:fld>
             <a:endParaRPr lang="en-US"/>
           </a:p>
@@ -5347,7 +1190,7 @@
           <a:p>
             <a:fld id="{4A5D68D4-D432-4190-8060-492B59F98A87}" type="datetime1">
               <a:rPr lang="en-US" smtClean="0"/>
-              <a:t>4/15/2018</a:t>
+              <a:t>4/17/2018</a:t>
             </a:fld>
             <a:endParaRPr lang="en-US"/>
           </a:p>
@@ -5583,7 +1426,7 @@
           <a:p>
             <a:fld id="{5AF4EF83-7D73-495D-9915-41737B990DFC}" type="datetime1">
               <a:rPr lang="en-US" smtClean="0"/>
-              <a:t>4/15/2018</a:t>
+              <a:t>4/17/2018</a:t>
             </a:fld>
             <a:endParaRPr lang="en-US"/>
           </a:p>
@@ -5920,7 +1763,7 @@
           <a:p>
             <a:fld id="{73DF2905-D7E2-4171-961B-8EB802C66F9A}" type="datetime1">
               <a:rPr lang="en-US" smtClean="0"/>
-              <a:t>4/15/2018</a:t>
+              <a:t>4/17/2018</a:t>
             </a:fld>
             <a:endParaRPr lang="en-US"/>
           </a:p>
@@ -6183,7 +2026,7 @@
           <a:p>
             <a:fld id="{82C1B47C-16BC-4A9F-9E6E-9D1F33DC8ABD}" type="datetime1">
               <a:rPr lang="en-US" smtClean="0"/>
-              <a:t>4/15/2018</a:t>
+              <a:t>4/17/2018</a:t>
             </a:fld>
             <a:endParaRPr lang="en-US"/>
           </a:p>
@@ -6599,7 +2442,7 @@
           <a:p>
             <a:fld id="{0C073DF2-DD31-447B-89F4-CEF82A94D7A7}" type="datetime1">
               <a:rPr lang="en-US" smtClean="0"/>
-              <a:t>4/15/2018</a:t>
+              <a:t>4/17/2018</a:t>
             </a:fld>
             <a:endParaRPr lang="en-US"/>
           </a:p>
@@ -7131,7 +2974,7 @@
           <a:p>
             <a:fld id="{1551BB0C-CFA8-4A1F-9AAE-D6B32E8256E7}" type="datetime1">
               <a:rPr lang="en-US" smtClean="0"/>
-              <a:t>4/15/2018</a:t>
+              <a:t>4/17/2018</a:t>
             </a:fld>
             <a:endParaRPr lang="en-US"/>
           </a:p>
@@ -7269,7 +3112,7 @@
           <a:p>
             <a:fld id="{2752348D-B72F-4FC3-A127-851C5E7B3A9E}" type="datetime1">
               <a:rPr lang="en-US" smtClean="0"/>
-              <a:t>4/15/2018</a:t>
+              <a:t>4/17/2018</a:t>
             </a:fld>
             <a:endParaRPr lang="en-US"/>
           </a:p>
@@ -7379,7 +3222,7 @@
           <a:p>
             <a:fld id="{D666EB1B-704A-4D5E-8D5F-456104532486}" type="datetime1">
               <a:rPr lang="en-US" smtClean="0"/>
-              <a:t>4/15/2018</a:t>
+              <a:t>4/17/2018</a:t>
             </a:fld>
             <a:endParaRPr lang="en-US"/>
           </a:p>
@@ -7692,7 +3535,7 @@
           <a:p>
             <a:fld id="{D96AFBEB-CD4D-45C5-9851-D1FF1EB5AB85}" type="datetime1">
               <a:rPr lang="en-US" smtClean="0"/>
-              <a:t>4/15/2018</a:t>
+              <a:t>4/17/2018</a:t>
             </a:fld>
             <a:endParaRPr lang="en-US"/>
           </a:p>
@@ -7940,7 +3783,7 @@
           <a:p>
             <a:fld id="{B285B7EB-0ACD-4247-AA3F-1B0B49109B84}" type="datetime1">
               <a:rPr lang="en-US" smtClean="0"/>
-              <a:t>4/15/2018</a:t>
+              <a:t>4/17/2018</a:t>
             </a:fld>
             <a:endParaRPr lang="en-US"/>
           </a:p>
@@ -8240,7 +4083,7 @@
             <a:fld id="{8254F2F0-E062-4E41-9176-AEE9734E64AC}" type="datetime1">
               <a:rPr lang="en-US" smtClean="0"/>
               <a:pPr/>
-              <a:t>4/15/2018</a:t>
+              <a:t>4/17/2018</a:t>
             </a:fld>
             <a:endParaRPr lang="en-US" dirty="0"/>
           </a:p>
@@ -8776,15 +4619,30 @@
           <a:lstStyle/>
           <a:p>
             <a:r>
-              <a:rPr lang="en-US" dirty="0"/>
-              <a:t>Title Layout</a:t>
-            </a:r>
-          </a:p>
-        </p:txBody>
-      </p:sp>
-      <p:sp>
-        <p:nvSpPr>
-          <p:cNvPr id="3" name="Subtitle 2"/>
+              <a:rPr lang="en-US" altLang="zh-TW" dirty="0"/>
+              <a:t>Co</a:t>
+            </a:r>
+            <a:r>
+              <a:rPr lang="en-IE" altLang="zh-TW" dirty="0" err="1"/>
+              <a:t>mputational</a:t>
+            </a:r>
+            <a:r>
+              <a:rPr lang="en-IE" altLang="zh-TW" dirty="0"/>
+              <a:t> science </a:t>
+            </a:r>
+            <a:endParaRPr lang="en-US" dirty="0"/>
+          </a:p>
+        </p:txBody>
+      </p:sp>
+      <p:sp>
+        <p:nvSpPr>
+          <p:cNvPr id="5" name="Subtitle 4">
+            <a:extLst>
+              <a:ext uri="{FF2B5EF4-FFF2-40B4-BE49-F238E27FC236}">
+                <a16:creationId xmlns:a16="http://schemas.microsoft.com/office/drawing/2014/main" id="{420E1C5E-0828-45BA-8373-41697FEDA144}"/>
+              </a:ext>
+            </a:extLst>
+          </p:cNvPr>
           <p:cNvSpPr>
             <a:spLocks noGrp="1"/>
           </p:cNvSpPr>
@@ -8797,10 +4655,7 @@
           <a:bodyPr/>
           <a:lstStyle/>
           <a:p>
-            <a:r>
-              <a:rPr lang="en-US" dirty="0"/>
-              <a:t>Subtitle</a:t>
-            </a:r>
+            <a:endParaRPr lang="en-IE"/>
           </a:p>
         </p:txBody>
       </p:sp>
@@ -8979,36 +4834,335 @@
           <a:p>
             <a:r>
               <a:rPr lang="en-US" dirty="0"/>
-              <a:t>Title and Content Layout with Chart</a:t>
-            </a:r>
-          </a:p>
-        </p:txBody>
-      </p:sp>
-      <p:graphicFrame>
-        <p:nvGraphicFramePr>
-          <p:cNvPr id="6" name="Content Placeholder 5" descr="Clustered column chart showing the values of 3 series for 4 categories"/>
-          <p:cNvGraphicFramePr>
-            <a:graphicFrameLocks noGrp="1"/>
-          </p:cNvGraphicFramePr>
+              <a:t>Type of matrix</a:t>
+            </a:r>
+          </a:p>
+        </p:txBody>
+      </p:sp>
+      <p:pic>
+        <p:nvPicPr>
+          <p:cNvPr id="4" name="Content Placeholder 3">
+            <a:extLst>
+              <a:ext uri="{FF2B5EF4-FFF2-40B4-BE49-F238E27FC236}">
+                <a16:creationId xmlns:a16="http://schemas.microsoft.com/office/drawing/2014/main" id="{5C0D180C-2146-46AD-806E-4E299A58ED5A}"/>
+              </a:ext>
+            </a:extLst>
+          </p:cNvPr>
+          <p:cNvPicPr>
+            <a:picLocks noGrp="1" noChangeAspect="1"/>
+          </p:cNvPicPr>
           <p:nvPr>
             <p:ph sz="quarter" idx="13"/>
-            <p:extLst>
-              <p:ext uri="{D42A27DB-BD31-4B8C-83A1-F6EECF244321}">
-                <p14:modId xmlns:p14="http://schemas.microsoft.com/office/powerpoint/2010/main" val="2517509121"/>
-              </p:ext>
-            </p:extLst>
-          </p:nvPr>
-        </p:nvGraphicFramePr>
-        <p:xfrm>
-          <a:off x="812800" y="1600200"/>
-          <a:ext cx="10566400" cy="4114800"/>
-        </p:xfrm>
-        <a:graphic>
-          <a:graphicData uri="http://schemas.openxmlformats.org/drawingml/2006/chart">
-            <c:chart xmlns:c="http://schemas.openxmlformats.org/drawingml/2006/chart" xmlns:r="http://schemas.openxmlformats.org/officeDocument/2006/relationships" r:id="rId2"/>
-          </a:graphicData>
-        </a:graphic>
-      </p:graphicFrame>
+          </p:nvPr>
+        </p:nvPicPr>
+        <p:blipFill>
+          <a:blip r:embed="rId2"/>
+          <a:stretch>
+            <a:fillRect/>
+          </a:stretch>
+        </p:blipFill>
+        <p:spPr>
+          <a:xfrm>
+            <a:off x="465894" y="1423930"/>
+            <a:ext cx="3324225" cy="1733550"/>
+          </a:xfrm>
+          <a:prstGeom prst="rect">
+            <a:avLst/>
+          </a:prstGeom>
+        </p:spPr>
+      </p:pic>
+      <p:pic>
+        <p:nvPicPr>
+          <p:cNvPr id="5" name="Picture 4">
+            <a:extLst>
+              <a:ext uri="{FF2B5EF4-FFF2-40B4-BE49-F238E27FC236}">
+                <a16:creationId xmlns:a16="http://schemas.microsoft.com/office/drawing/2014/main" id="{25196EF6-EC64-433F-8D51-D97AD717EBD2}"/>
+              </a:ext>
+            </a:extLst>
+          </p:cNvPr>
+          <p:cNvPicPr>
+            <a:picLocks noChangeAspect="1"/>
+          </p:cNvPicPr>
+          <p:nvPr/>
+        </p:nvPicPr>
+        <p:blipFill>
+          <a:blip r:embed="rId3"/>
+          <a:stretch>
+            <a:fillRect/>
+          </a:stretch>
+        </p:blipFill>
+        <p:spPr>
+          <a:xfrm>
+            <a:off x="4723000" y="1422999"/>
+            <a:ext cx="3425155" cy="1735412"/>
+          </a:xfrm>
+          <a:prstGeom prst="rect">
+            <a:avLst/>
+          </a:prstGeom>
+        </p:spPr>
+      </p:pic>
+      <p:sp>
+        <p:nvSpPr>
+          <p:cNvPr id="7" name="TextBox 6">
+            <a:extLst>
+              <a:ext uri="{FF2B5EF4-FFF2-40B4-BE49-F238E27FC236}">
+                <a16:creationId xmlns:a16="http://schemas.microsoft.com/office/drawing/2014/main" id="{91F243AD-323A-45F7-8F33-B673AC6A7D10}"/>
+              </a:ext>
+            </a:extLst>
+          </p:cNvPr>
+          <p:cNvSpPr txBox="1"/>
+          <p:nvPr/>
+        </p:nvSpPr>
+        <p:spPr>
+          <a:xfrm>
+            <a:off x="5286285" y="3128877"/>
+            <a:ext cx="2298584" cy="369332"/>
+          </a:xfrm>
+          <a:prstGeom prst="rect">
+            <a:avLst/>
+          </a:prstGeom>
+          <a:noFill/>
+          <a:ln>
+            <a:solidFill>
+              <a:schemeClr val="accent1">
+                <a:lumMod val="20000"/>
+                <a:lumOff val="80000"/>
+              </a:schemeClr>
+            </a:solidFill>
+          </a:ln>
+        </p:spPr>
+        <p:txBody>
+          <a:bodyPr wrap="square" rtlCol="0" anchor="ctr" anchorCtr="1">
+            <a:spAutoFit/>
+          </a:bodyPr>
+          <a:lstStyle/>
+          <a:p>
+            <a:r>
+              <a:rPr lang="en-IE" dirty="0"/>
+              <a:t>Sparse </a:t>
+            </a:r>
+          </a:p>
+        </p:txBody>
+      </p:sp>
+      <p:pic>
+        <p:nvPicPr>
+          <p:cNvPr id="8" name="Picture 7">
+            <a:extLst>
+              <a:ext uri="{FF2B5EF4-FFF2-40B4-BE49-F238E27FC236}">
+                <a16:creationId xmlns:a16="http://schemas.microsoft.com/office/drawing/2014/main" id="{9BA01778-4DD3-4882-85E0-0CB35F855C05}"/>
+              </a:ext>
+            </a:extLst>
+          </p:cNvPr>
+          <p:cNvPicPr>
+            <a:picLocks noChangeAspect="1"/>
+          </p:cNvPicPr>
+          <p:nvPr/>
+        </p:nvPicPr>
+        <p:blipFill>
+          <a:blip r:embed="rId4"/>
+          <a:stretch>
+            <a:fillRect/>
+          </a:stretch>
+        </p:blipFill>
+        <p:spPr>
+          <a:xfrm>
+            <a:off x="8984609" y="1182805"/>
+            <a:ext cx="2256333" cy="1724025"/>
+          </a:xfrm>
+          <a:prstGeom prst="rect">
+            <a:avLst/>
+          </a:prstGeom>
+        </p:spPr>
+      </p:pic>
+      <p:sp>
+        <p:nvSpPr>
+          <p:cNvPr id="9" name="TextBox 8">
+            <a:extLst>
+              <a:ext uri="{FF2B5EF4-FFF2-40B4-BE49-F238E27FC236}">
+                <a16:creationId xmlns:a16="http://schemas.microsoft.com/office/drawing/2014/main" id="{1DB986C2-568D-47A6-8C22-03A88C67BCD4}"/>
+              </a:ext>
+            </a:extLst>
+          </p:cNvPr>
+          <p:cNvSpPr txBox="1"/>
+          <p:nvPr/>
+        </p:nvSpPr>
+        <p:spPr>
+          <a:xfrm>
+            <a:off x="9152235" y="3032372"/>
+            <a:ext cx="1921079" cy="369332"/>
+          </a:xfrm>
+          <a:prstGeom prst="rect">
+            <a:avLst/>
+          </a:prstGeom>
+          <a:noFill/>
+          <a:ln>
+            <a:solidFill>
+              <a:schemeClr val="accent1">
+                <a:lumMod val="20000"/>
+                <a:lumOff val="80000"/>
+              </a:schemeClr>
+            </a:solidFill>
+          </a:ln>
+        </p:spPr>
+        <p:txBody>
+          <a:bodyPr wrap="square" rtlCol="0" anchor="ctr" anchorCtr="1">
+            <a:spAutoFit/>
+          </a:bodyPr>
+          <a:lstStyle/>
+          <a:p>
+            <a:r>
+              <a:rPr lang="en-IE" dirty="0"/>
+              <a:t>Tridiagonal</a:t>
+            </a:r>
+          </a:p>
+        </p:txBody>
+      </p:sp>
+      <p:pic>
+        <p:nvPicPr>
+          <p:cNvPr id="10" name="Picture 9">
+            <a:extLst>
+              <a:ext uri="{FF2B5EF4-FFF2-40B4-BE49-F238E27FC236}">
+                <a16:creationId xmlns:a16="http://schemas.microsoft.com/office/drawing/2014/main" id="{909B58AC-3281-4837-A446-23E484F39111}"/>
+              </a:ext>
+            </a:extLst>
+          </p:cNvPr>
+          <p:cNvPicPr>
+            <a:picLocks noChangeAspect="1"/>
+          </p:cNvPicPr>
+          <p:nvPr/>
+        </p:nvPicPr>
+        <p:blipFill>
+          <a:blip r:embed="rId5"/>
+          <a:stretch>
+            <a:fillRect/>
+          </a:stretch>
+        </p:blipFill>
+        <p:spPr>
+          <a:xfrm>
+            <a:off x="989638" y="3700521"/>
+            <a:ext cx="1504950" cy="1266825"/>
+          </a:xfrm>
+          <a:prstGeom prst="rect">
+            <a:avLst/>
+          </a:prstGeom>
+        </p:spPr>
+      </p:pic>
+      <p:sp>
+        <p:nvSpPr>
+          <p:cNvPr id="11" name="TextBox 10">
+            <a:extLst>
+              <a:ext uri="{FF2B5EF4-FFF2-40B4-BE49-F238E27FC236}">
+                <a16:creationId xmlns:a16="http://schemas.microsoft.com/office/drawing/2014/main" id="{847A43F2-7A6A-44A0-A6FA-7E9B76701B83}"/>
+              </a:ext>
+            </a:extLst>
+          </p:cNvPr>
+          <p:cNvSpPr txBox="1"/>
+          <p:nvPr/>
+        </p:nvSpPr>
+        <p:spPr>
+          <a:xfrm>
+            <a:off x="947956" y="5326901"/>
+            <a:ext cx="1619075" cy="369332"/>
+          </a:xfrm>
+          <a:prstGeom prst="rect">
+            <a:avLst/>
+          </a:prstGeom>
+          <a:noFill/>
+          <a:ln>
+            <a:solidFill>
+              <a:schemeClr val="accent1">
+                <a:lumMod val="20000"/>
+                <a:lumOff val="80000"/>
+              </a:schemeClr>
+            </a:solidFill>
+          </a:ln>
+        </p:spPr>
+        <p:txBody>
+          <a:bodyPr wrap="square" rtlCol="0" anchor="ctr" anchorCtr="1">
+            <a:spAutoFit/>
+          </a:bodyPr>
+          <a:lstStyle/>
+          <a:p>
+            <a:r>
+              <a:rPr lang="en-IE" dirty="0"/>
+              <a:t>Toeplitz</a:t>
+            </a:r>
+          </a:p>
+        </p:txBody>
+      </p:sp>
+      <p:pic>
+        <p:nvPicPr>
+          <p:cNvPr id="3" name="Picture 2">
+            <a:extLst>
+              <a:ext uri="{FF2B5EF4-FFF2-40B4-BE49-F238E27FC236}">
+                <a16:creationId xmlns:a16="http://schemas.microsoft.com/office/drawing/2014/main" id="{4D60000C-559A-4E6D-BA24-4E6A75FEB5CC}"/>
+              </a:ext>
+            </a:extLst>
+          </p:cNvPr>
+          <p:cNvPicPr>
+            <a:picLocks noChangeAspect="1"/>
+          </p:cNvPicPr>
+          <p:nvPr/>
+        </p:nvPicPr>
+        <p:blipFill>
+          <a:blip r:embed="rId6"/>
+          <a:stretch>
+            <a:fillRect/>
+          </a:stretch>
+        </p:blipFill>
+        <p:spPr>
+          <a:xfrm>
+            <a:off x="3511076" y="3776816"/>
+            <a:ext cx="2244766" cy="1262681"/>
+          </a:xfrm>
+          <a:prstGeom prst="rect">
+            <a:avLst/>
+          </a:prstGeom>
+        </p:spPr>
+      </p:pic>
+      <p:sp>
+        <p:nvSpPr>
+          <p:cNvPr id="6" name="TextBox 5">
+            <a:extLst>
+              <a:ext uri="{FF2B5EF4-FFF2-40B4-BE49-F238E27FC236}">
+                <a16:creationId xmlns:a16="http://schemas.microsoft.com/office/drawing/2014/main" id="{D4F547C3-5C14-4F4D-893F-B765ECA8388E}"/>
+              </a:ext>
+            </a:extLst>
+          </p:cNvPr>
+          <p:cNvSpPr txBox="1"/>
+          <p:nvPr/>
+        </p:nvSpPr>
+        <p:spPr>
+          <a:xfrm>
+            <a:off x="3916767" y="5049902"/>
+            <a:ext cx="1433384" cy="646331"/>
+          </a:xfrm>
+          <a:prstGeom prst="rect">
+            <a:avLst/>
+          </a:prstGeom>
+          <a:noFill/>
+          <a:ln>
+            <a:solidFill>
+              <a:schemeClr val="accent1">
+                <a:lumMod val="20000"/>
+                <a:lumOff val="80000"/>
+              </a:schemeClr>
+            </a:solidFill>
+          </a:ln>
+        </p:spPr>
+        <p:txBody>
+          <a:bodyPr wrap="square" rtlCol="0" anchor="ctr" anchorCtr="1">
+            <a:spAutoFit/>
+          </a:bodyPr>
+          <a:lstStyle/>
+          <a:p>
+            <a:r>
+              <a:rPr lang="en-IE" dirty="0"/>
+              <a:t>Unit/identity matrix</a:t>
+            </a:r>
+          </a:p>
+        </p:txBody>
+      </p:sp>
     </p:spTree>
     <p:extLst>
       <p:ext uri="{BB962C8B-B14F-4D97-AF65-F5344CB8AC3E}">
@@ -9067,291 +5221,176 @@
           <a:lstStyle/>
           <a:p>
             <a:r>
-              <a:rPr lang="en-US"/>
+              <a:rPr lang="en-US" dirty="0"/>
               <a:t>Two Content Layout with Table</a:t>
             </a:r>
-            <a:endParaRPr lang="en-US" dirty="0"/>
-          </a:p>
-        </p:txBody>
-      </p:sp>
-      <p:graphicFrame>
-        <p:nvGraphicFramePr>
-          <p:cNvPr id="4" name="Content Placeholder 3" title="Table sample"/>
-          <p:cNvGraphicFramePr>
-            <a:graphicFrameLocks noGrp="1"/>
-          </p:cNvGraphicFramePr>
-          <p:nvPr>
-            <p:ph sz="quarter" idx="13"/>
-            <p:extLst>
-              <p:ext uri="{D42A27DB-BD31-4B8C-83A1-F6EECF244321}">
-                <p14:modId xmlns:p14="http://schemas.microsoft.com/office/powerpoint/2010/main" val="659895434"/>
-              </p:ext>
-            </p:extLst>
-          </p:nvPr>
-        </p:nvGraphicFramePr>
-        <p:xfrm>
-          <a:off x="812800" y="1600200"/>
-          <a:ext cx="4978401" cy="2082800"/>
-        </p:xfrm>
-        <a:graphic>
-          <a:graphicData uri="http://schemas.openxmlformats.org/drawingml/2006/table">
-            <a:tbl>
-              <a:tblPr firstRow="1" bandRow="1">
-                <a:tableStyleId>{5DA37D80-6434-44D0-A028-1B22A696006F}</a:tableStyleId>
-              </a:tblPr>
-              <a:tblGrid>
-                <a:gridCol w="1659467">
-                  <a:extLst>
-                    <a:ext uri="{9D8B030D-6E8A-4147-A177-3AD203B41FA5}">
-                      <a16:colId xmlns:a16="http://schemas.microsoft.com/office/drawing/2014/main" val="20000"/>
-                    </a:ext>
-                  </a:extLst>
-                </a:gridCol>
-                <a:gridCol w="1659467">
-                  <a:extLst>
-                    <a:ext uri="{9D8B030D-6E8A-4147-A177-3AD203B41FA5}">
-                      <a16:colId xmlns:a16="http://schemas.microsoft.com/office/drawing/2014/main" val="20001"/>
-                    </a:ext>
-                  </a:extLst>
-                </a:gridCol>
-                <a:gridCol w="1659467">
-                  <a:extLst>
-                    <a:ext uri="{9D8B030D-6E8A-4147-A177-3AD203B41FA5}">
-                      <a16:colId xmlns:a16="http://schemas.microsoft.com/office/drawing/2014/main" val="20002"/>
-                    </a:ext>
-                  </a:extLst>
-                </a:gridCol>
-              </a:tblGrid>
-              <a:tr h="520700">
-                <a:tc>
-                  <a:txBody>
-                    <a:bodyPr/>
-                    <a:lstStyle/>
-                    <a:p>
-                      <a:r>
-                        <a:rPr lang="en-US" dirty="0"/>
-                        <a:t>Class</a:t>
-                      </a:r>
-                    </a:p>
-                  </a:txBody>
-                  <a:tcPr marL="95363" marR="95363" anchor="ctr"/>
-                </a:tc>
-                <a:tc>
-                  <a:txBody>
-                    <a:bodyPr/>
-                    <a:lstStyle/>
-                    <a:p>
-                      <a:pPr algn="ctr"/>
-                      <a:r>
-                        <a:rPr lang="en-US" dirty="0"/>
-                        <a:t>Group A</a:t>
-                      </a:r>
-                    </a:p>
-                  </a:txBody>
-                  <a:tcPr marL="95363" marR="95363" anchor="ctr"/>
-                </a:tc>
-                <a:tc>
-                  <a:txBody>
-                    <a:bodyPr/>
-                    <a:lstStyle/>
-                    <a:p>
-                      <a:pPr algn="ctr"/>
-                      <a:r>
-                        <a:rPr lang="en-US" dirty="0"/>
-                        <a:t>Group B</a:t>
-                      </a:r>
-                    </a:p>
-                  </a:txBody>
-                  <a:tcPr marL="95363" marR="95363" anchor="ctr"/>
-                </a:tc>
+          </a:p>
+        </p:txBody>
+      </p:sp>
+      <mc:AlternateContent xmlns:mc="http://schemas.openxmlformats.org/markup-compatibility/2006">
+        <mc:Choice xmlns:a14="http://schemas.microsoft.com/office/drawing/2010/main" Requires="a14">
+          <p:sp>
+            <p:nvSpPr>
+              <p:cNvPr id="5" name="Content Placeholder 4">
                 <a:extLst>
-                  <a:ext uri="{0D108BD9-81ED-4DB2-BD59-A6C34878D82A}">
-                    <a16:rowId xmlns:a16="http://schemas.microsoft.com/office/drawing/2014/main" val="10000"/>
+                  <a:ext uri="{FF2B5EF4-FFF2-40B4-BE49-F238E27FC236}">
+                    <a16:creationId xmlns:a16="http://schemas.microsoft.com/office/drawing/2014/main" id="{F568DBFA-BE68-4428-B013-FBF941F72F81}"/>
                   </a:ext>
                 </a:extLst>
-              </a:tr>
-              <a:tr h="520700">
-                <a:tc>
-                  <a:txBody>
-                    <a:bodyPr/>
-                    <a:lstStyle/>
-                    <a:p>
-                      <a:r>
-                        <a:rPr lang="en-US" dirty="0"/>
-                        <a:t>Class 1</a:t>
-                      </a:r>
-                    </a:p>
-                  </a:txBody>
-                  <a:tcPr marL="95363" marR="95363" anchor="ctr"/>
-                </a:tc>
-                <a:tc>
-                  <a:txBody>
-                    <a:bodyPr/>
-                    <a:lstStyle/>
-                    <a:p>
-                      <a:pPr algn="ctr"/>
-                      <a:r>
-                        <a:rPr lang="en-US" dirty="0"/>
-                        <a:t>82</a:t>
-                      </a:r>
-                    </a:p>
-                  </a:txBody>
-                  <a:tcPr marL="95363" marR="95363" anchor="ctr"/>
-                </a:tc>
-                <a:tc>
-                  <a:txBody>
-                    <a:bodyPr/>
-                    <a:lstStyle/>
-                    <a:p>
-                      <a:pPr algn="ctr"/>
-                      <a:r>
-                        <a:rPr lang="en-US" dirty="0"/>
-                        <a:t>85</a:t>
-                      </a:r>
-                    </a:p>
-                  </a:txBody>
-                  <a:tcPr marL="95363" marR="95363" anchor="ctr"/>
-                </a:tc>
+              </p:cNvPr>
+              <p:cNvSpPr>
+                <a:spLocks noGrp="1"/>
+              </p:cNvSpPr>
+              <p:nvPr>
+                <p:ph sz="quarter" idx="13"/>
+              </p:nvPr>
+            </p:nvSpPr>
+            <p:spPr>
+              <a:xfrm>
+                <a:off x="812799" y="1600200"/>
+                <a:ext cx="9105557" cy="4114800"/>
+              </a:xfrm>
+            </p:spPr>
+            <p:txBody>
+              <a:bodyPr/>
+              <a:lstStyle/>
+              <a:p>
+                <a:r>
+                  <a:rPr lang="en-IE" dirty="0"/>
+                  <a:t>Is the matrix inversible?</a:t>
+                </a:r>
+              </a:p>
+              <a:p>
+                <a:r>
+                  <a:rPr lang="en-IE" dirty="0"/>
+                  <a:t>Yes if matrix </a:t>
+                </a:r>
+                <a:r>
+                  <a:rPr lang="en-US" altLang="zh-TW" b="1" dirty="0"/>
+                  <a:t>K </a:t>
+                </a:r>
+                <a:r>
+                  <a:rPr lang="zh-TW" altLang="en-US" b="1" dirty="0"/>
+                  <a:t>* </a:t>
+                </a:r>
+                <a14:m>
+                  <m:oMath xmlns:m="http://schemas.openxmlformats.org/officeDocument/2006/math">
+                    <m:sSup>
+                      <m:sSupPr>
+                        <m:ctrlPr>
+                          <a:rPr lang="en-US" altLang="zh-TW" b="1" i="1" smtClean="0">
+                            <a:latin typeface="Cambria Math" panose="02040503050406030204" pitchFamily="18" charset="0"/>
+                          </a:rPr>
+                        </m:ctrlPr>
+                      </m:sSupPr>
+                      <m:e>
+                        <m:r>
+                          <m:rPr>
+                            <m:sty m:val="p"/>
+                          </m:rPr>
+                          <a:rPr lang="en-US" altLang="zh-TW" b="1" i="1">
+                            <a:latin typeface="Cambria Math" panose="02040503050406030204" pitchFamily="18" charset="0"/>
+                          </a:rPr>
+                          <m:t>K</m:t>
+                        </m:r>
+                      </m:e>
+                      <m:sup>
+                        <m:r>
+                          <a:rPr lang="en-US" altLang="zh-TW" b="1" i="1">
+                            <a:latin typeface="Cambria Math" panose="02040503050406030204" pitchFamily="18" charset="0"/>
+                          </a:rPr>
+                          <m:t>-</m:t>
+                        </m:r>
+                        <m:r>
+                          <a:rPr lang="en-US" altLang="zh-TW" b="1" i="1" smtClean="0">
+                            <a:latin typeface="Cambria Math" panose="02040503050406030204" pitchFamily="18" charset="0"/>
+                          </a:rPr>
+                          <m:t>1</m:t>
+                        </m:r>
+                      </m:sup>
+                    </m:sSup>
+                  </m:oMath>
+                </a14:m>
+                <a:r>
+                  <a:rPr lang="en-IE" dirty="0"/>
+                  <a:t> </a:t>
+                </a:r>
+                <a:r>
+                  <a:rPr lang="en-US" altLang="zh-TW" dirty="0"/>
+                  <a:t>= </a:t>
+                </a:r>
+                <a:r>
+                  <a:rPr lang="en-US" altLang="zh-TW" b="1" dirty="0"/>
+                  <a:t>I </a:t>
+                </a:r>
+                <a:r>
+                  <a:rPr lang="en-US" altLang="zh-TW" dirty="0"/>
+                  <a:t>   , I = </a:t>
+                </a:r>
+                <a:r>
+                  <a:rPr lang="en-IE" altLang="zh-TW" dirty="0"/>
+                  <a:t>identity matrix </a:t>
+                </a:r>
+              </a:p>
+              <a:p>
+                <a:r>
+                  <a:rPr lang="en-IE" dirty="0"/>
+                  <a:t>How to tell a matrix is inversible if it is large matrix?</a:t>
+                </a:r>
+              </a:p>
+              <a:p>
+                <a:r>
+                  <a:rPr lang="en-IE" dirty="0"/>
+                  <a:t>Use row reduce</a:t>
+                </a:r>
+              </a:p>
+            </p:txBody>
+          </p:sp>
+        </mc:Choice>
+        <mc:Fallback>
+          <p:sp>
+            <p:nvSpPr>
+              <p:cNvPr id="5" name="Content Placeholder 4">
                 <a:extLst>
-                  <a:ext uri="{0D108BD9-81ED-4DB2-BD59-A6C34878D82A}">
-                    <a16:rowId xmlns:a16="http://schemas.microsoft.com/office/drawing/2014/main" val="10001"/>
+                  <a:ext uri="{FF2B5EF4-FFF2-40B4-BE49-F238E27FC236}">
+                    <a16:creationId xmlns:a16="http://schemas.microsoft.com/office/drawing/2014/main" id="{F568DBFA-BE68-4428-B013-FBF941F72F81}"/>
                   </a:ext>
                 </a:extLst>
-              </a:tr>
-              <a:tr h="520700">
-                <a:tc>
-                  <a:txBody>
-                    <a:bodyPr/>
-                    <a:lstStyle/>
-                    <a:p>
-                      <a:r>
-                        <a:rPr lang="en-US" dirty="0"/>
-                        <a:t>Class 2</a:t>
-                      </a:r>
-                    </a:p>
-                  </a:txBody>
-                  <a:tcPr marL="95363" marR="95363" anchor="ctr"/>
-                </a:tc>
-                <a:tc>
-                  <a:txBody>
-                    <a:bodyPr/>
-                    <a:lstStyle/>
-                    <a:p>
-                      <a:pPr algn="ctr"/>
-                      <a:r>
-                        <a:rPr lang="en-US" dirty="0"/>
-                        <a:t>76</a:t>
-                      </a:r>
-                    </a:p>
-                  </a:txBody>
-                  <a:tcPr marL="95363" marR="95363" anchor="ctr"/>
-                </a:tc>
-                <a:tc>
-                  <a:txBody>
-                    <a:bodyPr/>
-                    <a:lstStyle/>
-                    <a:p>
-                      <a:pPr algn="ctr"/>
-                      <a:r>
-                        <a:rPr lang="en-US" dirty="0"/>
-                        <a:t>88</a:t>
-                      </a:r>
-                    </a:p>
-                  </a:txBody>
-                  <a:tcPr marL="95363" marR="95363" anchor="ctr"/>
-                </a:tc>
-                <a:extLst>
-                  <a:ext uri="{0D108BD9-81ED-4DB2-BD59-A6C34878D82A}">
-                    <a16:rowId xmlns:a16="http://schemas.microsoft.com/office/drawing/2014/main" val="10002"/>
-                  </a:ext>
-                </a:extLst>
-              </a:tr>
-              <a:tr h="520700">
-                <a:tc>
-                  <a:txBody>
-                    <a:bodyPr/>
-                    <a:lstStyle/>
-                    <a:p>
-                      <a:r>
-                        <a:rPr lang="en-US" dirty="0"/>
-                        <a:t>Class 3</a:t>
-                      </a:r>
-                    </a:p>
-                  </a:txBody>
-                  <a:tcPr marL="95363" marR="95363" anchor="ctr"/>
-                </a:tc>
-                <a:tc>
-                  <a:txBody>
-                    <a:bodyPr/>
-                    <a:lstStyle/>
-                    <a:p>
-                      <a:pPr algn="ctr"/>
-                      <a:r>
-                        <a:rPr lang="en-US" dirty="0"/>
-                        <a:t>84</a:t>
-                      </a:r>
-                    </a:p>
-                  </a:txBody>
-                  <a:tcPr marL="95363" marR="95363" anchor="ctr"/>
-                </a:tc>
-                <a:tc>
-                  <a:txBody>
-                    <a:bodyPr/>
-                    <a:lstStyle/>
-                    <a:p>
-                      <a:pPr algn="ctr"/>
-                      <a:r>
-                        <a:rPr lang="en-US" dirty="0"/>
-                        <a:t>90</a:t>
-                      </a:r>
-                    </a:p>
-                  </a:txBody>
-                  <a:tcPr marL="95363" marR="95363" anchor="ctr"/>
-                </a:tc>
-                <a:extLst>
-                  <a:ext uri="{0D108BD9-81ED-4DB2-BD59-A6C34878D82A}">
-                    <a16:rowId xmlns:a16="http://schemas.microsoft.com/office/drawing/2014/main" val="10003"/>
-                  </a:ext>
-                </a:extLst>
-              </a:tr>
-            </a:tbl>
-          </a:graphicData>
-        </a:graphic>
-      </p:graphicFrame>
-      <p:sp>
-        <p:nvSpPr>
-          <p:cNvPr id="11" name="Content Placeholder 10"/>
-          <p:cNvSpPr>
-            <a:spLocks noGrp="1"/>
-          </p:cNvSpPr>
-          <p:nvPr>
-            <p:ph sz="quarter" idx="14"/>
-          </p:nvPr>
-        </p:nvSpPr>
-        <p:spPr/>
-        <p:txBody>
-          <a:bodyPr/>
-          <a:lstStyle/>
-          <a:p>
-            <a:r>
-              <a:rPr lang="en-US" dirty="0"/>
-              <a:t>First bullet point here</a:t>
-            </a:r>
-          </a:p>
-          <a:p>
-            <a:r>
-              <a:rPr lang="en-US" dirty="0"/>
-              <a:t>Second bullet point here</a:t>
-            </a:r>
-          </a:p>
-          <a:p>
-            <a:r>
-              <a:rPr lang="en-US" dirty="0"/>
-              <a:t>Third bullet point here</a:t>
-            </a:r>
-          </a:p>
-        </p:txBody>
-      </p:sp>
+              </p:cNvPr>
+              <p:cNvSpPr>
+                <a:spLocks noGrp="1" noRot="1" noChangeAspect="1" noMove="1" noResize="1" noEditPoints="1" noAdjustHandles="1" noChangeArrowheads="1" noChangeShapeType="1" noTextEdit="1"/>
+              </p:cNvSpPr>
+              <p:nvPr>
+                <p:ph sz="quarter" idx="13"/>
+              </p:nvPr>
+            </p:nvSpPr>
+            <p:spPr>
+              <a:xfrm>
+                <a:off x="812799" y="1600200"/>
+                <a:ext cx="9105557" cy="4114800"/>
+              </a:xfrm>
+              <a:blipFill>
+                <a:blip r:embed="rId2"/>
+                <a:stretch>
+                  <a:fillRect l="-602" t="-741"/>
+                </a:stretch>
+              </a:blipFill>
+            </p:spPr>
+            <p:txBody>
+              <a:bodyPr/>
+              <a:lstStyle/>
+              <a:p>
+                <a:r>
+                  <a:rPr lang="en-IE">
+                    <a:noFill/>
+                  </a:rPr>
+                  <a:t> </a:t>
+                </a:r>
+              </a:p>
+            </p:txBody>
+          </p:sp>
+        </mc:Fallback>
+      </mc:AlternateContent>
     </p:spTree>
     <p:extLst>
       <p:ext uri="{BB962C8B-B14F-4D97-AF65-F5344CB8AC3E}">
@@ -9410,10 +5449,9 @@
           <a:lstStyle/>
           <a:p>
             <a:r>
-              <a:rPr lang="en-US"/>
-              <a:t>Two Content Layout with SmartArt</a:t>
-            </a:r>
-            <a:endParaRPr lang="en-US" dirty="0"/>
+              <a:rPr lang="en-US" dirty="0"/>
+              <a:t>Row reduce </a:t>
+            </a:r>
           </a:p>
         </p:txBody>
       </p:sp>
@@ -9427,56 +5465,47 @@
             <p:ph sz="quarter" idx="13"/>
           </p:nvPr>
         </p:nvSpPr>
-        <p:spPr/>
+        <p:spPr>
+          <a:xfrm>
+            <a:off x="812799" y="1600200"/>
+            <a:ext cx="9888151" cy="4114800"/>
+          </a:xfrm>
+        </p:spPr>
         <p:txBody>
           <a:bodyPr/>
           <a:lstStyle/>
           <a:p>
             <a:r>
-              <a:rPr lang="en-US"/>
-              <a:t>First bullet point here</a:t>
-            </a:r>
-          </a:p>
-          <a:p>
-            <a:r>
-              <a:rPr lang="en-US"/>
-              <a:t>Second bullet point here</a:t>
-            </a:r>
-          </a:p>
-          <a:p>
-            <a:r>
-              <a:rPr lang="en-US"/>
-              <a:t>Third bullet point here</a:t>
-            </a:r>
-            <a:endParaRPr lang="en-US" dirty="0"/>
-          </a:p>
-        </p:txBody>
-      </p:sp>
-      <p:graphicFrame>
-        <p:nvGraphicFramePr>
-          <p:cNvPr id="9" name="Content Placeholder 8" descr="Vertical Box List diagram showing 3 groups arranged one below the other and bullet points are present under each group"/>
-          <p:cNvGraphicFramePr>
-            <a:graphicFrameLocks noGrp="1"/>
-          </p:cNvGraphicFramePr>
-          <p:nvPr>
-            <p:ph sz="quarter" idx="14"/>
-            <p:extLst>
-              <p:ext uri="{D42A27DB-BD31-4B8C-83A1-F6EECF244321}">
-                <p14:modId xmlns:p14="http://schemas.microsoft.com/office/powerpoint/2010/main" val="4028468487"/>
-              </p:ext>
-            </p:extLst>
-          </p:nvPr>
-        </p:nvGraphicFramePr>
-        <p:xfrm>
-          <a:off x="6400800" y="1600200"/>
-          <a:ext cx="4978400" cy="4114800"/>
-        </p:xfrm>
-        <a:graphic>
-          <a:graphicData uri="http://schemas.openxmlformats.org/drawingml/2006/diagram">
-            <dgm:relIds xmlns:dgm="http://schemas.openxmlformats.org/drawingml/2006/diagram" xmlns:r="http://schemas.openxmlformats.org/officeDocument/2006/relationships" r:dm="rId2" r:lo="rId3" r:qs="rId4" r:cs="rId5"/>
-          </a:graphicData>
-        </a:graphic>
-      </p:graphicFrame>
+              <a:rPr lang="en-US" dirty="0"/>
+              <a:t>Goal: reduce the number below diagonal to 0</a:t>
+            </a:r>
+          </a:p>
+          <a:p>
+            <a:r>
+              <a:rPr lang="en-US" dirty="0"/>
+              <a:t>1. select top left number as pivot point </a:t>
+            </a:r>
+          </a:p>
+          <a:p>
+            <a:r>
+              <a:rPr lang="en-US" dirty="0"/>
+              <a:t>2. Try to find a multiple of pivot row that can add or subtract to number below pivot point to make it 0 </a:t>
+            </a:r>
+          </a:p>
+          <a:p>
+            <a:r>
+              <a:rPr lang="en-US" dirty="0"/>
+              <a:t>3. Move the pivot point down the diagonal </a:t>
+            </a:r>
+          </a:p>
+          <a:p>
+            <a:r>
+              <a:rPr lang="en-US" dirty="0"/>
+              <a:t>4. repeat the processes </a:t>
+            </a:r>
+          </a:p>
+        </p:txBody>
+      </p:sp>
     </p:spTree>
     <p:extLst>
       <p:ext uri="{BB962C8B-B14F-4D97-AF65-F5344CB8AC3E}">
